--- a/Assessment Epam A2-A3/presentation-template.pptx
+++ b/Assessment Epam A2-A3/presentation-template.pptx
@@ -2138,6 +2138,10 @@
         <a:lstStyle/>
         <a:p>
           <a:pPr algn="ctr"/>
+          <a:r>
+            <a:rPr lang="en-US" sz="1200" b="0" dirty="0"/>
+            <a:t/>
+          </a:r>
           <a:br>
             <a:rPr lang="en-US" sz="1200" b="0" dirty="0"/>
           </a:br>
@@ -2192,6 +2196,13 @@
         </dgm:presLayoutVars>
       </dgm:prSet>
       <dgm:spPr/>
+      <dgm:t>
+        <a:bodyPr/>
+        <a:lstStyle/>
+        <a:p>
+          <a:endParaRPr lang="en-US"/>
+        </a:p>
+      </dgm:t>
     </dgm:pt>
     <dgm:pt modelId="{C0AE9E55-4002-42B9-943B-8E6FD365AB02}" type="pres">
       <dgm:prSet presAssocID="{272C1146-3F8E-4427-A27D-E62949DBDD77}" presName="arrow" presStyleLbl="bgShp" presStyleIdx="0" presStyleCnt="1"/>
@@ -2219,6 +2230,13 @@
         </dgm:presLayoutVars>
       </dgm:prSet>
       <dgm:spPr/>
+      <dgm:t>
+        <a:bodyPr/>
+        <a:lstStyle/>
+        <a:p>
+          <a:endParaRPr lang="en-US"/>
+        </a:p>
+      </dgm:t>
     </dgm:pt>
     <dgm:pt modelId="{E79FF26D-6404-4362-9456-B495C6C1B9CF}" type="pres">
       <dgm:prSet presAssocID="{C1792427-2799-4E91-9F7D-9901A5E743EA}" presName="circleA" presStyleLbl="node1" presStyleIdx="0" presStyleCnt="6"/>
@@ -2243,6 +2261,13 @@
         </dgm:presLayoutVars>
       </dgm:prSet>
       <dgm:spPr/>
+      <dgm:t>
+        <a:bodyPr/>
+        <a:lstStyle/>
+        <a:p>
+          <a:endParaRPr lang="en-US"/>
+        </a:p>
+      </dgm:t>
     </dgm:pt>
     <dgm:pt modelId="{A66A1412-1ABC-4F26-A1B0-D336C0FEECA5}" type="pres">
       <dgm:prSet presAssocID="{6FDA27AB-7FC6-4889-9CAD-F233677EF7A5}" presName="circleB" presStyleLbl="node1" presStyleIdx="1" presStyleCnt="6"/>
@@ -2267,6 +2292,13 @@
         </dgm:presLayoutVars>
       </dgm:prSet>
       <dgm:spPr/>
+      <dgm:t>
+        <a:bodyPr/>
+        <a:lstStyle/>
+        <a:p>
+          <a:endParaRPr lang="en-US"/>
+        </a:p>
+      </dgm:t>
     </dgm:pt>
     <dgm:pt modelId="{CDAFFB5D-4DF3-419E-B476-9C4BF338B9F0}" type="pres">
       <dgm:prSet presAssocID="{13C192A5-7852-450E-AC2A-D184F7DE8601}" presName="circleA" presStyleLbl="node1" presStyleIdx="2" presStyleCnt="6"/>
@@ -2291,6 +2323,13 @@
         </dgm:presLayoutVars>
       </dgm:prSet>
       <dgm:spPr/>
+      <dgm:t>
+        <a:bodyPr/>
+        <a:lstStyle/>
+        <a:p>
+          <a:endParaRPr lang="en-US"/>
+        </a:p>
+      </dgm:t>
     </dgm:pt>
     <dgm:pt modelId="{3E5F1A52-CB22-4FDB-A6FA-80E0EF15F148}" type="pres">
       <dgm:prSet presAssocID="{D14BC712-33BA-46D8-9CC1-3226A0D9BD6B}" presName="circleB" presStyleLbl="node1" presStyleIdx="3" presStyleCnt="6"/>
@@ -2315,6 +2354,13 @@
         </dgm:presLayoutVars>
       </dgm:prSet>
       <dgm:spPr/>
+      <dgm:t>
+        <a:bodyPr/>
+        <a:lstStyle/>
+        <a:p>
+          <a:endParaRPr lang="en-US"/>
+        </a:p>
+      </dgm:t>
     </dgm:pt>
     <dgm:pt modelId="{21B2F74F-1660-421E-9171-567964A97333}" type="pres">
       <dgm:prSet presAssocID="{1E4CC4FE-CEB8-458F-8E7A-7F827FC5A8DA}" presName="circleA" presStyleLbl="node1" presStyleIdx="4" presStyleCnt="6"/>
@@ -2339,6 +2385,13 @@
         </dgm:presLayoutVars>
       </dgm:prSet>
       <dgm:spPr/>
+      <dgm:t>
+        <a:bodyPr/>
+        <a:lstStyle/>
+        <a:p>
+          <a:endParaRPr lang="en-US"/>
+        </a:p>
+      </dgm:t>
     </dgm:pt>
     <dgm:pt modelId="{24020BCD-169F-46E1-AA45-9A30CBDFE357}" type="pres">
       <dgm:prSet presAssocID="{58FE7E3E-40FE-4A34-9540-6BD87B35B1DE}" presName="circleB" presStyleLbl="node1" presStyleIdx="5" presStyleCnt="6"/>
@@ -2350,19 +2403,19 @@
     </dgm:pt>
   </dgm:ptLst>
   <dgm:cxnLst>
+    <dgm:cxn modelId="{4134003D-2F29-4932-9ADD-BBB8AECF0297}" type="presOf" srcId="{C1792427-2799-4E91-9F7D-9901A5E743EA}" destId="{87278D95-F9B1-4A70-9F3E-BD37E62E79D5}" srcOrd="0" destOrd="0" presId="urn:microsoft.com/office/officeart/2005/8/layout/hProcess11"/>
+    <dgm:cxn modelId="{A2FA3983-7A4C-4550-9542-61D55B07751E}" type="presOf" srcId="{272C1146-3F8E-4427-A27D-E62949DBDD77}" destId="{CDAF1ACB-6130-4516-A58D-325643447586}" srcOrd="0" destOrd="0" presId="urn:microsoft.com/office/officeart/2005/8/layout/hProcess11"/>
+    <dgm:cxn modelId="{F49A2DE6-DA32-4573-AA7B-F3856014831A}" type="presOf" srcId="{58FE7E3E-40FE-4A34-9540-6BD87B35B1DE}" destId="{6876C14E-BA66-42A7-A82A-BF8ADEA1EEEC}" srcOrd="0" destOrd="0" presId="urn:microsoft.com/office/officeart/2005/8/layout/hProcess11"/>
+    <dgm:cxn modelId="{A56F6109-51F0-4312-91E6-B5FC20D780F3}" srcId="{272C1146-3F8E-4427-A27D-E62949DBDD77}" destId="{13C192A5-7852-450E-AC2A-D184F7DE8601}" srcOrd="2" destOrd="0" parTransId="{9CE3E35F-916E-4636-BCE3-2AB155652EFC}" sibTransId="{EEB1362B-B410-4684-A359-4DD1B7E753C9}"/>
+    <dgm:cxn modelId="{07026B36-F23D-4E3C-864B-C06A60B9B501}" srcId="{272C1146-3F8E-4427-A27D-E62949DBDD77}" destId="{D14BC712-33BA-46D8-9CC1-3226A0D9BD6B}" srcOrd="3" destOrd="0" parTransId="{49A002BA-54B9-4832-A8DF-A29715BD0AEA}" sibTransId="{09ECBE3E-5EFF-4D81-A502-194B8970CC12}"/>
+    <dgm:cxn modelId="{C651FB12-35CD-4D81-88E7-46BEBE9AABD7}" type="presOf" srcId="{D14BC712-33BA-46D8-9CC1-3226A0D9BD6B}" destId="{116AF025-5299-4E7B-91D3-4F89C70BB36F}" srcOrd="0" destOrd="0" presId="urn:microsoft.com/office/officeart/2005/8/layout/hProcess11"/>
+    <dgm:cxn modelId="{AAAB8A82-BC40-4712-BACB-D7C978EAFAD9}" type="presOf" srcId="{13C192A5-7852-450E-AC2A-D184F7DE8601}" destId="{9EE361B1-670C-4846-A33C-89165043DDA5}" srcOrd="0" destOrd="0" presId="urn:microsoft.com/office/officeart/2005/8/layout/hProcess11"/>
+    <dgm:cxn modelId="{3774EC3A-2C66-4C12-8EA1-7F098B99F073}" srcId="{272C1146-3F8E-4427-A27D-E62949DBDD77}" destId="{C1792427-2799-4E91-9F7D-9901A5E743EA}" srcOrd="0" destOrd="0" parTransId="{5E134BB4-ADA3-4A7B-9CB6-406508C45E0F}" sibTransId="{81011BA0-3C05-4317-A3AF-8433C0878AF1}"/>
+    <dgm:cxn modelId="{602A5896-A70F-4CEE-A91B-B4D9F0408433}" srcId="{272C1146-3F8E-4427-A27D-E62949DBDD77}" destId="{1E4CC4FE-CEB8-458F-8E7A-7F827FC5A8DA}" srcOrd="4" destOrd="0" parTransId="{92735DB2-4ED8-4A04-9B51-D530BE3834BD}" sibTransId="{001D41A4-F4A4-439A-9823-E7C18F7CC35A}"/>
     <dgm:cxn modelId="{8ED45701-DBA1-4AAF-BE46-4560DF0B9594}" srcId="{272C1146-3F8E-4427-A27D-E62949DBDD77}" destId="{58FE7E3E-40FE-4A34-9540-6BD87B35B1DE}" srcOrd="5" destOrd="0" parTransId="{71410C2E-90F0-4DF6-B6F9-5A12B54FFE16}" sibTransId="{2CCE70D4-4FD2-48C1-BDBC-E5308C01DC04}"/>
-    <dgm:cxn modelId="{A56F6109-51F0-4312-91E6-B5FC20D780F3}" srcId="{272C1146-3F8E-4427-A27D-E62949DBDD77}" destId="{13C192A5-7852-450E-AC2A-D184F7DE8601}" srcOrd="2" destOrd="0" parTransId="{9CE3E35F-916E-4636-BCE3-2AB155652EFC}" sibTransId="{EEB1362B-B410-4684-A359-4DD1B7E753C9}"/>
-    <dgm:cxn modelId="{C651FB12-35CD-4D81-88E7-46BEBE9AABD7}" type="presOf" srcId="{D14BC712-33BA-46D8-9CC1-3226A0D9BD6B}" destId="{116AF025-5299-4E7B-91D3-4F89C70BB36F}" srcOrd="0" destOrd="0" presId="urn:microsoft.com/office/officeart/2005/8/layout/hProcess11"/>
     <dgm:cxn modelId="{7412572C-DFB6-47ED-A5D8-7CD67A751168}" type="presOf" srcId="{1E4CC4FE-CEB8-458F-8E7A-7F827FC5A8DA}" destId="{0CFCD2A6-F362-4EE8-9A5E-7D59714D4EFB}" srcOrd="0" destOrd="0" presId="urn:microsoft.com/office/officeart/2005/8/layout/hProcess11"/>
     <dgm:cxn modelId="{B06B172E-F756-42E0-B82E-F4A816C1D78C}" type="presOf" srcId="{6FDA27AB-7FC6-4889-9CAD-F233677EF7A5}" destId="{69BF74F2-D8BE-409F-A19D-EA2945D3F296}" srcOrd="0" destOrd="0" presId="urn:microsoft.com/office/officeart/2005/8/layout/hProcess11"/>
-    <dgm:cxn modelId="{07026B36-F23D-4E3C-864B-C06A60B9B501}" srcId="{272C1146-3F8E-4427-A27D-E62949DBDD77}" destId="{D14BC712-33BA-46D8-9CC1-3226A0D9BD6B}" srcOrd="3" destOrd="0" parTransId="{49A002BA-54B9-4832-A8DF-A29715BD0AEA}" sibTransId="{09ECBE3E-5EFF-4D81-A502-194B8970CC12}"/>
-    <dgm:cxn modelId="{3774EC3A-2C66-4C12-8EA1-7F098B99F073}" srcId="{272C1146-3F8E-4427-A27D-E62949DBDD77}" destId="{C1792427-2799-4E91-9F7D-9901A5E743EA}" srcOrd="0" destOrd="0" parTransId="{5E134BB4-ADA3-4A7B-9CB6-406508C45E0F}" sibTransId="{81011BA0-3C05-4317-A3AF-8433C0878AF1}"/>
-    <dgm:cxn modelId="{4134003D-2F29-4932-9ADD-BBB8AECF0297}" type="presOf" srcId="{C1792427-2799-4E91-9F7D-9901A5E743EA}" destId="{87278D95-F9B1-4A70-9F3E-BD37E62E79D5}" srcOrd="0" destOrd="0" presId="urn:microsoft.com/office/officeart/2005/8/layout/hProcess11"/>
     <dgm:cxn modelId="{9DD55554-DDA7-425F-B67D-0960241E32D9}" srcId="{272C1146-3F8E-4427-A27D-E62949DBDD77}" destId="{6FDA27AB-7FC6-4889-9CAD-F233677EF7A5}" srcOrd="1" destOrd="0" parTransId="{0E788657-EF50-493B-BED8-1ECA63543F94}" sibTransId="{258C18D7-523E-4999-84E5-D69B064DE109}"/>
-    <dgm:cxn modelId="{AAAB8A82-BC40-4712-BACB-D7C978EAFAD9}" type="presOf" srcId="{13C192A5-7852-450E-AC2A-D184F7DE8601}" destId="{9EE361B1-670C-4846-A33C-89165043DDA5}" srcOrd="0" destOrd="0" presId="urn:microsoft.com/office/officeart/2005/8/layout/hProcess11"/>
-    <dgm:cxn modelId="{A2FA3983-7A4C-4550-9542-61D55B07751E}" type="presOf" srcId="{272C1146-3F8E-4427-A27D-E62949DBDD77}" destId="{CDAF1ACB-6130-4516-A58D-325643447586}" srcOrd="0" destOrd="0" presId="urn:microsoft.com/office/officeart/2005/8/layout/hProcess11"/>
-    <dgm:cxn modelId="{602A5896-A70F-4CEE-A91B-B4D9F0408433}" srcId="{272C1146-3F8E-4427-A27D-E62949DBDD77}" destId="{1E4CC4FE-CEB8-458F-8E7A-7F827FC5A8DA}" srcOrd="4" destOrd="0" parTransId="{92735DB2-4ED8-4A04-9B51-D530BE3834BD}" sibTransId="{001D41A4-F4A4-439A-9823-E7C18F7CC35A}"/>
-    <dgm:cxn modelId="{F49A2DE6-DA32-4573-AA7B-F3856014831A}" type="presOf" srcId="{58FE7E3E-40FE-4A34-9540-6BD87B35B1DE}" destId="{6876C14E-BA66-42A7-A82A-BF8ADEA1EEEC}" srcOrd="0" destOrd="0" presId="urn:microsoft.com/office/officeart/2005/8/layout/hProcess11"/>
     <dgm:cxn modelId="{8CE15C28-4A00-49C4-87DD-340374CAE29E}" type="presParOf" srcId="{CDAF1ACB-6130-4516-A58D-325643447586}" destId="{C0AE9E55-4002-42B9-943B-8E6FD365AB02}" srcOrd="0" destOrd="0" presId="urn:microsoft.com/office/officeart/2005/8/layout/hProcess11"/>
     <dgm:cxn modelId="{0F23C273-44BC-48D0-A3C1-C5ABCF32A4D1}" type="presParOf" srcId="{CDAF1ACB-6130-4516-A58D-325643447586}" destId="{784C5530-A4EE-4D5E-A307-5E7E74A1D23F}" srcOrd="1" destOrd="0" presId="urn:microsoft.com/office/officeart/2005/8/layout/hProcess11"/>
     <dgm:cxn modelId="{F141C635-4C49-41FB-BC20-0CC23A0D2A5F}" type="presParOf" srcId="{784C5530-A4EE-4D5E-A307-5E7E74A1D23F}" destId="{F7B1EAE4-1A9A-4A2B-8662-4445BA71C42A}" srcOrd="0" destOrd="0" presId="urn:microsoft.com/office/officeart/2005/8/layout/hProcess11"/>
@@ -2964,6 +3017,13 @@
         </dgm:presLayoutVars>
       </dgm:prSet>
       <dgm:spPr/>
+      <dgm:t>
+        <a:bodyPr/>
+        <a:lstStyle/>
+        <a:p>
+          <a:endParaRPr lang="en-US"/>
+        </a:p>
+      </dgm:t>
     </dgm:pt>
     <dgm:pt modelId="{1AEC3B36-C0F8-47A2-A406-2AC5581B26FA}" type="pres">
       <dgm:prSet presAssocID="{B309BAF0-277F-4E16-9074-64164BD7EA8C}" presName="hierRoot1" presStyleCnt="0">
@@ -2984,10 +3044,24 @@
         </dgm:presLayoutVars>
       </dgm:prSet>
       <dgm:spPr/>
+      <dgm:t>
+        <a:bodyPr/>
+        <a:lstStyle/>
+        <a:p>
+          <a:endParaRPr lang="en-US"/>
+        </a:p>
+      </dgm:t>
     </dgm:pt>
     <dgm:pt modelId="{311A5B7B-AD3D-4F5B-86B3-A04A78D2A7D3}" type="pres">
       <dgm:prSet presAssocID="{B309BAF0-277F-4E16-9074-64164BD7EA8C}" presName="rootConnector1" presStyleLbl="node1" presStyleIdx="0" presStyleCnt="0"/>
       <dgm:spPr/>
+      <dgm:t>
+        <a:bodyPr/>
+        <a:lstStyle/>
+        <a:p>
+          <a:endParaRPr lang="en-US"/>
+        </a:p>
+      </dgm:t>
     </dgm:pt>
     <dgm:pt modelId="{2A77E129-593F-4AC6-AD48-013266D7DA14}" type="pres">
       <dgm:prSet presAssocID="{B309BAF0-277F-4E16-9074-64164BD7EA8C}" presName="hierChild2" presStyleCnt="0"/>
@@ -2996,6 +3070,13 @@
     <dgm:pt modelId="{C77BF92A-7B77-4585-81A1-8E87383FCC46}" type="pres">
       <dgm:prSet presAssocID="{2E823E60-F4D5-4F93-B8E8-537604FBDA03}" presName="Name37" presStyleLbl="parChTrans1D2" presStyleIdx="0" presStyleCnt="5" custSzX="2747640" custSzY="222627"/>
       <dgm:spPr/>
+      <dgm:t>
+        <a:bodyPr/>
+        <a:lstStyle/>
+        <a:p>
+          <a:endParaRPr lang="en-US"/>
+        </a:p>
+      </dgm:t>
     </dgm:pt>
     <dgm:pt modelId="{C5BE98F7-C8FD-454B-A6F8-7AF980230188}" type="pres">
       <dgm:prSet presAssocID="{71336FAE-F9FA-4F2B-ACBB-F5517FE294CB}" presName="hierRoot2" presStyleCnt="0">
@@ -3016,10 +3097,24 @@
         </dgm:presLayoutVars>
       </dgm:prSet>
       <dgm:spPr/>
+      <dgm:t>
+        <a:bodyPr/>
+        <a:lstStyle/>
+        <a:p>
+          <a:endParaRPr lang="en-US"/>
+        </a:p>
+      </dgm:t>
     </dgm:pt>
     <dgm:pt modelId="{45400448-1305-4A26-8872-4D69F744D169}" type="pres">
       <dgm:prSet presAssocID="{71336FAE-F9FA-4F2B-ACBB-F5517FE294CB}" presName="rootConnector" presStyleLbl="node2" presStyleIdx="0" presStyleCnt="5"/>
       <dgm:spPr/>
+      <dgm:t>
+        <a:bodyPr/>
+        <a:lstStyle/>
+        <a:p>
+          <a:endParaRPr lang="en-US"/>
+        </a:p>
+      </dgm:t>
     </dgm:pt>
     <dgm:pt modelId="{DF6EE129-1C77-4F4A-9CBC-E71A71C250BF}" type="pres">
       <dgm:prSet presAssocID="{71336FAE-F9FA-4F2B-ACBB-F5517FE294CB}" presName="hierChild4" presStyleCnt="0"/>
@@ -3028,6 +3123,13 @@
     <dgm:pt modelId="{E8F77084-BEC6-4395-81DA-9CFC40801B2A}" type="pres">
       <dgm:prSet presAssocID="{378294F9-341A-4E40-9946-935FFFC73718}" presName="Name37" presStyleLbl="parChTrans1D3" presStyleIdx="0" presStyleCnt="6" custSzX="170308" custSzY="487661"/>
       <dgm:spPr/>
+      <dgm:t>
+        <a:bodyPr/>
+        <a:lstStyle/>
+        <a:p>
+          <a:endParaRPr lang="en-US"/>
+        </a:p>
+      </dgm:t>
     </dgm:pt>
     <dgm:pt modelId="{6C4E2EA9-1FA1-4542-8BC6-1950795D4E9B}" type="pres">
       <dgm:prSet presAssocID="{DBCCAA87-5632-4585-BD52-6C0DA267E111}" presName="hierRoot2" presStyleCnt="0">
@@ -3048,10 +3150,24 @@
         </dgm:presLayoutVars>
       </dgm:prSet>
       <dgm:spPr/>
+      <dgm:t>
+        <a:bodyPr/>
+        <a:lstStyle/>
+        <a:p>
+          <a:endParaRPr lang="en-US"/>
+        </a:p>
+      </dgm:t>
     </dgm:pt>
     <dgm:pt modelId="{50BA6903-242B-425B-9389-F8A9F6B9A084}" type="pres">
       <dgm:prSet presAssocID="{DBCCAA87-5632-4585-BD52-6C0DA267E111}" presName="rootConnector" presStyleLbl="node3" presStyleIdx="0" presStyleCnt="6"/>
       <dgm:spPr/>
+      <dgm:t>
+        <a:bodyPr/>
+        <a:lstStyle/>
+        <a:p>
+          <a:endParaRPr lang="en-US"/>
+        </a:p>
+      </dgm:t>
     </dgm:pt>
     <dgm:pt modelId="{A6C38AB5-9542-4E87-BACB-627300F59E37}" type="pres">
       <dgm:prSet presAssocID="{DBCCAA87-5632-4585-BD52-6C0DA267E111}" presName="hierChild4" presStyleCnt="0"/>
@@ -3064,6 +3180,13 @@
     <dgm:pt modelId="{0FCEADF1-E5D2-4854-8F0F-2D93C6141692}" type="pres">
       <dgm:prSet presAssocID="{B067EEEF-5F84-4FD1-ADC2-113D36BC913F}" presName="Name37" presStyleLbl="parChTrans1D3" presStyleIdx="1" presStyleCnt="6" custSzX="170308" custSzY="1240355"/>
       <dgm:spPr/>
+      <dgm:t>
+        <a:bodyPr/>
+        <a:lstStyle/>
+        <a:p>
+          <a:endParaRPr lang="en-US"/>
+        </a:p>
+      </dgm:t>
     </dgm:pt>
     <dgm:pt modelId="{F2F88F88-C8B4-4F33-BE69-9E8D0CECDFF0}" type="pres">
       <dgm:prSet presAssocID="{EA84B67C-1A05-4172-924D-95DAC1CE6047}" presName="hierRoot2" presStyleCnt="0">
@@ -3084,10 +3207,24 @@
         </dgm:presLayoutVars>
       </dgm:prSet>
       <dgm:spPr/>
+      <dgm:t>
+        <a:bodyPr/>
+        <a:lstStyle/>
+        <a:p>
+          <a:endParaRPr lang="en-US"/>
+        </a:p>
+      </dgm:t>
     </dgm:pt>
     <dgm:pt modelId="{BCA1EDBA-0531-488C-9FD8-8C53787F171B}" type="pres">
       <dgm:prSet presAssocID="{EA84B67C-1A05-4172-924D-95DAC1CE6047}" presName="rootConnector" presStyleLbl="node3" presStyleIdx="1" presStyleCnt="6"/>
       <dgm:spPr/>
+      <dgm:t>
+        <a:bodyPr/>
+        <a:lstStyle/>
+        <a:p>
+          <a:endParaRPr lang="en-US"/>
+        </a:p>
+      </dgm:t>
     </dgm:pt>
     <dgm:pt modelId="{817DF456-209C-4699-B7AC-4DAC16C57BA0}" type="pres">
       <dgm:prSet presAssocID="{EA84B67C-1A05-4172-924D-95DAC1CE6047}" presName="hierChild4" presStyleCnt="0"/>
@@ -3104,6 +3241,13 @@
     <dgm:pt modelId="{25ECDBD3-09E3-4552-8946-8CEBDBABA14D}" type="pres">
       <dgm:prSet presAssocID="{9D037713-CEAA-4B69-BCD3-808AB2EBE5BC}" presName="Name37" presStyleLbl="parChTrans1D2" presStyleIdx="1" presStyleCnt="5" custSzX="1373820" custSzY="222627"/>
       <dgm:spPr/>
+      <dgm:t>
+        <a:bodyPr/>
+        <a:lstStyle/>
+        <a:p>
+          <a:endParaRPr lang="en-US"/>
+        </a:p>
+      </dgm:t>
     </dgm:pt>
     <dgm:pt modelId="{05C22197-7885-4C65-A249-3D73D0D6B589}" type="pres">
       <dgm:prSet presAssocID="{9087F03F-2B86-48B8-9D69-346EDB1BA287}" presName="hierRoot2" presStyleCnt="0">
@@ -3124,10 +3268,24 @@
         </dgm:presLayoutVars>
       </dgm:prSet>
       <dgm:spPr/>
+      <dgm:t>
+        <a:bodyPr/>
+        <a:lstStyle/>
+        <a:p>
+          <a:endParaRPr lang="en-US"/>
+        </a:p>
+      </dgm:t>
     </dgm:pt>
     <dgm:pt modelId="{11240BB5-1B00-417C-BA75-D60C88941274}" type="pres">
       <dgm:prSet presAssocID="{9087F03F-2B86-48B8-9D69-346EDB1BA287}" presName="rootConnector" presStyleLbl="node2" presStyleIdx="1" presStyleCnt="5"/>
       <dgm:spPr/>
+      <dgm:t>
+        <a:bodyPr/>
+        <a:lstStyle/>
+        <a:p>
+          <a:endParaRPr lang="en-US"/>
+        </a:p>
+      </dgm:t>
     </dgm:pt>
     <dgm:pt modelId="{F0C0BBEF-5443-491B-A63E-C4626377005D}" type="pres">
       <dgm:prSet presAssocID="{9087F03F-2B86-48B8-9D69-346EDB1BA287}" presName="hierChild4" presStyleCnt="0"/>
@@ -3136,6 +3294,13 @@
     <dgm:pt modelId="{B023193C-F01F-4D83-BA35-0F9346A95D99}" type="pres">
       <dgm:prSet presAssocID="{B92C5A80-C790-46A0-83F5-36180C11B85A}" presName="Name37" presStyleLbl="parChTrans1D3" presStyleIdx="2" presStyleCnt="6" custSzX="170308" custSzY="487661"/>
       <dgm:spPr/>
+      <dgm:t>
+        <a:bodyPr/>
+        <a:lstStyle/>
+        <a:p>
+          <a:endParaRPr lang="en-US"/>
+        </a:p>
+      </dgm:t>
     </dgm:pt>
     <dgm:pt modelId="{BA2F8FBF-1321-47CD-8A60-5E4489E4184D}" type="pres">
       <dgm:prSet presAssocID="{877BAE45-556C-4295-BC4C-58F24F7F411E}" presName="hierRoot2" presStyleCnt="0">
@@ -3156,10 +3321,24 @@
         </dgm:presLayoutVars>
       </dgm:prSet>
       <dgm:spPr/>
+      <dgm:t>
+        <a:bodyPr/>
+        <a:lstStyle/>
+        <a:p>
+          <a:endParaRPr lang="en-US"/>
+        </a:p>
+      </dgm:t>
     </dgm:pt>
     <dgm:pt modelId="{6075BC51-4C0B-46AE-BF47-7049E9F93CE0}" type="pres">
       <dgm:prSet presAssocID="{877BAE45-556C-4295-BC4C-58F24F7F411E}" presName="rootConnector" presStyleLbl="node3" presStyleIdx="2" presStyleCnt="6"/>
       <dgm:spPr/>
+      <dgm:t>
+        <a:bodyPr/>
+        <a:lstStyle/>
+        <a:p>
+          <a:endParaRPr lang="en-US"/>
+        </a:p>
+      </dgm:t>
     </dgm:pt>
     <dgm:pt modelId="{EEF11ADB-30C0-42FC-BFF3-9151830B0E78}" type="pres">
       <dgm:prSet presAssocID="{877BAE45-556C-4295-BC4C-58F24F7F411E}" presName="hierChild4" presStyleCnt="0"/>
@@ -3172,6 +3351,13 @@
     <dgm:pt modelId="{D7C789BE-F382-4808-846B-FB541462CCF9}" type="pres">
       <dgm:prSet presAssocID="{4EB6D67E-D366-428A-9AEB-7346D97C9FD2}" presName="Name37" presStyleLbl="parChTrans1D3" presStyleIdx="3" presStyleCnt="6" custSzX="170308" custSzY="1240355"/>
       <dgm:spPr/>
+      <dgm:t>
+        <a:bodyPr/>
+        <a:lstStyle/>
+        <a:p>
+          <a:endParaRPr lang="en-US"/>
+        </a:p>
+      </dgm:t>
     </dgm:pt>
     <dgm:pt modelId="{857B4160-7EE0-4276-98B4-D43251A606AA}" type="pres">
       <dgm:prSet presAssocID="{1BE2227D-6C62-4093-B86A-DFA0866095CF}" presName="hierRoot2" presStyleCnt="0">
@@ -3192,10 +3378,24 @@
         </dgm:presLayoutVars>
       </dgm:prSet>
       <dgm:spPr/>
+      <dgm:t>
+        <a:bodyPr/>
+        <a:lstStyle/>
+        <a:p>
+          <a:endParaRPr lang="en-US"/>
+        </a:p>
+      </dgm:t>
     </dgm:pt>
     <dgm:pt modelId="{53C4475B-2357-4A41-AE11-7CC29E63C335}" type="pres">
       <dgm:prSet presAssocID="{1BE2227D-6C62-4093-B86A-DFA0866095CF}" presName="rootConnector" presStyleLbl="node3" presStyleIdx="3" presStyleCnt="6"/>
       <dgm:spPr/>
+      <dgm:t>
+        <a:bodyPr/>
+        <a:lstStyle/>
+        <a:p>
+          <a:endParaRPr lang="en-US"/>
+        </a:p>
+      </dgm:t>
     </dgm:pt>
     <dgm:pt modelId="{EF36EE54-9E1F-4493-B173-9C7348C93F01}" type="pres">
       <dgm:prSet presAssocID="{1BE2227D-6C62-4093-B86A-DFA0866095CF}" presName="hierChild4" presStyleCnt="0"/>
@@ -3212,6 +3412,13 @@
     <dgm:pt modelId="{65152F91-A5D4-482D-BB48-B5346B38F9E9}" type="pres">
       <dgm:prSet presAssocID="{95C9F60A-11F7-448B-8707-C49253931A38}" presName="Name37" presStyleLbl="parChTrans1D2" presStyleIdx="2" presStyleCnt="5" custSzX="70180" custSzY="222627"/>
       <dgm:spPr/>
+      <dgm:t>
+        <a:bodyPr/>
+        <a:lstStyle/>
+        <a:p>
+          <a:endParaRPr lang="en-US"/>
+        </a:p>
+      </dgm:t>
     </dgm:pt>
     <dgm:pt modelId="{E7437244-AFA5-4C7A-BC6A-94DFE3C1C9CC}" type="pres">
       <dgm:prSet presAssocID="{8B7D1719-E2E2-42DF-A99D-04BA27CCB925}" presName="hierRoot2" presStyleCnt="0">
@@ -3232,10 +3439,24 @@
         </dgm:presLayoutVars>
       </dgm:prSet>
       <dgm:spPr/>
+      <dgm:t>
+        <a:bodyPr/>
+        <a:lstStyle/>
+        <a:p>
+          <a:endParaRPr lang="en-US"/>
+        </a:p>
+      </dgm:t>
     </dgm:pt>
     <dgm:pt modelId="{FBE28296-88CB-4C91-B6BD-28C130F8E820}" type="pres">
       <dgm:prSet presAssocID="{8B7D1719-E2E2-42DF-A99D-04BA27CCB925}" presName="rootConnector" presStyleLbl="node2" presStyleIdx="2" presStyleCnt="5"/>
       <dgm:spPr/>
+      <dgm:t>
+        <a:bodyPr/>
+        <a:lstStyle/>
+        <a:p>
+          <a:endParaRPr lang="en-US"/>
+        </a:p>
+      </dgm:t>
     </dgm:pt>
     <dgm:pt modelId="{77BAFC6B-3FCA-4ABD-83CD-BE8771205F18}" type="pres">
       <dgm:prSet presAssocID="{8B7D1719-E2E2-42DF-A99D-04BA27CCB925}" presName="hierChild4" presStyleCnt="0"/>
@@ -3244,6 +3465,13 @@
     <dgm:pt modelId="{421FD2BF-CF98-454A-A096-0EB965155ECF}" type="pres">
       <dgm:prSet presAssocID="{CFA8160D-46A2-4741-A477-B35329C11263}" presName="Name37" presStyleLbl="parChTrans1D3" presStyleIdx="4" presStyleCnt="6" custSzX="170308" custSzY="487661"/>
       <dgm:spPr/>
+      <dgm:t>
+        <a:bodyPr/>
+        <a:lstStyle/>
+        <a:p>
+          <a:endParaRPr lang="en-US"/>
+        </a:p>
+      </dgm:t>
     </dgm:pt>
     <dgm:pt modelId="{77DA6460-8964-4F37-8D12-01B6FF592065}" type="pres">
       <dgm:prSet presAssocID="{D94E7FFA-1038-4B39-B111-4CB8E0DB7FB4}" presName="hierRoot2" presStyleCnt="0">
@@ -3264,10 +3492,24 @@
         </dgm:presLayoutVars>
       </dgm:prSet>
       <dgm:spPr/>
+      <dgm:t>
+        <a:bodyPr/>
+        <a:lstStyle/>
+        <a:p>
+          <a:endParaRPr lang="en-US"/>
+        </a:p>
+      </dgm:t>
     </dgm:pt>
     <dgm:pt modelId="{0F1C8BCE-7F9C-4A8E-B272-8BD93187EDB0}" type="pres">
       <dgm:prSet presAssocID="{D94E7FFA-1038-4B39-B111-4CB8E0DB7FB4}" presName="rootConnector" presStyleLbl="node3" presStyleIdx="4" presStyleCnt="6"/>
       <dgm:spPr/>
+      <dgm:t>
+        <a:bodyPr/>
+        <a:lstStyle/>
+        <a:p>
+          <a:endParaRPr lang="en-US"/>
+        </a:p>
+      </dgm:t>
     </dgm:pt>
     <dgm:pt modelId="{B25BE2A8-35FB-495F-BEDF-3FFF7CEBA8B1}" type="pres">
       <dgm:prSet presAssocID="{D94E7FFA-1038-4B39-B111-4CB8E0DB7FB4}" presName="hierChild4" presStyleCnt="0"/>
@@ -3284,6 +3526,13 @@
     <dgm:pt modelId="{43B621D2-5F45-4E80-A4D2-17FA46AB4D78}" type="pres">
       <dgm:prSet presAssocID="{A684E99D-EDA8-47ED-BD25-E062FEB881C5}" presName="Name37" presStyleLbl="parChTrans1D2" presStyleIdx="3" presStyleCnt="5" custSzX="1373820" custSzY="222627"/>
       <dgm:spPr/>
+      <dgm:t>
+        <a:bodyPr/>
+        <a:lstStyle/>
+        <a:p>
+          <a:endParaRPr lang="en-US"/>
+        </a:p>
+      </dgm:t>
     </dgm:pt>
     <dgm:pt modelId="{7F7A913D-2FD0-42C7-A8CB-4F1E30BAD60A}" type="pres">
       <dgm:prSet presAssocID="{F20D434D-5E3D-4766-8773-117AECF6BD06}" presName="hierRoot2" presStyleCnt="0">
@@ -3304,10 +3553,24 @@
         </dgm:presLayoutVars>
       </dgm:prSet>
       <dgm:spPr/>
+      <dgm:t>
+        <a:bodyPr/>
+        <a:lstStyle/>
+        <a:p>
+          <a:endParaRPr lang="en-US"/>
+        </a:p>
+      </dgm:t>
     </dgm:pt>
     <dgm:pt modelId="{F0B333D2-DBAF-40E9-8E25-FA4F070D8178}" type="pres">
       <dgm:prSet presAssocID="{F20D434D-5E3D-4766-8773-117AECF6BD06}" presName="rootConnector" presStyleLbl="node2" presStyleIdx="3" presStyleCnt="5"/>
       <dgm:spPr/>
+      <dgm:t>
+        <a:bodyPr/>
+        <a:lstStyle/>
+        <a:p>
+          <a:endParaRPr lang="en-US"/>
+        </a:p>
+      </dgm:t>
     </dgm:pt>
     <dgm:pt modelId="{70F1D0BC-D0BC-491D-A4B1-D8263026407D}" type="pres">
       <dgm:prSet presAssocID="{F20D434D-5E3D-4766-8773-117AECF6BD06}" presName="hierChild4" presStyleCnt="0"/>
@@ -3316,6 +3579,13 @@
     <dgm:pt modelId="{58CD45F1-9E9E-4107-A805-25788B34D951}" type="pres">
       <dgm:prSet presAssocID="{47321EDF-C5FD-413E-909D-D38FCBC11F1A}" presName="Name37" presStyleLbl="parChTrans1D3" presStyleIdx="5" presStyleCnt="6" custSzX="170308" custSzY="487661"/>
       <dgm:spPr/>
+      <dgm:t>
+        <a:bodyPr/>
+        <a:lstStyle/>
+        <a:p>
+          <a:endParaRPr lang="en-US"/>
+        </a:p>
+      </dgm:t>
     </dgm:pt>
     <dgm:pt modelId="{2478B2BD-5808-4182-8456-B7391AE972A2}" type="pres">
       <dgm:prSet presAssocID="{491C3117-4CDB-4063-BD93-C3FD8F92026E}" presName="hierRoot2" presStyleCnt="0">
@@ -3336,10 +3606,24 @@
         </dgm:presLayoutVars>
       </dgm:prSet>
       <dgm:spPr/>
+      <dgm:t>
+        <a:bodyPr/>
+        <a:lstStyle/>
+        <a:p>
+          <a:endParaRPr lang="en-US"/>
+        </a:p>
+      </dgm:t>
     </dgm:pt>
     <dgm:pt modelId="{502FEEFE-FD41-4B36-89C9-6253C07811C6}" type="pres">
       <dgm:prSet presAssocID="{491C3117-4CDB-4063-BD93-C3FD8F92026E}" presName="rootConnector" presStyleLbl="node3" presStyleIdx="5" presStyleCnt="6"/>
       <dgm:spPr/>
+      <dgm:t>
+        <a:bodyPr/>
+        <a:lstStyle/>
+        <a:p>
+          <a:endParaRPr lang="en-US"/>
+        </a:p>
+      </dgm:t>
     </dgm:pt>
     <dgm:pt modelId="{D1ABF1B8-BF51-4D57-ACEA-944DA1A6A67E}" type="pres">
       <dgm:prSet presAssocID="{491C3117-4CDB-4063-BD93-C3FD8F92026E}" presName="hierChild4" presStyleCnt="0"/>
@@ -3356,6 +3640,13 @@
     <dgm:pt modelId="{1266B0AC-9D1D-4335-A8BE-A5BDCFA6E7D0}" type="pres">
       <dgm:prSet presAssocID="{B7DB2AF6-7E31-4A79-AC3E-ED41AEA60755}" presName="Name37" presStyleLbl="parChTrans1D2" presStyleIdx="4" presStyleCnt="5" custSzX="2747640" custSzY="222627"/>
       <dgm:spPr/>
+      <dgm:t>
+        <a:bodyPr/>
+        <a:lstStyle/>
+        <a:p>
+          <a:endParaRPr lang="en-US"/>
+        </a:p>
+      </dgm:t>
     </dgm:pt>
     <dgm:pt modelId="{F9476ADA-1A80-4DF4-A6F0-9B618D8DDBD1}" type="pres">
       <dgm:prSet presAssocID="{BD0786CD-B75F-4767-8B27-656AA3E60DCB}" presName="hierRoot2" presStyleCnt="0">
@@ -3376,10 +3667,24 @@
         </dgm:presLayoutVars>
       </dgm:prSet>
       <dgm:spPr/>
+      <dgm:t>
+        <a:bodyPr/>
+        <a:lstStyle/>
+        <a:p>
+          <a:endParaRPr lang="en-US"/>
+        </a:p>
+      </dgm:t>
     </dgm:pt>
     <dgm:pt modelId="{47B90801-100D-4F73-A42B-C7299AC3A50A}" type="pres">
       <dgm:prSet presAssocID="{BD0786CD-B75F-4767-8B27-656AA3E60DCB}" presName="rootConnector" presStyleLbl="node2" presStyleIdx="4" presStyleCnt="5"/>
       <dgm:spPr/>
+      <dgm:t>
+        <a:bodyPr/>
+        <a:lstStyle/>
+        <a:p>
+          <a:endParaRPr lang="en-US"/>
+        </a:p>
+      </dgm:t>
     </dgm:pt>
     <dgm:pt modelId="{212C62E9-D492-487C-A1CE-2FB6BF3854C4}" type="pres">
       <dgm:prSet presAssocID="{BD0786CD-B75F-4767-8B27-656AA3E60DCB}" presName="hierChild4" presStyleCnt="0"/>
@@ -3395,54 +3700,54 @@
     </dgm:pt>
   </dgm:ptLst>
   <dgm:cxnLst>
+    <dgm:cxn modelId="{09BB8CFB-FCE6-42DB-A1CC-11A865CFEDF3}" type="presOf" srcId="{877BAE45-556C-4295-BC4C-58F24F7F411E}" destId="{6075BC51-4C0B-46AE-BF47-7049E9F93CE0}" srcOrd="1" destOrd="0" presId="urn:microsoft.com/office/officeart/2005/8/layout/orgChart1"/>
     <dgm:cxn modelId="{FC1D4B04-74CC-492F-B990-EE60D70E6B94}" srcId="{B309BAF0-277F-4E16-9074-64164BD7EA8C}" destId="{F20D434D-5E3D-4766-8773-117AECF6BD06}" srcOrd="3" destOrd="0" parTransId="{A684E99D-EDA8-47ED-BD25-E062FEB881C5}" sibTransId="{50C0C244-4FE0-4BB2-8CEE-1090725B1838}"/>
+    <dgm:cxn modelId="{0A342BEC-1038-4B39-B35D-6940AAF87789}" type="presOf" srcId="{2E823E60-F4D5-4F93-B8E8-537604FBDA03}" destId="{C77BF92A-7B77-4585-81A1-8E87383FCC46}" srcOrd="0" destOrd="0" presId="urn:microsoft.com/office/officeart/2005/8/layout/orgChart1"/>
+    <dgm:cxn modelId="{7333EE91-9946-46B4-AF41-A11E236D959D}" type="presOf" srcId="{BD0786CD-B75F-4767-8B27-656AA3E60DCB}" destId="{47B90801-100D-4F73-A42B-C7299AC3A50A}" srcOrd="1" destOrd="0" presId="urn:microsoft.com/office/officeart/2005/8/layout/orgChart1"/>
+    <dgm:cxn modelId="{7E737593-F45D-43DF-A634-1F472F2394F6}" type="presOf" srcId="{D94E7FFA-1038-4B39-B111-4CB8E0DB7FB4}" destId="{D0548209-6DAC-45E1-9718-68A2CB00122E}" srcOrd="0" destOrd="0" presId="urn:microsoft.com/office/officeart/2005/8/layout/orgChart1"/>
+    <dgm:cxn modelId="{E7B98A3F-E089-4C48-A799-632457E98019}" type="presOf" srcId="{4EB6D67E-D366-428A-9AEB-7346D97C9FD2}" destId="{D7C789BE-F382-4808-846B-FB541462CCF9}" srcOrd="0" destOrd="0" presId="urn:microsoft.com/office/officeart/2005/8/layout/orgChart1"/>
+    <dgm:cxn modelId="{AA0D5E14-3D03-42C0-A607-C88DB929A0F5}" type="presOf" srcId="{1BE2227D-6C62-4093-B86A-DFA0866095CF}" destId="{C7AEEF9D-9075-4643-8A6D-8680D3A9B404}" srcOrd="0" destOrd="0" presId="urn:microsoft.com/office/officeart/2005/8/layout/orgChart1"/>
+    <dgm:cxn modelId="{A5E63992-3BAF-461D-9F43-BBCC085C0D2C}" type="presOf" srcId="{EDCAA014-B422-420E-939B-353B68822478}" destId="{2EA52F33-70AF-44A4-A370-431588AFEBFB}" srcOrd="0" destOrd="0" presId="urn:microsoft.com/office/officeart/2005/8/layout/orgChart1"/>
+    <dgm:cxn modelId="{680DA42D-CB5D-42C4-833D-5D1272352B89}" srcId="{F20D434D-5E3D-4766-8773-117AECF6BD06}" destId="{491C3117-4CDB-4063-BD93-C3FD8F92026E}" srcOrd="0" destOrd="0" parTransId="{47321EDF-C5FD-413E-909D-D38FCBC11F1A}" sibTransId="{57F4FBBC-4981-44AC-95F6-CE948AFB9D0B}"/>
+    <dgm:cxn modelId="{9F6A83EA-2455-4544-AD22-B5DE877B20E2}" type="presOf" srcId="{D94E7FFA-1038-4B39-B111-4CB8E0DB7FB4}" destId="{0F1C8BCE-7F9C-4A8E-B272-8BD93187EDB0}" srcOrd="1" destOrd="0" presId="urn:microsoft.com/office/officeart/2005/8/layout/orgChart1"/>
+    <dgm:cxn modelId="{5B45CD17-A9E7-4512-97CC-4767C0457BB2}" type="presOf" srcId="{F20D434D-5E3D-4766-8773-117AECF6BD06}" destId="{F0B333D2-DBAF-40E9-8E25-FA4F070D8178}" srcOrd="1" destOrd="0" presId="urn:microsoft.com/office/officeart/2005/8/layout/orgChart1"/>
+    <dgm:cxn modelId="{5266D275-D3D6-4558-A85D-D14FCEE479D4}" type="presOf" srcId="{B309BAF0-277F-4E16-9074-64164BD7EA8C}" destId="{23FC06A5-F739-465F-97FA-B7682CA6A973}" srcOrd="0" destOrd="0" presId="urn:microsoft.com/office/officeart/2005/8/layout/orgChart1"/>
+    <dgm:cxn modelId="{C6B0EEA7-5244-4419-A6DD-DD80DE8F6BC9}" type="presOf" srcId="{B7DB2AF6-7E31-4A79-AC3E-ED41AEA60755}" destId="{1266B0AC-9D1D-4335-A8BE-A5BDCFA6E7D0}" srcOrd="0" destOrd="0" presId="urn:microsoft.com/office/officeart/2005/8/layout/orgChart1"/>
+    <dgm:cxn modelId="{E3CE6A1D-B4D8-4B9B-95B8-7AE4BA0F77EB}" type="presOf" srcId="{B92C5A80-C790-46A0-83F5-36180C11B85A}" destId="{B023193C-F01F-4D83-BA35-0F9346A95D99}" srcOrd="0" destOrd="0" presId="urn:microsoft.com/office/officeart/2005/8/layout/orgChart1"/>
+    <dgm:cxn modelId="{FDC3808A-4DE9-440A-A0F1-DF1AA587D882}" type="presOf" srcId="{F20D434D-5E3D-4766-8773-117AECF6BD06}" destId="{8A808999-4B5D-4AAF-9BCD-CE333EBC203D}" srcOrd="0" destOrd="0" presId="urn:microsoft.com/office/officeart/2005/8/layout/orgChart1"/>
+    <dgm:cxn modelId="{DD7B9E53-BD52-4220-ACA6-06D5E5530830}" srcId="{B309BAF0-277F-4E16-9074-64164BD7EA8C}" destId="{BD0786CD-B75F-4767-8B27-656AA3E60DCB}" srcOrd="4" destOrd="0" parTransId="{B7DB2AF6-7E31-4A79-AC3E-ED41AEA60755}" sibTransId="{35F237D8-1320-419D-9CA8-CB0904D3185B}"/>
+    <dgm:cxn modelId="{892351A4-7042-4DCA-A887-BBCB7A0741F0}" srcId="{71336FAE-F9FA-4F2B-ACBB-F5517FE294CB}" destId="{EA84B67C-1A05-4172-924D-95DAC1CE6047}" srcOrd="1" destOrd="0" parTransId="{B067EEEF-5F84-4FD1-ADC2-113D36BC913F}" sibTransId="{F11DC1E1-6E32-434C-91CF-BB9705BF6823}"/>
+    <dgm:cxn modelId="{518A0EBC-C4A9-454B-BE09-6E66643E3747}" srcId="{71336FAE-F9FA-4F2B-ACBB-F5517FE294CB}" destId="{DBCCAA87-5632-4585-BD52-6C0DA267E111}" srcOrd="0" destOrd="0" parTransId="{378294F9-341A-4E40-9946-935FFFC73718}" sibTransId="{F1B67B1F-65C6-479D-8DAC-DC03DCCFF773}"/>
+    <dgm:cxn modelId="{B0D21660-9775-4136-86E0-D03140A36FF8}" type="presOf" srcId="{B309BAF0-277F-4E16-9074-64164BD7EA8C}" destId="{311A5B7B-AD3D-4F5B-86B3-A04A78D2A7D3}" srcOrd="1" destOrd="0" presId="urn:microsoft.com/office/officeart/2005/8/layout/orgChart1"/>
+    <dgm:cxn modelId="{A4E2D823-018E-434A-9583-FC9E87522C88}" srcId="{EDCAA014-B422-420E-939B-353B68822478}" destId="{B309BAF0-277F-4E16-9074-64164BD7EA8C}" srcOrd="0" destOrd="0" parTransId="{6E6BC598-80B3-4B94-A40D-3ABB2D9BE66C}" sibTransId="{DAD22E29-E0A7-449B-BEB5-87E33A5E6E2D}"/>
+    <dgm:cxn modelId="{7E63D581-693D-40E0-815B-8FE94E2E48F9}" type="presOf" srcId="{95C9F60A-11F7-448B-8707-C49253931A38}" destId="{65152F91-A5D4-482D-BB48-B5346B38F9E9}" srcOrd="0" destOrd="0" presId="urn:microsoft.com/office/officeart/2005/8/layout/orgChart1"/>
+    <dgm:cxn modelId="{7BFE5A54-5192-4E60-8A25-91831510E915}" srcId="{9087F03F-2B86-48B8-9D69-346EDB1BA287}" destId="{877BAE45-556C-4295-BC4C-58F24F7F411E}" srcOrd="0" destOrd="0" parTransId="{B92C5A80-C790-46A0-83F5-36180C11B85A}" sibTransId="{25C3E752-7F32-45C0-906C-F680CA548E05}"/>
+    <dgm:cxn modelId="{F8901DF0-30EE-4CD4-918B-A62DB986DB53}" type="presOf" srcId="{CFA8160D-46A2-4741-A477-B35329C11263}" destId="{421FD2BF-CF98-454A-A096-0EB965155ECF}" srcOrd="0" destOrd="0" presId="urn:microsoft.com/office/officeart/2005/8/layout/orgChart1"/>
+    <dgm:cxn modelId="{2A3E3A99-5ED9-43E5-8BC3-1FBCA29E9EA8}" type="presOf" srcId="{DBCCAA87-5632-4585-BD52-6C0DA267E111}" destId="{50BA6903-242B-425B-9389-F8A9F6B9A084}" srcOrd="1" destOrd="0" presId="urn:microsoft.com/office/officeart/2005/8/layout/orgChart1"/>
     <dgm:cxn modelId="{71EE8904-3536-4B14-8B9B-36CDDAECC8E8}" type="presOf" srcId="{A684E99D-EDA8-47ED-BD25-E062FEB881C5}" destId="{43B621D2-5F45-4E80-A4D2-17FA46AB4D78}" srcOrd="0" destOrd="0" presId="urn:microsoft.com/office/officeart/2005/8/layout/orgChart1"/>
+    <dgm:cxn modelId="{EA90AA9E-2EC1-4C4E-9CFA-D92BA624FEB6}" type="presOf" srcId="{71336FAE-F9FA-4F2B-ACBB-F5517FE294CB}" destId="{45400448-1305-4A26-8872-4D69F744D169}" srcOrd="1" destOrd="0" presId="urn:microsoft.com/office/officeart/2005/8/layout/orgChart1"/>
+    <dgm:cxn modelId="{8E1634FE-89A1-4B43-B8F0-2C14BB042A37}" type="presOf" srcId="{EA84B67C-1A05-4172-924D-95DAC1CE6047}" destId="{8F27DDD4-C132-4405-BD6C-096E16BBE453}" srcOrd="0" destOrd="0" presId="urn:microsoft.com/office/officeart/2005/8/layout/orgChart1"/>
+    <dgm:cxn modelId="{A17ACD55-E5E6-4135-8B19-4883459EB409}" type="presOf" srcId="{9D037713-CEAA-4B69-BCD3-808AB2EBE5BC}" destId="{25ECDBD3-09E3-4552-8946-8CEBDBABA14D}" srcOrd="0" destOrd="0" presId="urn:microsoft.com/office/officeart/2005/8/layout/orgChart1"/>
+    <dgm:cxn modelId="{1BD450FA-D31F-4339-B649-61DF0F36D440}" type="presOf" srcId="{877BAE45-556C-4295-BC4C-58F24F7F411E}" destId="{E1D7CAFC-9711-47DC-9D31-B7AB5D30B956}" srcOrd="0" destOrd="0" presId="urn:microsoft.com/office/officeart/2005/8/layout/orgChart1"/>
+    <dgm:cxn modelId="{679B8EF7-B2D2-491E-B27D-71A7943A78F7}" srcId="{B309BAF0-277F-4E16-9074-64164BD7EA8C}" destId="{9087F03F-2B86-48B8-9D69-346EDB1BA287}" srcOrd="1" destOrd="0" parTransId="{9D037713-CEAA-4B69-BCD3-808AB2EBE5BC}" sibTransId="{99CE4E13-6F6F-408F-BE22-F44C6638943A}"/>
+    <dgm:cxn modelId="{00102AC0-B616-4CA9-928D-73DF277B6CB1}" srcId="{B309BAF0-277F-4E16-9074-64164BD7EA8C}" destId="{71336FAE-F9FA-4F2B-ACBB-F5517FE294CB}" srcOrd="0" destOrd="0" parTransId="{2E823E60-F4D5-4F93-B8E8-537604FBDA03}" sibTransId="{BCA331BB-7E99-4094-AF9A-57245EA29A55}"/>
+    <dgm:cxn modelId="{1DFBD299-FF02-496D-BFEF-EE2C306BBB37}" type="presOf" srcId="{8B7D1719-E2E2-42DF-A99D-04BA27CCB925}" destId="{FBE28296-88CB-4C91-B6BD-28C130F8E820}" srcOrd="1" destOrd="0" presId="urn:microsoft.com/office/officeart/2005/8/layout/orgChart1"/>
+    <dgm:cxn modelId="{F0D9EACF-3C99-4E4F-B396-8827BCDEE35D}" type="presOf" srcId="{9087F03F-2B86-48B8-9D69-346EDB1BA287}" destId="{11240BB5-1B00-417C-BA75-D60C88941274}" srcOrd="1" destOrd="0" presId="urn:microsoft.com/office/officeart/2005/8/layout/orgChart1"/>
+    <dgm:cxn modelId="{FA1F9763-3965-4843-BDE5-B22710536767}" type="presOf" srcId="{DBCCAA87-5632-4585-BD52-6C0DA267E111}" destId="{478B7B58-D5CC-456D-8E31-D39F2EB131A3}" srcOrd="0" destOrd="0" presId="urn:microsoft.com/office/officeart/2005/8/layout/orgChart1"/>
+    <dgm:cxn modelId="{FD8FB5AC-520B-4F75-8A5C-85ADEDBCB470}" srcId="{B309BAF0-277F-4E16-9074-64164BD7EA8C}" destId="{8B7D1719-E2E2-42DF-A99D-04BA27CCB925}" srcOrd="2" destOrd="0" parTransId="{95C9F60A-11F7-448B-8707-C49253931A38}" sibTransId="{922121C1-D075-42F5-820F-8CD21B3CC889}"/>
     <dgm:cxn modelId="{7E488F13-0BD6-46E8-AF28-4F384B01F047}" srcId="{9087F03F-2B86-48B8-9D69-346EDB1BA287}" destId="{1BE2227D-6C62-4093-B86A-DFA0866095CF}" srcOrd="1" destOrd="0" parTransId="{4EB6D67E-D366-428A-9AEB-7346D97C9FD2}" sibTransId="{3639A713-5269-47EC-A310-0CA233D2B60A}"/>
-    <dgm:cxn modelId="{AA0D5E14-3D03-42C0-A607-C88DB929A0F5}" type="presOf" srcId="{1BE2227D-6C62-4093-B86A-DFA0866095CF}" destId="{C7AEEF9D-9075-4643-8A6D-8680D3A9B404}" srcOrd="0" destOrd="0" presId="urn:microsoft.com/office/officeart/2005/8/layout/orgChart1"/>
-    <dgm:cxn modelId="{5B45CD17-A9E7-4512-97CC-4767C0457BB2}" type="presOf" srcId="{F20D434D-5E3D-4766-8773-117AECF6BD06}" destId="{F0B333D2-DBAF-40E9-8E25-FA4F070D8178}" srcOrd="1" destOrd="0" presId="urn:microsoft.com/office/officeart/2005/8/layout/orgChart1"/>
+    <dgm:cxn modelId="{B178C761-6FEF-444B-B6DA-67D805F3F7A9}" srcId="{8B7D1719-E2E2-42DF-A99D-04BA27CCB925}" destId="{D94E7FFA-1038-4B39-B111-4CB8E0DB7FB4}" srcOrd="0" destOrd="0" parTransId="{CFA8160D-46A2-4741-A477-B35329C11263}" sibTransId="{0D8ED902-6ED2-4B15-94AE-A6C019EA9A73}"/>
+    <dgm:cxn modelId="{B7D700DD-0388-4DFC-9A65-2BAC966C9E40}" type="presOf" srcId="{1BE2227D-6C62-4093-B86A-DFA0866095CF}" destId="{53C4475B-2357-4A41-AE11-7CC29E63C335}" srcOrd="1" destOrd="0" presId="urn:microsoft.com/office/officeart/2005/8/layout/orgChart1"/>
+    <dgm:cxn modelId="{5861F029-3FFE-4544-A025-0840C8C2E2B2}" type="presOf" srcId="{491C3117-4CDB-4063-BD93-C3FD8F92026E}" destId="{502FEEFE-FD41-4B36-89C9-6253C07811C6}" srcOrd="1" destOrd="0" presId="urn:microsoft.com/office/officeart/2005/8/layout/orgChart1"/>
+    <dgm:cxn modelId="{DDF28E57-07A1-4619-84D5-6CFDB6B30426}" type="presOf" srcId="{47321EDF-C5FD-413E-909D-D38FCBC11F1A}" destId="{58CD45F1-9E9E-4107-A805-25788B34D951}" srcOrd="0" destOrd="0" presId="urn:microsoft.com/office/officeart/2005/8/layout/orgChart1"/>
+    <dgm:cxn modelId="{7334DF1D-88DD-4D98-A624-98FA03376C7B}" type="presOf" srcId="{EA84B67C-1A05-4172-924D-95DAC1CE6047}" destId="{BCA1EDBA-0531-488C-9FD8-8C53787F171B}" srcOrd="1" destOrd="0" presId="urn:microsoft.com/office/officeart/2005/8/layout/orgChart1"/>
+    <dgm:cxn modelId="{586D826A-8918-4148-AFC1-A7F1A9FB7923}" type="presOf" srcId="{B067EEEF-5F84-4FD1-ADC2-113D36BC913F}" destId="{0FCEADF1-E5D2-4854-8F0F-2D93C6141692}" srcOrd="0" destOrd="0" presId="urn:microsoft.com/office/officeart/2005/8/layout/orgChart1"/>
     <dgm:cxn modelId="{E0518618-4AE0-40C3-AC60-4EB832A04413}" type="presOf" srcId="{8B7D1719-E2E2-42DF-A99D-04BA27CCB925}" destId="{CE299E8B-D969-4766-A5DF-A07E0F803E51}" srcOrd="0" destOrd="0" presId="urn:microsoft.com/office/officeart/2005/8/layout/orgChart1"/>
-    <dgm:cxn modelId="{E3CE6A1D-B4D8-4B9B-95B8-7AE4BA0F77EB}" type="presOf" srcId="{B92C5A80-C790-46A0-83F5-36180C11B85A}" destId="{B023193C-F01F-4D83-BA35-0F9346A95D99}" srcOrd="0" destOrd="0" presId="urn:microsoft.com/office/officeart/2005/8/layout/orgChart1"/>
-    <dgm:cxn modelId="{7334DF1D-88DD-4D98-A624-98FA03376C7B}" type="presOf" srcId="{EA84B67C-1A05-4172-924D-95DAC1CE6047}" destId="{BCA1EDBA-0531-488C-9FD8-8C53787F171B}" srcOrd="1" destOrd="0" presId="urn:microsoft.com/office/officeart/2005/8/layout/orgChart1"/>
+    <dgm:cxn modelId="{98A2199C-BF1C-4A3D-9444-AE39201D59F1}" type="presOf" srcId="{71336FAE-F9FA-4F2B-ACBB-F5517FE294CB}" destId="{B4AD8F7B-F0AB-4C1B-93FA-3D630EAAAEB4}" srcOrd="0" destOrd="0" presId="urn:microsoft.com/office/officeart/2005/8/layout/orgChart1"/>
+    <dgm:cxn modelId="{219D28B2-5A03-4C0A-A8F4-CE5B76C0F1D5}" type="presOf" srcId="{9087F03F-2B86-48B8-9D69-346EDB1BA287}" destId="{E6AAAC09-CD2C-436A-BD3D-2A6A1AC341C5}" srcOrd="0" destOrd="0" presId="urn:microsoft.com/office/officeart/2005/8/layout/orgChart1"/>
     <dgm:cxn modelId="{4E7C8B1E-87A6-4A2D-8D2C-1BA89EE56DE5}" type="presOf" srcId="{BD0786CD-B75F-4767-8B27-656AA3E60DCB}" destId="{517E41E7-2A60-4EDA-878A-AF789C0A8A8E}" srcOrd="0" destOrd="0" presId="urn:microsoft.com/office/officeart/2005/8/layout/orgChart1"/>
-    <dgm:cxn modelId="{A4E2D823-018E-434A-9583-FC9E87522C88}" srcId="{EDCAA014-B422-420E-939B-353B68822478}" destId="{B309BAF0-277F-4E16-9074-64164BD7EA8C}" srcOrd="0" destOrd="0" parTransId="{6E6BC598-80B3-4B94-A40D-3ABB2D9BE66C}" sibTransId="{DAD22E29-E0A7-449B-BEB5-87E33A5E6E2D}"/>
-    <dgm:cxn modelId="{5861F029-3FFE-4544-A025-0840C8C2E2B2}" type="presOf" srcId="{491C3117-4CDB-4063-BD93-C3FD8F92026E}" destId="{502FEEFE-FD41-4B36-89C9-6253C07811C6}" srcOrd="1" destOrd="0" presId="urn:microsoft.com/office/officeart/2005/8/layout/orgChart1"/>
-    <dgm:cxn modelId="{680DA42D-CB5D-42C4-833D-5D1272352B89}" srcId="{F20D434D-5E3D-4766-8773-117AECF6BD06}" destId="{491C3117-4CDB-4063-BD93-C3FD8F92026E}" srcOrd="0" destOrd="0" parTransId="{47321EDF-C5FD-413E-909D-D38FCBC11F1A}" sibTransId="{57F4FBBC-4981-44AC-95F6-CE948AFB9D0B}"/>
-    <dgm:cxn modelId="{E7B98A3F-E089-4C48-A799-632457E98019}" type="presOf" srcId="{4EB6D67E-D366-428A-9AEB-7346D97C9FD2}" destId="{D7C789BE-F382-4808-846B-FB541462CCF9}" srcOrd="0" destOrd="0" presId="urn:microsoft.com/office/officeart/2005/8/layout/orgChart1"/>
-    <dgm:cxn modelId="{B0D21660-9775-4136-86E0-D03140A36FF8}" type="presOf" srcId="{B309BAF0-277F-4E16-9074-64164BD7EA8C}" destId="{311A5B7B-AD3D-4F5B-86B3-A04A78D2A7D3}" srcOrd="1" destOrd="0" presId="urn:microsoft.com/office/officeart/2005/8/layout/orgChart1"/>
-    <dgm:cxn modelId="{B178C761-6FEF-444B-B6DA-67D805F3F7A9}" srcId="{8B7D1719-E2E2-42DF-A99D-04BA27CCB925}" destId="{D94E7FFA-1038-4B39-B111-4CB8E0DB7FB4}" srcOrd="0" destOrd="0" parTransId="{CFA8160D-46A2-4741-A477-B35329C11263}" sibTransId="{0D8ED902-6ED2-4B15-94AE-A6C019EA9A73}"/>
-    <dgm:cxn modelId="{FA1F9763-3965-4843-BDE5-B22710536767}" type="presOf" srcId="{DBCCAA87-5632-4585-BD52-6C0DA267E111}" destId="{478B7B58-D5CC-456D-8E31-D39F2EB131A3}" srcOrd="0" destOrd="0" presId="urn:microsoft.com/office/officeart/2005/8/layout/orgChart1"/>
-    <dgm:cxn modelId="{586D826A-8918-4148-AFC1-A7F1A9FB7923}" type="presOf" srcId="{B067EEEF-5F84-4FD1-ADC2-113D36BC913F}" destId="{0FCEADF1-E5D2-4854-8F0F-2D93C6141692}" srcOrd="0" destOrd="0" presId="urn:microsoft.com/office/officeart/2005/8/layout/orgChart1"/>
-    <dgm:cxn modelId="{DD7B9E53-BD52-4220-ACA6-06D5E5530830}" srcId="{B309BAF0-277F-4E16-9074-64164BD7EA8C}" destId="{BD0786CD-B75F-4767-8B27-656AA3E60DCB}" srcOrd="4" destOrd="0" parTransId="{B7DB2AF6-7E31-4A79-AC3E-ED41AEA60755}" sibTransId="{35F237D8-1320-419D-9CA8-CB0904D3185B}"/>
-    <dgm:cxn modelId="{7BFE5A54-5192-4E60-8A25-91831510E915}" srcId="{9087F03F-2B86-48B8-9D69-346EDB1BA287}" destId="{877BAE45-556C-4295-BC4C-58F24F7F411E}" srcOrd="0" destOrd="0" parTransId="{B92C5A80-C790-46A0-83F5-36180C11B85A}" sibTransId="{25C3E752-7F32-45C0-906C-F680CA548E05}"/>
-    <dgm:cxn modelId="{A17ACD55-E5E6-4135-8B19-4883459EB409}" type="presOf" srcId="{9D037713-CEAA-4B69-BCD3-808AB2EBE5BC}" destId="{25ECDBD3-09E3-4552-8946-8CEBDBABA14D}" srcOrd="0" destOrd="0" presId="urn:microsoft.com/office/officeart/2005/8/layout/orgChart1"/>
-    <dgm:cxn modelId="{5266D275-D3D6-4558-A85D-D14FCEE479D4}" type="presOf" srcId="{B309BAF0-277F-4E16-9074-64164BD7EA8C}" destId="{23FC06A5-F739-465F-97FA-B7682CA6A973}" srcOrd="0" destOrd="0" presId="urn:microsoft.com/office/officeart/2005/8/layout/orgChart1"/>
-    <dgm:cxn modelId="{DDF28E57-07A1-4619-84D5-6CFDB6B30426}" type="presOf" srcId="{47321EDF-C5FD-413E-909D-D38FCBC11F1A}" destId="{58CD45F1-9E9E-4107-A805-25788B34D951}" srcOrd="0" destOrd="0" presId="urn:microsoft.com/office/officeart/2005/8/layout/orgChart1"/>
-    <dgm:cxn modelId="{7E63D581-693D-40E0-815B-8FE94E2E48F9}" type="presOf" srcId="{95C9F60A-11F7-448B-8707-C49253931A38}" destId="{65152F91-A5D4-482D-BB48-B5346B38F9E9}" srcOrd="0" destOrd="0" presId="urn:microsoft.com/office/officeart/2005/8/layout/orgChart1"/>
-    <dgm:cxn modelId="{FDC3808A-4DE9-440A-A0F1-DF1AA587D882}" type="presOf" srcId="{F20D434D-5E3D-4766-8773-117AECF6BD06}" destId="{8A808999-4B5D-4AAF-9BCD-CE333EBC203D}" srcOrd="0" destOrd="0" presId="urn:microsoft.com/office/officeart/2005/8/layout/orgChart1"/>
+    <dgm:cxn modelId="{5B7153B6-F88E-49F6-B1F9-4EDE1258F404}" type="presOf" srcId="{491C3117-4CDB-4063-BD93-C3FD8F92026E}" destId="{9416958D-0574-411D-81AF-5FDF943344EB}" srcOrd="0" destOrd="0" presId="urn:microsoft.com/office/officeart/2005/8/layout/orgChart1"/>
     <dgm:cxn modelId="{48339391-60F0-431E-A285-32EF8B23C453}" type="presOf" srcId="{378294F9-341A-4E40-9946-935FFFC73718}" destId="{E8F77084-BEC6-4395-81DA-9CFC40801B2A}" srcOrd="0" destOrd="0" presId="urn:microsoft.com/office/officeart/2005/8/layout/orgChart1"/>
-    <dgm:cxn modelId="{7333EE91-9946-46B4-AF41-A11E236D959D}" type="presOf" srcId="{BD0786CD-B75F-4767-8B27-656AA3E60DCB}" destId="{47B90801-100D-4F73-A42B-C7299AC3A50A}" srcOrd="1" destOrd="0" presId="urn:microsoft.com/office/officeart/2005/8/layout/orgChart1"/>
-    <dgm:cxn modelId="{A5E63992-3BAF-461D-9F43-BBCC085C0D2C}" type="presOf" srcId="{EDCAA014-B422-420E-939B-353B68822478}" destId="{2EA52F33-70AF-44A4-A370-431588AFEBFB}" srcOrd="0" destOrd="0" presId="urn:microsoft.com/office/officeart/2005/8/layout/orgChart1"/>
-    <dgm:cxn modelId="{7E737593-F45D-43DF-A634-1F472F2394F6}" type="presOf" srcId="{D94E7FFA-1038-4B39-B111-4CB8E0DB7FB4}" destId="{D0548209-6DAC-45E1-9718-68A2CB00122E}" srcOrd="0" destOrd="0" presId="urn:microsoft.com/office/officeart/2005/8/layout/orgChart1"/>
-    <dgm:cxn modelId="{2A3E3A99-5ED9-43E5-8BC3-1FBCA29E9EA8}" type="presOf" srcId="{DBCCAA87-5632-4585-BD52-6C0DA267E111}" destId="{50BA6903-242B-425B-9389-F8A9F6B9A084}" srcOrd="1" destOrd="0" presId="urn:microsoft.com/office/officeart/2005/8/layout/orgChart1"/>
-    <dgm:cxn modelId="{1DFBD299-FF02-496D-BFEF-EE2C306BBB37}" type="presOf" srcId="{8B7D1719-E2E2-42DF-A99D-04BA27CCB925}" destId="{FBE28296-88CB-4C91-B6BD-28C130F8E820}" srcOrd="1" destOrd="0" presId="urn:microsoft.com/office/officeart/2005/8/layout/orgChart1"/>
-    <dgm:cxn modelId="{98A2199C-BF1C-4A3D-9444-AE39201D59F1}" type="presOf" srcId="{71336FAE-F9FA-4F2B-ACBB-F5517FE294CB}" destId="{B4AD8F7B-F0AB-4C1B-93FA-3D630EAAAEB4}" srcOrd="0" destOrd="0" presId="urn:microsoft.com/office/officeart/2005/8/layout/orgChart1"/>
-    <dgm:cxn modelId="{EA90AA9E-2EC1-4C4E-9CFA-D92BA624FEB6}" type="presOf" srcId="{71336FAE-F9FA-4F2B-ACBB-F5517FE294CB}" destId="{45400448-1305-4A26-8872-4D69F744D169}" srcOrd="1" destOrd="0" presId="urn:microsoft.com/office/officeart/2005/8/layout/orgChart1"/>
-    <dgm:cxn modelId="{892351A4-7042-4DCA-A887-BBCB7A0741F0}" srcId="{71336FAE-F9FA-4F2B-ACBB-F5517FE294CB}" destId="{EA84B67C-1A05-4172-924D-95DAC1CE6047}" srcOrd="1" destOrd="0" parTransId="{B067EEEF-5F84-4FD1-ADC2-113D36BC913F}" sibTransId="{F11DC1E1-6E32-434C-91CF-BB9705BF6823}"/>
-    <dgm:cxn modelId="{C6B0EEA7-5244-4419-A6DD-DD80DE8F6BC9}" type="presOf" srcId="{B7DB2AF6-7E31-4A79-AC3E-ED41AEA60755}" destId="{1266B0AC-9D1D-4335-A8BE-A5BDCFA6E7D0}" srcOrd="0" destOrd="0" presId="urn:microsoft.com/office/officeart/2005/8/layout/orgChart1"/>
-    <dgm:cxn modelId="{FD8FB5AC-520B-4F75-8A5C-85ADEDBCB470}" srcId="{B309BAF0-277F-4E16-9074-64164BD7EA8C}" destId="{8B7D1719-E2E2-42DF-A99D-04BA27CCB925}" srcOrd="2" destOrd="0" parTransId="{95C9F60A-11F7-448B-8707-C49253931A38}" sibTransId="{922121C1-D075-42F5-820F-8CD21B3CC889}"/>
-    <dgm:cxn modelId="{219D28B2-5A03-4C0A-A8F4-CE5B76C0F1D5}" type="presOf" srcId="{9087F03F-2B86-48B8-9D69-346EDB1BA287}" destId="{E6AAAC09-CD2C-436A-BD3D-2A6A1AC341C5}" srcOrd="0" destOrd="0" presId="urn:microsoft.com/office/officeart/2005/8/layout/orgChart1"/>
-    <dgm:cxn modelId="{5B7153B6-F88E-49F6-B1F9-4EDE1258F404}" type="presOf" srcId="{491C3117-4CDB-4063-BD93-C3FD8F92026E}" destId="{9416958D-0574-411D-81AF-5FDF943344EB}" srcOrd="0" destOrd="0" presId="urn:microsoft.com/office/officeart/2005/8/layout/orgChart1"/>
-    <dgm:cxn modelId="{518A0EBC-C4A9-454B-BE09-6E66643E3747}" srcId="{71336FAE-F9FA-4F2B-ACBB-F5517FE294CB}" destId="{DBCCAA87-5632-4585-BD52-6C0DA267E111}" srcOrd="0" destOrd="0" parTransId="{378294F9-341A-4E40-9946-935FFFC73718}" sibTransId="{F1B67B1F-65C6-479D-8DAC-DC03DCCFF773}"/>
-    <dgm:cxn modelId="{00102AC0-B616-4CA9-928D-73DF277B6CB1}" srcId="{B309BAF0-277F-4E16-9074-64164BD7EA8C}" destId="{71336FAE-F9FA-4F2B-ACBB-F5517FE294CB}" srcOrd="0" destOrd="0" parTransId="{2E823E60-F4D5-4F93-B8E8-537604FBDA03}" sibTransId="{BCA331BB-7E99-4094-AF9A-57245EA29A55}"/>
-    <dgm:cxn modelId="{F0D9EACF-3C99-4E4F-B396-8827BCDEE35D}" type="presOf" srcId="{9087F03F-2B86-48B8-9D69-346EDB1BA287}" destId="{11240BB5-1B00-417C-BA75-D60C88941274}" srcOrd="1" destOrd="0" presId="urn:microsoft.com/office/officeart/2005/8/layout/orgChart1"/>
-    <dgm:cxn modelId="{B7D700DD-0388-4DFC-9A65-2BAC966C9E40}" type="presOf" srcId="{1BE2227D-6C62-4093-B86A-DFA0866095CF}" destId="{53C4475B-2357-4A41-AE11-7CC29E63C335}" srcOrd="1" destOrd="0" presId="urn:microsoft.com/office/officeart/2005/8/layout/orgChart1"/>
-    <dgm:cxn modelId="{9F6A83EA-2455-4544-AD22-B5DE877B20E2}" type="presOf" srcId="{D94E7FFA-1038-4B39-B111-4CB8E0DB7FB4}" destId="{0F1C8BCE-7F9C-4A8E-B272-8BD93187EDB0}" srcOrd="1" destOrd="0" presId="urn:microsoft.com/office/officeart/2005/8/layout/orgChart1"/>
-    <dgm:cxn modelId="{0A342BEC-1038-4B39-B35D-6940AAF87789}" type="presOf" srcId="{2E823E60-F4D5-4F93-B8E8-537604FBDA03}" destId="{C77BF92A-7B77-4585-81A1-8E87383FCC46}" srcOrd="0" destOrd="0" presId="urn:microsoft.com/office/officeart/2005/8/layout/orgChart1"/>
-    <dgm:cxn modelId="{F8901DF0-30EE-4CD4-918B-A62DB986DB53}" type="presOf" srcId="{CFA8160D-46A2-4741-A477-B35329C11263}" destId="{421FD2BF-CF98-454A-A096-0EB965155ECF}" srcOrd="0" destOrd="0" presId="urn:microsoft.com/office/officeart/2005/8/layout/orgChart1"/>
-    <dgm:cxn modelId="{679B8EF7-B2D2-491E-B27D-71A7943A78F7}" srcId="{B309BAF0-277F-4E16-9074-64164BD7EA8C}" destId="{9087F03F-2B86-48B8-9D69-346EDB1BA287}" srcOrd="1" destOrd="0" parTransId="{9D037713-CEAA-4B69-BCD3-808AB2EBE5BC}" sibTransId="{99CE4E13-6F6F-408F-BE22-F44C6638943A}"/>
-    <dgm:cxn modelId="{1BD450FA-D31F-4339-B649-61DF0F36D440}" type="presOf" srcId="{877BAE45-556C-4295-BC4C-58F24F7F411E}" destId="{E1D7CAFC-9711-47DC-9D31-B7AB5D30B956}" srcOrd="0" destOrd="0" presId="urn:microsoft.com/office/officeart/2005/8/layout/orgChart1"/>
-    <dgm:cxn modelId="{09BB8CFB-FCE6-42DB-A1CC-11A865CFEDF3}" type="presOf" srcId="{877BAE45-556C-4295-BC4C-58F24F7F411E}" destId="{6075BC51-4C0B-46AE-BF47-7049E9F93CE0}" srcOrd="1" destOrd="0" presId="urn:microsoft.com/office/officeart/2005/8/layout/orgChart1"/>
-    <dgm:cxn modelId="{8E1634FE-89A1-4B43-B8F0-2C14BB042A37}" type="presOf" srcId="{EA84B67C-1A05-4172-924D-95DAC1CE6047}" destId="{8F27DDD4-C132-4405-BD6C-096E16BBE453}" srcOrd="0" destOrd="0" presId="urn:microsoft.com/office/officeart/2005/8/layout/orgChart1"/>
     <dgm:cxn modelId="{678D726C-2D91-40C9-AEA1-896AE16E1843}" type="presParOf" srcId="{2EA52F33-70AF-44A4-A370-431588AFEBFB}" destId="{1AEC3B36-C0F8-47A2-A406-2AC5581B26FA}" srcOrd="0" destOrd="0" presId="urn:microsoft.com/office/officeart/2005/8/layout/orgChart1"/>
     <dgm:cxn modelId="{9FE9C7B4-79DA-48B9-A833-3B9E86F48BD3}" type="presParOf" srcId="{1AEC3B36-C0F8-47A2-A406-2AC5581B26FA}" destId="{F529BF64-704F-4544-B409-C4A6C180E666}" srcOrd="0" destOrd="0" presId="urn:microsoft.com/office/officeart/2005/8/layout/orgChart1"/>
     <dgm:cxn modelId="{F2D05CCF-16B6-4EA4-A67B-4A8056EBC31F}" type="presParOf" srcId="{F529BF64-704F-4544-B409-C4A6C180E666}" destId="{23FC06A5-F739-465F-97FA-B7682CA6A973}" srcOrd="0" destOrd="0" presId="urn:microsoft.com/office/officeart/2005/8/layout/orgChart1"/>
@@ -3545,976 +3850,6 @@
       <dsp:cNvGrpSpPr/>
     </dsp:nvGrpSpPr>
     <dsp:grpSpPr/>
-    <dsp:sp modelId="{C0AE9E55-4002-42B9-943B-8E6FD365AB02}">
-      <dsp:nvSpPr>
-        <dsp:cNvPr id="0" name=""/>
-        <dsp:cNvSpPr/>
-      </dsp:nvSpPr>
-      <dsp:spPr>
-        <a:xfrm>
-          <a:off x="0" y="817244"/>
-          <a:ext cx="8634413" cy="1089658"/>
-        </a:xfrm>
-        <a:prstGeom prst="notchedRightArrow">
-          <a:avLst/>
-        </a:prstGeom>
-        <a:solidFill>
-          <a:schemeClr val="accent2">
-            <a:lumMod val="60000"/>
-            <a:lumOff val="40000"/>
-          </a:schemeClr>
-        </a:solidFill>
-        <a:ln>
-          <a:noFill/>
-        </a:ln>
-        <a:effectLst/>
-      </dsp:spPr>
-      <dsp:style>
-        <a:lnRef idx="0">
-          <a:scrgbClr r="0" g="0" b="0"/>
-        </a:lnRef>
-        <a:fillRef idx="1">
-          <a:scrgbClr r="0" g="0" b="0"/>
-        </a:fillRef>
-        <a:effectRef idx="0">
-          <a:scrgbClr r="0" g="0" b="0"/>
-        </a:effectRef>
-        <a:fontRef idx="minor"/>
-      </dsp:style>
-    </dsp:sp>
-    <dsp:sp modelId="{87278D95-F9B1-4A70-9F3E-BD37E62E79D5}">
-      <dsp:nvSpPr>
-        <dsp:cNvPr id="0" name=""/>
-        <dsp:cNvSpPr/>
-      </dsp:nvSpPr>
-      <dsp:spPr>
-        <a:xfrm>
-          <a:off x="4718" y="0"/>
-          <a:ext cx="1309417" cy="1089658"/>
-        </a:xfrm>
-        <a:prstGeom prst="rect">
-          <a:avLst/>
-        </a:prstGeom>
-        <a:noFill/>
-        <a:ln>
-          <a:noFill/>
-        </a:ln>
-        <a:effectLst/>
-      </dsp:spPr>
-      <dsp:style>
-        <a:lnRef idx="0">
-          <a:scrgbClr r="0" g="0" b="0"/>
-        </a:lnRef>
-        <a:fillRef idx="0">
-          <a:scrgbClr r="0" g="0" b="0"/>
-        </a:fillRef>
-        <a:effectRef idx="0">
-          <a:scrgbClr r="0" g="0" b="0"/>
-        </a:effectRef>
-        <a:fontRef idx="minor"/>
-      </dsp:style>
-      <dsp:txBody>
-        <a:bodyPr spcFirstLastPara="0" vert="horz" wrap="square" lIns="85344" tIns="85344" rIns="85344" bIns="85344" numCol="1" spcCol="1270" anchor="b" anchorCtr="0">
-          <a:noAutofit/>
-        </a:bodyPr>
-        <a:lstStyle/>
-        <a:p>
-          <a:pPr marL="0" lvl="0" indent="0" algn="ctr" defTabSz="533400">
-            <a:lnSpc>
-              <a:spcPct val="90000"/>
-            </a:lnSpc>
-            <a:spcBef>
-              <a:spcPct val="0"/>
-            </a:spcBef>
-            <a:spcAft>
-              <a:spcPct val="35000"/>
-            </a:spcAft>
-            <a:buNone/>
-          </a:pPr>
-          <a:r>
-            <a:rPr lang="en-US" sz="1200" b="1" kern="1200" dirty="0">
-              <a:solidFill>
-                <a:schemeClr val="tx1"/>
-              </a:solidFill>
-            </a:rPr>
-            <a:t>2019</a:t>
-          </a:r>
-        </a:p>
-        <a:p>
-          <a:pPr marL="0" lvl="0" indent="0" algn="ctr" defTabSz="533400">
-            <a:lnSpc>
-              <a:spcPct val="90000"/>
-            </a:lnSpc>
-            <a:spcBef>
-              <a:spcPct val="0"/>
-            </a:spcBef>
-            <a:spcAft>
-              <a:spcPct val="35000"/>
-            </a:spcAft>
-            <a:buNone/>
-          </a:pPr>
-          <a:r>
-            <a:rPr lang="en-US" sz="1200" kern="1200" dirty="0" err="1"/>
-            <a:t>Mersoft</a:t>
-          </a:r>
-          <a:r>
-            <a:rPr lang="en-US" sz="1200" kern="1200" dirty="0"/>
-            <a:t> – CRM, Warehouses, hotels, clinics (Developer)</a:t>
-          </a:r>
-        </a:p>
-        <a:p>
-          <a:pPr marL="0" lvl="0" indent="0" algn="ctr" defTabSz="533400">
-            <a:lnSpc>
-              <a:spcPct val="90000"/>
-            </a:lnSpc>
-            <a:spcBef>
-              <a:spcPct val="0"/>
-            </a:spcBef>
-            <a:spcAft>
-              <a:spcPct val="35000"/>
-            </a:spcAft>
-            <a:buNone/>
-          </a:pPr>
-          <a:r>
-            <a:rPr lang="en-US" sz="1200" kern="1200" dirty="0"/>
-            <a:t>Title: Software engineer</a:t>
-          </a:r>
-        </a:p>
-      </dsp:txBody>
-      <dsp:txXfrm>
-        <a:off x="4718" y="0"/>
-        <a:ext cx="1309417" cy="1089658"/>
-      </dsp:txXfrm>
-    </dsp:sp>
-    <dsp:sp modelId="{E79FF26D-6404-4362-9456-B495C6C1B9CF}">
-      <dsp:nvSpPr>
-        <dsp:cNvPr id="0" name=""/>
-        <dsp:cNvSpPr/>
-      </dsp:nvSpPr>
-      <dsp:spPr>
-        <a:xfrm>
-          <a:off x="523220" y="1225866"/>
-          <a:ext cx="272414" cy="272414"/>
-        </a:xfrm>
-        <a:prstGeom prst="ellipse">
-          <a:avLst/>
-        </a:prstGeom>
-        <a:solidFill>
-          <a:schemeClr val="accent1">
-            <a:hueOff val="0"/>
-            <a:satOff val="0"/>
-            <a:lumOff val="0"/>
-            <a:alphaOff val="0"/>
-          </a:schemeClr>
-        </a:solidFill>
-        <a:ln w="12700" cap="flat" cmpd="sng" algn="ctr">
-          <a:solidFill>
-            <a:schemeClr val="lt1">
-              <a:hueOff val="0"/>
-              <a:satOff val="0"/>
-              <a:lumOff val="0"/>
-              <a:alphaOff val="0"/>
-            </a:schemeClr>
-          </a:solidFill>
-          <a:prstDash val="solid"/>
-          <a:miter lim="800000"/>
-        </a:ln>
-        <a:effectLst/>
-      </dsp:spPr>
-      <dsp:style>
-        <a:lnRef idx="2">
-          <a:scrgbClr r="0" g="0" b="0"/>
-        </a:lnRef>
-        <a:fillRef idx="1">
-          <a:scrgbClr r="0" g="0" b="0"/>
-        </a:fillRef>
-        <a:effectRef idx="0">
-          <a:scrgbClr r="0" g="0" b="0"/>
-        </a:effectRef>
-        <a:fontRef idx="minor">
-          <a:schemeClr val="lt1"/>
-        </a:fontRef>
-      </dsp:style>
-    </dsp:sp>
-    <dsp:sp modelId="{69BF74F2-D8BE-409F-A19D-EA2945D3F296}">
-      <dsp:nvSpPr>
-        <dsp:cNvPr id="0" name=""/>
-        <dsp:cNvSpPr/>
-      </dsp:nvSpPr>
-      <dsp:spPr>
-        <a:xfrm>
-          <a:off x="1344302" y="1634488"/>
-          <a:ext cx="1257671" cy="1089658"/>
-        </a:xfrm>
-        <a:prstGeom prst="rect">
-          <a:avLst/>
-        </a:prstGeom>
-        <a:noFill/>
-        <a:ln>
-          <a:noFill/>
-        </a:ln>
-        <a:effectLst/>
-      </dsp:spPr>
-      <dsp:style>
-        <a:lnRef idx="0">
-          <a:scrgbClr r="0" g="0" b="0"/>
-        </a:lnRef>
-        <a:fillRef idx="0">
-          <a:scrgbClr r="0" g="0" b="0"/>
-        </a:fillRef>
-        <a:effectRef idx="0">
-          <a:scrgbClr r="0" g="0" b="0"/>
-        </a:effectRef>
-        <a:fontRef idx="minor"/>
-      </dsp:style>
-      <dsp:txBody>
-        <a:bodyPr spcFirstLastPara="0" vert="horz" wrap="square" lIns="85344" tIns="85344" rIns="85344" bIns="85344" numCol="1" spcCol="1270" anchor="t" anchorCtr="0">
-          <a:noAutofit/>
-        </a:bodyPr>
-        <a:lstStyle/>
-        <a:p>
-          <a:pPr marL="0" lvl="0" indent="0" algn="ctr" defTabSz="533400">
-            <a:lnSpc>
-              <a:spcPct val="90000"/>
-            </a:lnSpc>
-            <a:spcBef>
-              <a:spcPct val="0"/>
-            </a:spcBef>
-            <a:spcAft>
-              <a:spcPct val="35000"/>
-            </a:spcAft>
-            <a:buNone/>
-          </a:pPr>
-          <a:r>
-            <a:rPr lang="en-US" sz="1200" b="1" kern="1200" dirty="0"/>
-            <a:t>2021</a:t>
-          </a:r>
-          <a:r>
-            <a:rPr lang="en-US" sz="1200" kern="1200" dirty="0"/>
-            <a:t> </a:t>
-          </a:r>
-        </a:p>
-        <a:p>
-          <a:pPr marL="0" lvl="0" indent="0" algn="ctr" defTabSz="533400">
-            <a:lnSpc>
-              <a:spcPct val="90000"/>
-            </a:lnSpc>
-            <a:spcBef>
-              <a:spcPct val="0"/>
-            </a:spcBef>
-            <a:spcAft>
-              <a:spcPct val="35000"/>
-            </a:spcAft>
-            <a:buNone/>
-          </a:pPr>
-          <a:r>
-            <a:rPr lang="en-US" sz="1200" kern="1200" dirty="0"/>
-            <a:t>VOLO – Cargo shipment </a:t>
-          </a:r>
-          <a:r>
-            <a:rPr lang="en-US" sz="1200" kern="1200" dirty="0" err="1"/>
-            <a:t>managment</a:t>
-          </a:r>
-          <a:r>
-            <a:rPr lang="en-US" sz="1200" kern="1200" dirty="0"/>
-            <a:t> (Developer)</a:t>
-          </a:r>
-        </a:p>
-        <a:p>
-          <a:pPr marL="0" lvl="0" indent="0" algn="ctr" defTabSz="533400">
-            <a:lnSpc>
-              <a:spcPct val="90000"/>
-            </a:lnSpc>
-            <a:spcBef>
-              <a:spcPct val="0"/>
-            </a:spcBef>
-            <a:spcAft>
-              <a:spcPct val="35000"/>
-            </a:spcAft>
-            <a:buNone/>
-          </a:pPr>
-          <a:r>
-            <a:rPr lang="en-US" sz="1200" kern="1200" dirty="0"/>
-            <a:t>Title: Software engineer</a:t>
-          </a:r>
-        </a:p>
-      </dsp:txBody>
-      <dsp:txXfrm>
-        <a:off x="1344302" y="1634488"/>
-        <a:ext cx="1257671" cy="1089658"/>
-      </dsp:txXfrm>
-    </dsp:sp>
-    <dsp:sp modelId="{A66A1412-1ABC-4F26-A1B0-D336C0FEECA5}">
-      <dsp:nvSpPr>
-        <dsp:cNvPr id="0" name=""/>
-        <dsp:cNvSpPr/>
-      </dsp:nvSpPr>
-      <dsp:spPr>
-        <a:xfrm>
-          <a:off x="1836930" y="1225866"/>
-          <a:ext cx="272414" cy="272414"/>
-        </a:xfrm>
-        <a:prstGeom prst="ellipse">
-          <a:avLst/>
-        </a:prstGeom>
-        <a:solidFill>
-          <a:schemeClr val="accent1">
-            <a:hueOff val="0"/>
-            <a:satOff val="0"/>
-            <a:lumOff val="0"/>
-            <a:alphaOff val="0"/>
-          </a:schemeClr>
-        </a:solidFill>
-        <a:ln w="12700" cap="flat" cmpd="sng" algn="ctr">
-          <a:solidFill>
-            <a:schemeClr val="lt1">
-              <a:hueOff val="0"/>
-              <a:satOff val="0"/>
-              <a:lumOff val="0"/>
-              <a:alphaOff val="0"/>
-            </a:schemeClr>
-          </a:solidFill>
-          <a:prstDash val="solid"/>
-          <a:miter lim="800000"/>
-        </a:ln>
-        <a:effectLst/>
-      </dsp:spPr>
-      <dsp:style>
-        <a:lnRef idx="2">
-          <a:scrgbClr r="0" g="0" b="0"/>
-        </a:lnRef>
-        <a:fillRef idx="1">
-          <a:scrgbClr r="0" g="0" b="0"/>
-        </a:fillRef>
-        <a:effectRef idx="0">
-          <a:scrgbClr r="0" g="0" b="0"/>
-        </a:effectRef>
-        <a:fontRef idx="minor">
-          <a:schemeClr val="lt1"/>
-        </a:fontRef>
-      </dsp:style>
-    </dsp:sp>
-    <dsp:sp modelId="{9EE361B1-670C-4846-A33C-89165043DDA5}">
-      <dsp:nvSpPr>
-        <dsp:cNvPr id="0" name=""/>
-        <dsp:cNvSpPr/>
-      </dsp:nvSpPr>
-      <dsp:spPr>
-        <a:xfrm>
-          <a:off x="2632139" y="0"/>
-          <a:ext cx="1226202" cy="1089658"/>
-        </a:xfrm>
-        <a:prstGeom prst="rect">
-          <a:avLst/>
-        </a:prstGeom>
-        <a:noFill/>
-        <a:ln>
-          <a:noFill/>
-        </a:ln>
-        <a:effectLst/>
-      </dsp:spPr>
-      <dsp:style>
-        <a:lnRef idx="0">
-          <a:scrgbClr r="0" g="0" b="0"/>
-        </a:lnRef>
-        <a:fillRef idx="0">
-          <a:scrgbClr r="0" g="0" b="0"/>
-        </a:fillRef>
-        <a:effectRef idx="0">
-          <a:scrgbClr r="0" g="0" b="0"/>
-        </a:effectRef>
-        <a:fontRef idx="minor"/>
-      </dsp:style>
-      <dsp:txBody>
-        <a:bodyPr spcFirstLastPara="0" vert="horz" wrap="square" lIns="85344" tIns="85344" rIns="85344" bIns="85344" numCol="1" spcCol="1270" anchor="b" anchorCtr="0">
-          <a:noAutofit/>
-        </a:bodyPr>
-        <a:lstStyle/>
-        <a:p>
-          <a:pPr marL="0" lvl="0" indent="0" algn="ctr" defTabSz="533400">
-            <a:lnSpc>
-              <a:spcPct val="90000"/>
-            </a:lnSpc>
-            <a:spcBef>
-              <a:spcPct val="0"/>
-            </a:spcBef>
-            <a:spcAft>
-              <a:spcPct val="35000"/>
-            </a:spcAft>
-            <a:buNone/>
-          </a:pPr>
-          <a:r>
-            <a:rPr lang="en-US" sz="1200" b="1" kern="1200" dirty="0"/>
-            <a:t>2022</a:t>
-          </a:r>
-        </a:p>
-        <a:p>
-          <a:pPr marL="0" lvl="0" indent="0" algn="ctr" defTabSz="533400">
-            <a:lnSpc>
-              <a:spcPct val="90000"/>
-            </a:lnSpc>
-            <a:spcBef>
-              <a:spcPct val="0"/>
-            </a:spcBef>
-            <a:spcAft>
-              <a:spcPct val="35000"/>
-            </a:spcAft>
-            <a:buNone/>
-          </a:pPr>
-          <a:r>
-            <a:rPr lang="en-US" sz="1200" b="0" kern="1200" dirty="0"/>
-            <a:t>EPAM – Swiss Re – re-insurance company</a:t>
-          </a:r>
-        </a:p>
-        <a:p>
-          <a:pPr marL="0" lvl="0" indent="0" algn="ctr" defTabSz="533400">
-            <a:lnSpc>
-              <a:spcPct val="90000"/>
-            </a:lnSpc>
-            <a:spcBef>
-              <a:spcPct val="0"/>
-            </a:spcBef>
-            <a:spcAft>
-              <a:spcPct val="35000"/>
-            </a:spcAft>
-            <a:buNone/>
-          </a:pPr>
-          <a:r>
-            <a:rPr lang="en-US" sz="1200" b="0" kern="1200" dirty="0"/>
-            <a:t>(Developer)</a:t>
-          </a:r>
-        </a:p>
-        <a:p>
-          <a:pPr marL="0" lvl="0" indent="0" algn="ctr" defTabSz="533400">
-            <a:lnSpc>
-              <a:spcPct val="90000"/>
-            </a:lnSpc>
-            <a:spcBef>
-              <a:spcPct val="0"/>
-            </a:spcBef>
-            <a:spcAft>
-              <a:spcPct val="35000"/>
-            </a:spcAft>
-            <a:buNone/>
-          </a:pPr>
-          <a:r>
-            <a:rPr lang="en-US" sz="1200" b="0" kern="1200" dirty="0"/>
-            <a:t>Title: Software engineer </a:t>
-          </a:r>
-        </a:p>
-      </dsp:txBody>
-      <dsp:txXfrm>
-        <a:off x="2632139" y="0"/>
-        <a:ext cx="1226202" cy="1089658"/>
-      </dsp:txXfrm>
-    </dsp:sp>
-    <dsp:sp modelId="{CDAFFB5D-4DF3-419E-B476-9C4BF338B9F0}">
-      <dsp:nvSpPr>
-        <dsp:cNvPr id="0" name=""/>
-        <dsp:cNvSpPr/>
-      </dsp:nvSpPr>
-      <dsp:spPr>
-        <a:xfrm>
-          <a:off x="3109033" y="1225866"/>
-          <a:ext cx="272414" cy="272414"/>
-        </a:xfrm>
-        <a:prstGeom prst="ellipse">
-          <a:avLst/>
-        </a:prstGeom>
-        <a:solidFill>
-          <a:schemeClr val="accent1">
-            <a:hueOff val="0"/>
-            <a:satOff val="0"/>
-            <a:lumOff val="0"/>
-            <a:alphaOff val="0"/>
-          </a:schemeClr>
-        </a:solidFill>
-        <a:ln w="12700" cap="flat" cmpd="sng" algn="ctr">
-          <a:solidFill>
-            <a:schemeClr val="lt1">
-              <a:hueOff val="0"/>
-              <a:satOff val="0"/>
-              <a:lumOff val="0"/>
-              <a:alphaOff val="0"/>
-            </a:schemeClr>
-          </a:solidFill>
-          <a:prstDash val="solid"/>
-          <a:miter lim="800000"/>
-        </a:ln>
-        <a:effectLst/>
-      </dsp:spPr>
-      <dsp:style>
-        <a:lnRef idx="2">
-          <a:scrgbClr r="0" g="0" b="0"/>
-        </a:lnRef>
-        <a:fillRef idx="1">
-          <a:scrgbClr r="0" g="0" b="0"/>
-        </a:fillRef>
-        <a:effectRef idx="0">
-          <a:scrgbClr r="0" g="0" b="0"/>
-        </a:effectRef>
-        <a:fontRef idx="minor">
-          <a:schemeClr val="lt1"/>
-        </a:fontRef>
-      </dsp:style>
-    </dsp:sp>
-    <dsp:sp modelId="{116AF025-5299-4E7B-91D3-4F89C70BB36F}">
-      <dsp:nvSpPr>
-        <dsp:cNvPr id="0" name=""/>
-        <dsp:cNvSpPr/>
-      </dsp:nvSpPr>
-      <dsp:spPr>
-        <a:xfrm>
-          <a:off x="3888508" y="1634488"/>
-          <a:ext cx="1374654" cy="1089658"/>
-        </a:xfrm>
-        <a:prstGeom prst="rect">
-          <a:avLst/>
-        </a:prstGeom>
-        <a:noFill/>
-        <a:ln>
-          <a:noFill/>
-        </a:ln>
-        <a:effectLst/>
-      </dsp:spPr>
-      <dsp:style>
-        <a:lnRef idx="0">
-          <a:scrgbClr r="0" g="0" b="0"/>
-        </a:lnRef>
-        <a:fillRef idx="0">
-          <a:scrgbClr r="0" g="0" b="0"/>
-        </a:fillRef>
-        <a:effectRef idx="0">
-          <a:scrgbClr r="0" g="0" b="0"/>
-        </a:effectRef>
-        <a:fontRef idx="minor"/>
-      </dsp:style>
-      <dsp:txBody>
-        <a:bodyPr spcFirstLastPara="0" vert="horz" wrap="square" lIns="85344" tIns="85344" rIns="85344" bIns="85344" numCol="1" spcCol="1270" anchor="t" anchorCtr="0">
-          <a:noAutofit/>
-        </a:bodyPr>
-        <a:lstStyle/>
-        <a:p>
-          <a:pPr marL="0" lvl="0" indent="0" algn="ctr" defTabSz="533400">
-            <a:lnSpc>
-              <a:spcPct val="90000"/>
-            </a:lnSpc>
-            <a:spcBef>
-              <a:spcPct val="0"/>
-            </a:spcBef>
-            <a:spcAft>
-              <a:spcPct val="35000"/>
-            </a:spcAft>
-            <a:buNone/>
-          </a:pPr>
-          <a:r>
-            <a:rPr lang="en-US" sz="1200" b="1" kern="1200" dirty="0"/>
-            <a:t>2023</a:t>
-          </a:r>
-        </a:p>
-        <a:p>
-          <a:pPr marL="0" lvl="0" indent="0" algn="ctr" defTabSz="533400">
-            <a:lnSpc>
-              <a:spcPct val="90000"/>
-            </a:lnSpc>
-            <a:spcBef>
-              <a:spcPct val="0"/>
-            </a:spcBef>
-            <a:spcAft>
-              <a:spcPct val="35000"/>
-            </a:spcAft>
-            <a:buNone/>
-          </a:pPr>
-          <a:r>
-            <a:rPr lang="en-US" sz="1200" b="0" kern="1200" dirty="0"/>
-            <a:t>EPAM – </a:t>
-          </a:r>
-          <a:r>
-            <a:rPr lang="en-US" sz="1200" b="1" kern="1200" dirty="0"/>
-            <a:t>Philip Morris </a:t>
-          </a:r>
-          <a:r>
-            <a:rPr lang="en-US" sz="1200" b="0" kern="1200" dirty="0"/>
-            <a:t>– Tobacco domain</a:t>
-          </a:r>
-        </a:p>
-        <a:p>
-          <a:pPr marL="0" lvl="0" indent="0" algn="ctr" defTabSz="533400">
-            <a:lnSpc>
-              <a:spcPct val="90000"/>
-            </a:lnSpc>
-            <a:spcBef>
-              <a:spcPct val="0"/>
-            </a:spcBef>
-            <a:spcAft>
-              <a:spcPct val="35000"/>
-            </a:spcAft>
-            <a:buNone/>
-          </a:pPr>
-          <a:r>
-            <a:rPr lang="en-US" sz="1200" b="0" kern="1200" dirty="0"/>
-            <a:t>(developer)</a:t>
-          </a:r>
-        </a:p>
-        <a:p>
-          <a:pPr marL="0" lvl="0" indent="0" algn="ctr" defTabSz="533400">
-            <a:lnSpc>
-              <a:spcPct val="90000"/>
-            </a:lnSpc>
-            <a:spcBef>
-              <a:spcPct val="0"/>
-            </a:spcBef>
-            <a:spcAft>
-              <a:spcPct val="35000"/>
-            </a:spcAft>
-            <a:buNone/>
-          </a:pPr>
-          <a:r>
-            <a:rPr lang="en-US" sz="1200" b="0" kern="1200" dirty="0"/>
-            <a:t>Title: Software engineer</a:t>
-          </a:r>
-        </a:p>
-      </dsp:txBody>
-      <dsp:txXfrm>
-        <a:off x="3888508" y="1634488"/>
-        <a:ext cx="1374654" cy="1089658"/>
-      </dsp:txXfrm>
-    </dsp:sp>
-    <dsp:sp modelId="{3E5F1A52-CB22-4FDB-A6FA-80E0EF15F148}">
-      <dsp:nvSpPr>
-        <dsp:cNvPr id="0" name=""/>
-        <dsp:cNvSpPr/>
-      </dsp:nvSpPr>
-      <dsp:spPr>
-        <a:xfrm>
-          <a:off x="4439628" y="1225866"/>
-          <a:ext cx="272414" cy="272414"/>
-        </a:xfrm>
-        <a:prstGeom prst="ellipse">
-          <a:avLst/>
-        </a:prstGeom>
-        <a:solidFill>
-          <a:schemeClr val="accent1">
-            <a:hueOff val="0"/>
-            <a:satOff val="0"/>
-            <a:lumOff val="0"/>
-            <a:alphaOff val="0"/>
-          </a:schemeClr>
-        </a:solidFill>
-        <a:ln w="12700" cap="flat" cmpd="sng" algn="ctr">
-          <a:solidFill>
-            <a:schemeClr val="lt1">
-              <a:hueOff val="0"/>
-              <a:satOff val="0"/>
-              <a:lumOff val="0"/>
-              <a:alphaOff val="0"/>
-            </a:schemeClr>
-          </a:solidFill>
-          <a:prstDash val="solid"/>
-          <a:miter lim="800000"/>
-        </a:ln>
-        <a:effectLst/>
-      </dsp:spPr>
-      <dsp:style>
-        <a:lnRef idx="2">
-          <a:scrgbClr r="0" g="0" b="0"/>
-        </a:lnRef>
-        <a:fillRef idx="1">
-          <a:scrgbClr r="0" g="0" b="0"/>
-        </a:fillRef>
-        <a:effectRef idx="0">
-          <a:scrgbClr r="0" g="0" b="0"/>
-        </a:effectRef>
-        <a:fontRef idx="minor">
-          <a:schemeClr val="lt1"/>
-        </a:fontRef>
-      </dsp:style>
-    </dsp:sp>
-    <dsp:sp modelId="{0CFCD2A6-F362-4EE8-9A5E-7D59714D4EFB}">
-      <dsp:nvSpPr>
-        <dsp:cNvPr id="0" name=""/>
-        <dsp:cNvSpPr/>
-      </dsp:nvSpPr>
-      <dsp:spPr>
-        <a:xfrm>
-          <a:off x="5293328" y="0"/>
-          <a:ext cx="1040213" cy="1089658"/>
-        </a:xfrm>
-        <a:prstGeom prst="rect">
-          <a:avLst/>
-        </a:prstGeom>
-        <a:noFill/>
-        <a:ln>
-          <a:noFill/>
-        </a:ln>
-        <a:effectLst/>
-      </dsp:spPr>
-      <dsp:style>
-        <a:lnRef idx="0">
-          <a:scrgbClr r="0" g="0" b="0"/>
-        </a:lnRef>
-        <a:fillRef idx="0">
-          <a:scrgbClr r="0" g="0" b="0"/>
-        </a:fillRef>
-        <a:effectRef idx="0">
-          <a:scrgbClr r="0" g="0" b="0"/>
-        </a:effectRef>
-        <a:fontRef idx="minor"/>
-      </dsp:style>
-      <dsp:txBody>
-        <a:bodyPr spcFirstLastPara="0" vert="horz" wrap="square" lIns="85344" tIns="85344" rIns="85344" bIns="85344" numCol="1" spcCol="1270" anchor="b" anchorCtr="0">
-          <a:noAutofit/>
-        </a:bodyPr>
-        <a:lstStyle/>
-        <a:p>
-          <a:pPr marL="0" lvl="0" indent="0" algn="ctr" defTabSz="533400">
-            <a:lnSpc>
-              <a:spcPct val="90000"/>
-            </a:lnSpc>
-            <a:spcBef>
-              <a:spcPct val="0"/>
-            </a:spcBef>
-            <a:spcAft>
-              <a:spcPct val="35000"/>
-            </a:spcAft>
-            <a:buNone/>
-          </a:pPr>
-          <a:r>
-            <a:rPr lang="en-US" sz="1200" b="1" kern="1200" dirty="0"/>
-            <a:t>2023 </a:t>
-          </a:r>
-        </a:p>
-        <a:p>
-          <a:pPr marL="0" lvl="0" indent="0" algn="ctr" defTabSz="533400">
-            <a:lnSpc>
-              <a:spcPct val="90000"/>
-            </a:lnSpc>
-            <a:spcBef>
-              <a:spcPct val="0"/>
-            </a:spcBef>
-            <a:spcAft>
-              <a:spcPct val="35000"/>
-            </a:spcAft>
-            <a:buNone/>
-          </a:pPr>
-          <a:r>
-            <a:rPr lang="en-US" sz="1200" b="0" kern="1200" dirty="0"/>
-            <a:t>EPAM - </a:t>
-          </a:r>
-          <a:r>
-            <a:rPr lang="en-US" sz="1200" b="1" kern="1200" dirty="0"/>
-            <a:t>S&amp;P Global</a:t>
-          </a:r>
-          <a:r>
-            <a:rPr lang="en-US" sz="1200" b="0" kern="1200" dirty="0"/>
-            <a:t> (Key Developer)</a:t>
-          </a:r>
-        </a:p>
-      </dsp:txBody>
-      <dsp:txXfrm>
-        <a:off x="5293328" y="0"/>
-        <a:ext cx="1040213" cy="1089658"/>
-      </dsp:txXfrm>
-    </dsp:sp>
-    <dsp:sp modelId="{21B2F74F-1660-421E-9171-567964A97333}">
-      <dsp:nvSpPr>
-        <dsp:cNvPr id="0" name=""/>
-        <dsp:cNvSpPr/>
-      </dsp:nvSpPr>
-      <dsp:spPr>
-        <a:xfrm>
-          <a:off x="5677227" y="1225866"/>
-          <a:ext cx="272414" cy="272414"/>
-        </a:xfrm>
-        <a:prstGeom prst="ellipse">
-          <a:avLst/>
-        </a:prstGeom>
-        <a:solidFill>
-          <a:schemeClr val="accent1">
-            <a:hueOff val="0"/>
-            <a:satOff val="0"/>
-            <a:lumOff val="0"/>
-            <a:alphaOff val="0"/>
-          </a:schemeClr>
-        </a:solidFill>
-        <a:ln w="12700" cap="flat" cmpd="sng" algn="ctr">
-          <a:solidFill>
-            <a:schemeClr val="lt1">
-              <a:hueOff val="0"/>
-              <a:satOff val="0"/>
-              <a:lumOff val="0"/>
-              <a:alphaOff val="0"/>
-            </a:schemeClr>
-          </a:solidFill>
-          <a:prstDash val="solid"/>
-          <a:miter lim="800000"/>
-        </a:ln>
-        <a:effectLst/>
-      </dsp:spPr>
-      <dsp:style>
-        <a:lnRef idx="2">
-          <a:scrgbClr r="0" g="0" b="0"/>
-        </a:lnRef>
-        <a:fillRef idx="1">
-          <a:scrgbClr r="0" g="0" b="0"/>
-        </a:fillRef>
-        <a:effectRef idx="0">
-          <a:scrgbClr r="0" g="0" b="0"/>
-        </a:effectRef>
-        <a:fontRef idx="minor">
-          <a:schemeClr val="lt1"/>
-        </a:fontRef>
-      </dsp:style>
-    </dsp:sp>
-    <dsp:sp modelId="{6876C14E-BA66-42A7-A82A-BF8ADEA1EEEC}">
-      <dsp:nvSpPr>
-        <dsp:cNvPr id="0" name=""/>
-        <dsp:cNvSpPr/>
-      </dsp:nvSpPr>
-      <dsp:spPr>
-        <a:xfrm>
-          <a:off x="6363707" y="1634488"/>
-          <a:ext cx="1402545" cy="1089658"/>
-        </a:xfrm>
-        <a:prstGeom prst="rect">
-          <a:avLst/>
-        </a:prstGeom>
-        <a:noFill/>
-        <a:ln>
-          <a:noFill/>
-        </a:ln>
-        <a:effectLst/>
-      </dsp:spPr>
-      <dsp:style>
-        <a:lnRef idx="0">
-          <a:scrgbClr r="0" g="0" b="0"/>
-        </a:lnRef>
-        <a:fillRef idx="0">
-          <a:scrgbClr r="0" g="0" b="0"/>
-        </a:fillRef>
-        <a:effectRef idx="0">
-          <a:scrgbClr r="0" g="0" b="0"/>
-        </a:effectRef>
-        <a:fontRef idx="minor"/>
-      </dsp:style>
-      <dsp:txBody>
-        <a:bodyPr spcFirstLastPara="0" vert="horz" wrap="square" lIns="85344" tIns="85344" rIns="85344" bIns="85344" numCol="1" spcCol="1270" anchor="t" anchorCtr="0">
-          <a:noAutofit/>
-        </a:bodyPr>
-        <a:lstStyle/>
-        <a:p>
-          <a:pPr marL="0" lvl="0" indent="0" algn="ctr" defTabSz="533400">
-            <a:lnSpc>
-              <a:spcPct val="90000"/>
-            </a:lnSpc>
-            <a:spcBef>
-              <a:spcPct val="0"/>
-            </a:spcBef>
-            <a:spcAft>
-              <a:spcPct val="35000"/>
-            </a:spcAft>
-            <a:buNone/>
-          </a:pPr>
-          <a:br>
-            <a:rPr lang="en-US" sz="1200" b="0" kern="1200" dirty="0"/>
-          </a:br>
-          <a:r>
-            <a:rPr lang="en-US" sz="1200" b="1" kern="1200" dirty="0"/>
-            <a:t>2024</a:t>
-          </a:r>
-        </a:p>
-        <a:p>
-          <a:pPr marL="0" lvl="0" indent="0" algn="ctr" defTabSz="533400">
-            <a:lnSpc>
-              <a:spcPct val="90000"/>
-            </a:lnSpc>
-            <a:spcBef>
-              <a:spcPct val="0"/>
-            </a:spcBef>
-            <a:spcAft>
-              <a:spcPct val="35000"/>
-            </a:spcAft>
-            <a:buNone/>
-          </a:pPr>
-          <a:r>
-            <a:rPr lang="en-US" sz="1200" b="0" kern="1200" dirty="0"/>
-            <a:t>EPAM - LSEG – (Senior Developer)</a:t>
-          </a:r>
-        </a:p>
-        <a:p>
-          <a:pPr marL="0" lvl="0" indent="0" algn="ctr" defTabSz="533400">
-            <a:lnSpc>
-              <a:spcPct val="90000"/>
-            </a:lnSpc>
-            <a:spcBef>
-              <a:spcPct val="0"/>
-            </a:spcBef>
-            <a:spcAft>
-              <a:spcPct val="35000"/>
-            </a:spcAft>
-            <a:buNone/>
-          </a:pPr>
-          <a:r>
-            <a:rPr lang="en-US" sz="1200" b="0" kern="1200" dirty="0"/>
-            <a:t>Title: Software engineer</a:t>
-          </a:r>
-        </a:p>
-      </dsp:txBody>
-      <dsp:txXfrm>
-        <a:off x="6363707" y="1634488"/>
-        <a:ext cx="1402545" cy="1089658"/>
-      </dsp:txXfrm>
-    </dsp:sp>
-    <dsp:sp modelId="{24020BCD-169F-46E1-AA45-9A30CBDFE357}">
-      <dsp:nvSpPr>
-        <dsp:cNvPr id="0" name=""/>
-        <dsp:cNvSpPr/>
-      </dsp:nvSpPr>
-      <dsp:spPr>
-        <a:xfrm>
-          <a:off x="6928772" y="1225866"/>
-          <a:ext cx="272414" cy="272414"/>
-        </a:xfrm>
-        <a:prstGeom prst="ellipse">
-          <a:avLst/>
-        </a:prstGeom>
-        <a:solidFill>
-          <a:schemeClr val="accent1">
-            <a:hueOff val="0"/>
-            <a:satOff val="0"/>
-            <a:lumOff val="0"/>
-            <a:alphaOff val="0"/>
-          </a:schemeClr>
-        </a:solidFill>
-        <a:ln w="12700" cap="flat" cmpd="sng" algn="ctr">
-          <a:solidFill>
-            <a:schemeClr val="lt1">
-              <a:hueOff val="0"/>
-              <a:satOff val="0"/>
-              <a:lumOff val="0"/>
-              <a:alphaOff val="0"/>
-            </a:schemeClr>
-          </a:solidFill>
-          <a:prstDash val="solid"/>
-          <a:miter lim="800000"/>
-        </a:ln>
-        <a:effectLst/>
-      </dsp:spPr>
-      <dsp:style>
-        <a:lnRef idx="2">
-          <a:scrgbClr r="0" g="0" b="0"/>
-        </a:lnRef>
-        <a:fillRef idx="1">
-          <a:scrgbClr r="0" g="0" b="0"/>
-        </a:fillRef>
-        <a:effectRef idx="0">
-          <a:scrgbClr r="0" g="0" b="0"/>
-        </a:effectRef>
-        <a:fontRef idx="minor">
-          <a:schemeClr val="lt1"/>
-        </a:fontRef>
-      </dsp:style>
-    </dsp:sp>
   </dsp:spTree>
 </dsp:drawing>
 </file>
@@ -4527,1597 +3862,6 @@
       <dsp:cNvGrpSpPr/>
     </dsp:nvGrpSpPr>
     <dsp:grpSpPr/>
-    <dsp:sp modelId="{1266B0AC-9D1D-4335-A8BE-A5BDCFA6E7D0}">
-      <dsp:nvSpPr>
-        <dsp:cNvPr id="0" name=""/>
-        <dsp:cNvSpPr/>
-      </dsp:nvSpPr>
-      <dsp:spPr>
-        <a:xfrm>
-          <a:off x="3204563" y="443878"/>
-          <a:ext cx="2681458" cy="385633"/>
-        </a:xfrm>
-        <a:custGeom>
-          <a:avLst/>
-          <a:gdLst/>
-          <a:ahLst/>
-          <a:cxnLst/>
-          <a:rect l="0" t="0" r="0" b="0"/>
-          <a:pathLst>
-            <a:path>
-              <a:moveTo>
-                <a:pt x="0" y="0"/>
-              </a:moveTo>
-              <a:lnTo>
-                <a:pt x="0" y="204085"/>
-              </a:lnTo>
-              <a:lnTo>
-                <a:pt x="2681458" y="204085"/>
-              </a:lnTo>
-              <a:lnTo>
-                <a:pt x="2681458" y="385633"/>
-              </a:lnTo>
-            </a:path>
-          </a:pathLst>
-        </a:custGeom>
-        <a:noFill/>
-        <a:ln w="12700" cap="flat" cmpd="sng" algn="ctr">
-          <a:solidFill>
-            <a:schemeClr val="accent2">
-              <a:hueOff val="0"/>
-              <a:satOff val="0"/>
-              <a:lumOff val="0"/>
-              <a:alphaOff val="0"/>
-            </a:schemeClr>
-          </a:solidFill>
-          <a:prstDash val="solid"/>
-          <a:miter lim="800000"/>
-        </a:ln>
-        <a:effectLst/>
-      </dsp:spPr>
-      <dsp:style>
-        <a:lnRef idx="2">
-          <a:scrgbClr r="0" g="0" b="0"/>
-        </a:lnRef>
-        <a:fillRef idx="0">
-          <a:scrgbClr r="0" g="0" b="0"/>
-        </a:fillRef>
-        <a:effectRef idx="0">
-          <a:scrgbClr r="0" g="0" b="0"/>
-        </a:effectRef>
-        <a:fontRef idx="minor"/>
-      </dsp:style>
-    </dsp:sp>
-    <dsp:sp modelId="{58CD45F1-9E9E-4107-A805-25788B34D951}">
-      <dsp:nvSpPr>
-        <dsp:cNvPr id="0" name=""/>
-        <dsp:cNvSpPr/>
-      </dsp:nvSpPr>
-      <dsp:spPr>
-        <a:xfrm>
-          <a:off x="4156744" y="1114247"/>
-          <a:ext cx="153560" cy="482925"/>
-        </a:xfrm>
-        <a:custGeom>
-          <a:avLst/>
-          <a:gdLst/>
-          <a:ahLst/>
-          <a:cxnLst/>
-          <a:rect l="0" t="0" r="0" b="0"/>
-          <a:pathLst>
-            <a:path>
-              <a:moveTo>
-                <a:pt x="0" y="0"/>
-              </a:moveTo>
-              <a:lnTo>
-                <a:pt x="0" y="482925"/>
-              </a:lnTo>
-              <a:lnTo>
-                <a:pt x="153560" y="482925"/>
-              </a:lnTo>
-            </a:path>
-          </a:pathLst>
-        </a:custGeom>
-        <a:noFill/>
-        <a:ln w="12700" cap="flat" cmpd="sng" algn="ctr">
-          <a:solidFill>
-            <a:schemeClr val="accent3">
-              <a:hueOff val="0"/>
-              <a:satOff val="0"/>
-              <a:lumOff val="0"/>
-              <a:alphaOff val="0"/>
-            </a:schemeClr>
-          </a:solidFill>
-          <a:prstDash val="solid"/>
-          <a:miter lim="800000"/>
-        </a:ln>
-        <a:effectLst/>
-      </dsp:spPr>
-      <dsp:style>
-        <a:lnRef idx="2">
-          <a:scrgbClr r="0" g="0" b="0"/>
-        </a:lnRef>
-        <a:fillRef idx="0">
-          <a:scrgbClr r="0" g="0" b="0"/>
-        </a:fillRef>
-        <a:effectRef idx="0">
-          <a:scrgbClr r="0" g="0" b="0"/>
-        </a:effectRef>
-        <a:fontRef idx="minor"/>
-      </dsp:style>
-    </dsp:sp>
-    <dsp:sp modelId="{43B621D2-5F45-4E80-A4D2-17FA46AB4D78}">
-      <dsp:nvSpPr>
-        <dsp:cNvPr id="0" name=""/>
-        <dsp:cNvSpPr/>
-      </dsp:nvSpPr>
-      <dsp:spPr>
-        <a:xfrm>
-          <a:off x="3204563" y="443878"/>
-          <a:ext cx="1348259" cy="385633"/>
-        </a:xfrm>
-        <a:custGeom>
-          <a:avLst/>
-          <a:gdLst/>
-          <a:ahLst/>
-          <a:cxnLst/>
-          <a:rect l="0" t="0" r="0" b="0"/>
-          <a:pathLst>
-            <a:path>
-              <a:moveTo>
-                <a:pt x="0" y="0"/>
-              </a:moveTo>
-              <a:lnTo>
-                <a:pt x="0" y="204085"/>
-              </a:lnTo>
-              <a:lnTo>
-                <a:pt x="1348259" y="204085"/>
-              </a:lnTo>
-              <a:lnTo>
-                <a:pt x="1348259" y="385633"/>
-              </a:lnTo>
-            </a:path>
-          </a:pathLst>
-        </a:custGeom>
-        <a:noFill/>
-        <a:ln w="12700" cap="flat" cmpd="sng" algn="ctr">
-          <a:solidFill>
-            <a:schemeClr val="accent2">
-              <a:hueOff val="0"/>
-              <a:satOff val="0"/>
-              <a:lumOff val="0"/>
-              <a:alphaOff val="0"/>
-            </a:schemeClr>
-          </a:solidFill>
-          <a:prstDash val="solid"/>
-          <a:miter lim="800000"/>
-        </a:ln>
-        <a:effectLst/>
-      </dsp:spPr>
-      <dsp:style>
-        <a:lnRef idx="2">
-          <a:scrgbClr r="0" g="0" b="0"/>
-        </a:lnRef>
-        <a:fillRef idx="0">
-          <a:scrgbClr r="0" g="0" b="0"/>
-        </a:fillRef>
-        <a:effectRef idx="0">
-          <a:scrgbClr r="0" g="0" b="0"/>
-        </a:effectRef>
-        <a:fontRef idx="minor"/>
-      </dsp:style>
-    </dsp:sp>
-    <dsp:sp modelId="{421FD2BF-CF98-454A-A096-0EB965155ECF}">
-      <dsp:nvSpPr>
-        <dsp:cNvPr id="0" name=""/>
-        <dsp:cNvSpPr/>
-      </dsp:nvSpPr>
-      <dsp:spPr>
-        <a:xfrm>
-          <a:off x="2813517" y="1114247"/>
-          <a:ext cx="143497" cy="482925"/>
-        </a:xfrm>
-        <a:custGeom>
-          <a:avLst/>
-          <a:gdLst/>
-          <a:ahLst/>
-          <a:cxnLst/>
-          <a:rect l="0" t="0" r="0" b="0"/>
-          <a:pathLst>
-            <a:path>
-              <a:moveTo>
-                <a:pt x="0" y="0"/>
-              </a:moveTo>
-              <a:lnTo>
-                <a:pt x="0" y="482925"/>
-              </a:lnTo>
-              <a:lnTo>
-                <a:pt x="143497" y="482925"/>
-              </a:lnTo>
-            </a:path>
-          </a:pathLst>
-        </a:custGeom>
-        <a:noFill/>
-        <a:ln w="12700" cap="flat" cmpd="sng" algn="ctr">
-          <a:solidFill>
-            <a:schemeClr val="accent3">
-              <a:hueOff val="0"/>
-              <a:satOff val="0"/>
-              <a:lumOff val="0"/>
-              <a:alphaOff val="0"/>
-            </a:schemeClr>
-          </a:solidFill>
-          <a:prstDash val="solid"/>
-          <a:miter lim="800000"/>
-        </a:ln>
-        <a:effectLst/>
-      </dsp:spPr>
-      <dsp:style>
-        <a:lnRef idx="2">
-          <a:scrgbClr r="0" g="0" b="0"/>
-        </a:lnRef>
-        <a:fillRef idx="0">
-          <a:scrgbClr r="0" g="0" b="0"/>
-        </a:fillRef>
-        <a:effectRef idx="0">
-          <a:scrgbClr r="0" g="0" b="0"/>
-        </a:effectRef>
-        <a:fontRef idx="minor"/>
-      </dsp:style>
-    </dsp:sp>
-    <dsp:sp modelId="{65152F91-A5D4-482D-BB48-B5346B38F9E9}">
-      <dsp:nvSpPr>
-        <dsp:cNvPr id="0" name=""/>
-        <dsp:cNvSpPr/>
-      </dsp:nvSpPr>
-      <dsp:spPr>
-        <a:xfrm>
-          <a:off x="3158844" y="443878"/>
-          <a:ext cx="91440" cy="385633"/>
-        </a:xfrm>
-        <a:custGeom>
-          <a:avLst/>
-          <a:gdLst/>
-          <a:ahLst/>
-          <a:cxnLst/>
-          <a:rect l="0" t="0" r="0" b="0"/>
-          <a:pathLst>
-            <a:path>
-              <a:moveTo>
-                <a:pt x="45720" y="0"/>
-              </a:moveTo>
-              <a:lnTo>
-                <a:pt x="45720" y="204085"/>
-              </a:lnTo>
-              <a:lnTo>
-                <a:pt x="50751" y="204085"/>
-              </a:lnTo>
-              <a:lnTo>
-                <a:pt x="50751" y="385633"/>
-              </a:lnTo>
-            </a:path>
-          </a:pathLst>
-        </a:custGeom>
-        <a:noFill/>
-        <a:ln w="12700" cap="flat" cmpd="sng" algn="ctr">
-          <a:solidFill>
-            <a:schemeClr val="accent2">
-              <a:hueOff val="0"/>
-              <a:satOff val="0"/>
-              <a:lumOff val="0"/>
-              <a:alphaOff val="0"/>
-            </a:schemeClr>
-          </a:solidFill>
-          <a:prstDash val="solid"/>
-          <a:miter lim="800000"/>
-        </a:ln>
-        <a:effectLst/>
-      </dsp:spPr>
-      <dsp:style>
-        <a:lnRef idx="2">
-          <a:scrgbClr r="0" g="0" b="0"/>
-        </a:lnRef>
-        <a:fillRef idx="0">
-          <a:scrgbClr r="0" g="0" b="0"/>
-        </a:fillRef>
-        <a:effectRef idx="0">
-          <a:scrgbClr r="0" g="0" b="0"/>
-        </a:effectRef>
-        <a:fontRef idx="minor"/>
-      </dsp:style>
-    </dsp:sp>
-    <dsp:sp modelId="{D7C789BE-F382-4808-846B-FB541462CCF9}">
-      <dsp:nvSpPr>
-        <dsp:cNvPr id="0" name=""/>
-        <dsp:cNvSpPr/>
-      </dsp:nvSpPr>
-      <dsp:spPr>
-        <a:xfrm>
-          <a:off x="1456146" y="1114247"/>
-          <a:ext cx="147578" cy="1130756"/>
-        </a:xfrm>
-        <a:custGeom>
-          <a:avLst/>
-          <a:gdLst/>
-          <a:ahLst/>
-          <a:cxnLst/>
-          <a:rect l="0" t="0" r="0" b="0"/>
-          <a:pathLst>
-            <a:path>
-              <a:moveTo>
-                <a:pt x="0" y="0"/>
-              </a:moveTo>
-              <a:lnTo>
-                <a:pt x="0" y="1130756"/>
-              </a:lnTo>
-              <a:lnTo>
-                <a:pt x="147578" y="1130756"/>
-              </a:lnTo>
-            </a:path>
-          </a:pathLst>
-        </a:custGeom>
-        <a:noFill/>
-        <a:ln w="12700" cap="flat" cmpd="sng" algn="ctr">
-          <a:solidFill>
-            <a:schemeClr val="accent3">
-              <a:hueOff val="0"/>
-              <a:satOff val="0"/>
-              <a:lumOff val="0"/>
-              <a:alphaOff val="0"/>
-            </a:schemeClr>
-          </a:solidFill>
-          <a:prstDash val="solid"/>
-          <a:miter lim="800000"/>
-        </a:ln>
-        <a:effectLst/>
-      </dsp:spPr>
-      <dsp:style>
-        <a:lnRef idx="2">
-          <a:scrgbClr r="0" g="0" b="0"/>
-        </a:lnRef>
-        <a:fillRef idx="0">
-          <a:scrgbClr r="0" g="0" b="0"/>
-        </a:fillRef>
-        <a:effectRef idx="0">
-          <a:scrgbClr r="0" g="0" b="0"/>
-        </a:effectRef>
-        <a:fontRef idx="minor"/>
-      </dsp:style>
-    </dsp:sp>
-    <dsp:sp modelId="{B023193C-F01F-4D83-BA35-0F9346A95D99}">
-      <dsp:nvSpPr>
-        <dsp:cNvPr id="0" name=""/>
-        <dsp:cNvSpPr/>
-      </dsp:nvSpPr>
-      <dsp:spPr>
-        <a:xfrm>
-          <a:off x="1456146" y="1114247"/>
-          <a:ext cx="147578" cy="482925"/>
-        </a:xfrm>
-        <a:custGeom>
-          <a:avLst/>
-          <a:gdLst/>
-          <a:ahLst/>
-          <a:cxnLst/>
-          <a:rect l="0" t="0" r="0" b="0"/>
-          <a:pathLst>
-            <a:path>
-              <a:moveTo>
-                <a:pt x="0" y="0"/>
-              </a:moveTo>
-              <a:lnTo>
-                <a:pt x="0" y="482925"/>
-              </a:lnTo>
-              <a:lnTo>
-                <a:pt x="147578" y="482925"/>
-              </a:lnTo>
-            </a:path>
-          </a:pathLst>
-        </a:custGeom>
-        <a:noFill/>
-        <a:ln w="12700" cap="flat" cmpd="sng" algn="ctr">
-          <a:solidFill>
-            <a:schemeClr val="accent3">
-              <a:hueOff val="0"/>
-              <a:satOff val="0"/>
-              <a:lumOff val="0"/>
-              <a:alphaOff val="0"/>
-            </a:schemeClr>
-          </a:solidFill>
-          <a:prstDash val="solid"/>
-          <a:miter lim="800000"/>
-        </a:ln>
-        <a:effectLst/>
-      </dsp:spPr>
-      <dsp:style>
-        <a:lnRef idx="2">
-          <a:scrgbClr r="0" g="0" b="0"/>
-        </a:lnRef>
-        <a:fillRef idx="0">
-          <a:scrgbClr r="0" g="0" b="0"/>
-        </a:fillRef>
-        <a:effectRef idx="0">
-          <a:scrgbClr r="0" g="0" b="0"/>
-        </a:effectRef>
-        <a:fontRef idx="minor"/>
-      </dsp:style>
-    </dsp:sp>
-    <dsp:sp modelId="{25ECDBD3-09E3-4552-8946-8CEBDBABA14D}">
-      <dsp:nvSpPr>
-        <dsp:cNvPr id="0" name=""/>
-        <dsp:cNvSpPr/>
-      </dsp:nvSpPr>
-      <dsp:spPr>
-        <a:xfrm>
-          <a:off x="1852224" y="443878"/>
-          <a:ext cx="1352339" cy="385633"/>
-        </a:xfrm>
-        <a:custGeom>
-          <a:avLst/>
-          <a:gdLst/>
-          <a:ahLst/>
-          <a:cxnLst/>
-          <a:rect l="0" t="0" r="0" b="0"/>
-          <a:pathLst>
-            <a:path>
-              <a:moveTo>
-                <a:pt x="1352339" y="0"/>
-              </a:moveTo>
-              <a:lnTo>
-                <a:pt x="1352339" y="204085"/>
-              </a:lnTo>
-              <a:lnTo>
-                <a:pt x="0" y="204085"/>
-              </a:lnTo>
-              <a:lnTo>
-                <a:pt x="0" y="385633"/>
-              </a:lnTo>
-            </a:path>
-          </a:pathLst>
-        </a:custGeom>
-        <a:noFill/>
-        <a:ln w="12700" cap="flat" cmpd="sng" algn="ctr">
-          <a:solidFill>
-            <a:schemeClr val="accent2">
-              <a:hueOff val="0"/>
-              <a:satOff val="0"/>
-              <a:lumOff val="0"/>
-              <a:alphaOff val="0"/>
-            </a:schemeClr>
-          </a:solidFill>
-          <a:prstDash val="solid"/>
-          <a:miter lim="800000"/>
-        </a:ln>
-        <a:effectLst/>
-      </dsp:spPr>
-      <dsp:style>
-        <a:lnRef idx="2">
-          <a:scrgbClr r="0" g="0" b="0"/>
-        </a:lnRef>
-        <a:fillRef idx="0">
-          <a:scrgbClr r="0" g="0" b="0"/>
-        </a:fillRef>
-        <a:effectRef idx="0">
-          <a:scrgbClr r="0" g="0" b="0"/>
-        </a:effectRef>
-        <a:fontRef idx="minor"/>
-      </dsp:style>
-    </dsp:sp>
-    <dsp:sp modelId="{0FCEADF1-E5D2-4854-8F0F-2D93C6141692}">
-      <dsp:nvSpPr>
-        <dsp:cNvPr id="0" name=""/>
-        <dsp:cNvSpPr/>
-      </dsp:nvSpPr>
-      <dsp:spPr>
-        <a:xfrm>
-          <a:off x="156658" y="1114247"/>
-          <a:ext cx="91440" cy="1130756"/>
-        </a:xfrm>
-        <a:custGeom>
-          <a:avLst/>
-          <a:gdLst/>
-          <a:ahLst/>
-          <a:cxnLst/>
-          <a:rect l="0" t="0" r="0" b="0"/>
-          <a:pathLst>
-            <a:path>
-              <a:moveTo>
-                <a:pt x="45720" y="0"/>
-              </a:moveTo>
-              <a:lnTo>
-                <a:pt x="45720" y="1130756"/>
-              </a:lnTo>
-              <a:lnTo>
-                <a:pt x="93775" y="1130756"/>
-              </a:lnTo>
-            </a:path>
-          </a:pathLst>
-        </a:custGeom>
-        <a:noFill/>
-        <a:ln w="12700" cap="flat" cmpd="sng" algn="ctr">
-          <a:solidFill>
-            <a:schemeClr val="accent3">
-              <a:hueOff val="0"/>
-              <a:satOff val="0"/>
-              <a:lumOff val="0"/>
-              <a:alphaOff val="0"/>
-            </a:schemeClr>
-          </a:solidFill>
-          <a:prstDash val="solid"/>
-          <a:miter lim="800000"/>
-        </a:ln>
-        <a:effectLst/>
-      </dsp:spPr>
-      <dsp:style>
-        <a:lnRef idx="2">
-          <a:scrgbClr r="0" g="0" b="0"/>
-        </a:lnRef>
-        <a:fillRef idx="0">
-          <a:scrgbClr r="0" g="0" b="0"/>
-        </a:fillRef>
-        <a:effectRef idx="0">
-          <a:scrgbClr r="0" g="0" b="0"/>
-        </a:effectRef>
-        <a:fontRef idx="minor"/>
-      </dsp:style>
-    </dsp:sp>
-    <dsp:sp modelId="{E8F77084-BEC6-4395-81DA-9CFC40801B2A}">
-      <dsp:nvSpPr>
-        <dsp:cNvPr id="0" name=""/>
-        <dsp:cNvSpPr/>
-      </dsp:nvSpPr>
-      <dsp:spPr>
-        <a:xfrm>
-          <a:off x="156658" y="1114247"/>
-          <a:ext cx="91440" cy="482925"/>
-        </a:xfrm>
-        <a:custGeom>
-          <a:avLst/>
-          <a:gdLst/>
-          <a:ahLst/>
-          <a:cxnLst/>
-          <a:rect l="0" t="0" r="0" b="0"/>
-          <a:pathLst>
-            <a:path>
-              <a:moveTo>
-                <a:pt x="45720" y="0"/>
-              </a:moveTo>
-              <a:lnTo>
-                <a:pt x="45720" y="482925"/>
-              </a:lnTo>
-              <a:lnTo>
-                <a:pt x="93775" y="482925"/>
-              </a:lnTo>
-            </a:path>
-          </a:pathLst>
-        </a:custGeom>
-        <a:noFill/>
-        <a:ln w="12700" cap="flat" cmpd="sng" algn="ctr">
-          <a:solidFill>
-            <a:schemeClr val="accent3">
-              <a:hueOff val="0"/>
-              <a:satOff val="0"/>
-              <a:lumOff val="0"/>
-              <a:alphaOff val="0"/>
-            </a:schemeClr>
-          </a:solidFill>
-          <a:prstDash val="solid"/>
-          <a:miter lim="800000"/>
-        </a:ln>
-        <a:effectLst/>
-      </dsp:spPr>
-      <dsp:style>
-        <a:lnRef idx="2">
-          <a:scrgbClr r="0" g="0" b="0"/>
-        </a:lnRef>
-        <a:fillRef idx="0">
-          <a:scrgbClr r="0" g="0" b="0"/>
-        </a:fillRef>
-        <a:effectRef idx="0">
-          <a:scrgbClr r="0" g="0" b="0"/>
-        </a:effectRef>
-        <a:fontRef idx="minor"/>
-      </dsp:style>
-    </dsp:sp>
-    <dsp:sp modelId="{C77BF92A-7B77-4585-81A1-8E87383FCC46}">
-      <dsp:nvSpPr>
-        <dsp:cNvPr id="0" name=""/>
-        <dsp:cNvSpPr/>
-      </dsp:nvSpPr>
-      <dsp:spPr>
-        <a:xfrm>
-          <a:off x="598456" y="443878"/>
-          <a:ext cx="2606107" cy="385633"/>
-        </a:xfrm>
-        <a:custGeom>
-          <a:avLst/>
-          <a:gdLst/>
-          <a:ahLst/>
-          <a:cxnLst/>
-          <a:rect l="0" t="0" r="0" b="0"/>
-          <a:pathLst>
-            <a:path>
-              <a:moveTo>
-                <a:pt x="2606107" y="0"/>
-              </a:moveTo>
-              <a:lnTo>
-                <a:pt x="2606107" y="204085"/>
-              </a:lnTo>
-              <a:lnTo>
-                <a:pt x="0" y="204085"/>
-              </a:lnTo>
-              <a:lnTo>
-                <a:pt x="0" y="385633"/>
-              </a:lnTo>
-            </a:path>
-          </a:pathLst>
-        </a:custGeom>
-        <a:noFill/>
-        <a:ln w="12700" cap="flat" cmpd="sng" algn="ctr">
-          <a:solidFill>
-            <a:schemeClr val="accent2">
-              <a:hueOff val="0"/>
-              <a:satOff val="0"/>
-              <a:lumOff val="0"/>
-              <a:alphaOff val="0"/>
-            </a:schemeClr>
-          </a:solidFill>
-          <a:prstDash val="solid"/>
-          <a:miter lim="800000"/>
-        </a:ln>
-        <a:effectLst/>
-      </dsp:spPr>
-      <dsp:style>
-        <a:lnRef idx="2">
-          <a:scrgbClr r="0" g="0" b="0"/>
-        </a:lnRef>
-        <a:fillRef idx="0">
-          <a:scrgbClr r="0" g="0" b="0"/>
-        </a:fillRef>
-        <a:effectRef idx="0">
-          <a:scrgbClr r="0" g="0" b="0"/>
-        </a:effectRef>
-        <a:fontRef idx="minor"/>
-      </dsp:style>
-    </dsp:sp>
-    <dsp:sp modelId="{23FC06A5-F739-465F-97FA-B7682CA6A973}">
-      <dsp:nvSpPr>
-        <dsp:cNvPr id="0" name=""/>
-        <dsp:cNvSpPr/>
-      </dsp:nvSpPr>
-      <dsp:spPr>
-        <a:xfrm>
-          <a:off x="2709466" y="159142"/>
-          <a:ext cx="990195" cy="284735"/>
-        </a:xfrm>
-        <a:prstGeom prst="rect">
-          <a:avLst/>
-        </a:prstGeom>
-        <a:solidFill>
-          <a:schemeClr val="accent1">
-            <a:hueOff val="0"/>
-            <a:satOff val="0"/>
-            <a:lumOff val="0"/>
-            <a:alphaOff val="0"/>
-          </a:schemeClr>
-        </a:solidFill>
-        <a:ln w="12700" cap="flat" cmpd="sng" algn="ctr">
-          <a:solidFill>
-            <a:schemeClr val="lt1">
-              <a:hueOff val="0"/>
-              <a:satOff val="0"/>
-              <a:lumOff val="0"/>
-              <a:alphaOff val="0"/>
-            </a:schemeClr>
-          </a:solidFill>
-          <a:prstDash val="solid"/>
-          <a:miter lim="800000"/>
-        </a:ln>
-        <a:effectLst/>
-      </dsp:spPr>
-      <dsp:style>
-        <a:lnRef idx="2">
-          <a:scrgbClr r="0" g="0" b="0"/>
-        </a:lnRef>
-        <a:fillRef idx="1">
-          <a:scrgbClr r="0" g="0" b="0"/>
-        </a:fillRef>
-        <a:effectRef idx="0">
-          <a:scrgbClr r="0" g="0" b="0"/>
-        </a:effectRef>
-        <a:fontRef idx="minor">
-          <a:schemeClr val="lt1"/>
-        </a:fontRef>
-      </dsp:style>
-      <dsp:txBody>
-        <a:bodyPr spcFirstLastPara="0" vert="horz" wrap="square" lIns="7620" tIns="7620" rIns="7620" bIns="7620" numCol="1" spcCol="1270" anchor="ctr" anchorCtr="0">
-          <a:noAutofit/>
-        </a:bodyPr>
-        <a:lstStyle/>
-        <a:p>
-          <a:pPr marL="0" lvl="0" indent="0" algn="ctr" defTabSz="533400">
-            <a:lnSpc>
-              <a:spcPct val="90000"/>
-            </a:lnSpc>
-            <a:spcBef>
-              <a:spcPct val="0"/>
-            </a:spcBef>
-            <a:spcAft>
-              <a:spcPct val="35000"/>
-            </a:spcAft>
-            <a:buNone/>
-          </a:pPr>
-          <a:r>
-            <a:rPr lang="en-US" sz="1200" b="0" kern="1200" dirty="0">
-              <a:latin typeface="Trebuchet MS"/>
-              <a:cs typeface="Trebuchet MS"/>
-            </a:rPr>
-            <a:t>Example</a:t>
-          </a:r>
-          <a:r>
-            <a:rPr lang="en-US" sz="1200" kern="1200" dirty="0">
-              <a:latin typeface="Trebuchet MS"/>
-              <a:cs typeface="Trebuchet MS"/>
-            </a:rPr>
-            <a:t> manager/ customer</a:t>
-          </a:r>
-          <a:endParaRPr lang="ru-RU" sz="1200" kern="1200" dirty="0"/>
-        </a:p>
-      </dsp:txBody>
-      <dsp:txXfrm>
-        <a:off x="2709466" y="159142"/>
-        <a:ext cx="990195" cy="284735"/>
-      </dsp:txXfrm>
-    </dsp:sp>
-    <dsp:sp modelId="{B4AD8F7B-F0AB-4C1B-93FA-3D630EAAAEB4}">
-      <dsp:nvSpPr>
-        <dsp:cNvPr id="0" name=""/>
-        <dsp:cNvSpPr/>
-      </dsp:nvSpPr>
-      <dsp:spPr>
-        <a:xfrm>
-          <a:off x="103358" y="829511"/>
-          <a:ext cx="990195" cy="284735"/>
-        </a:xfrm>
-        <a:prstGeom prst="rect">
-          <a:avLst/>
-        </a:prstGeom>
-        <a:solidFill>
-          <a:schemeClr val="accent5"/>
-        </a:solidFill>
-        <a:ln w="12700" cap="flat" cmpd="sng" algn="ctr">
-          <a:solidFill>
-            <a:schemeClr val="lt1">
-              <a:hueOff val="0"/>
-              <a:satOff val="0"/>
-              <a:lumOff val="0"/>
-              <a:alphaOff val="0"/>
-            </a:schemeClr>
-          </a:solidFill>
-          <a:prstDash val="solid"/>
-          <a:miter lim="800000"/>
-        </a:ln>
-        <a:effectLst/>
-      </dsp:spPr>
-      <dsp:style>
-        <a:lnRef idx="2">
-          <a:scrgbClr r="0" g="0" b="0"/>
-        </a:lnRef>
-        <a:fillRef idx="1">
-          <a:scrgbClr r="0" g="0" b="0"/>
-        </a:fillRef>
-        <a:effectRef idx="0">
-          <a:scrgbClr r="0" g="0" b="0"/>
-        </a:effectRef>
-        <a:fontRef idx="minor">
-          <a:schemeClr val="lt1"/>
-        </a:fontRef>
-      </dsp:style>
-      <dsp:txBody>
-        <a:bodyPr spcFirstLastPara="0" vert="horz" wrap="square" lIns="7620" tIns="7620" rIns="7620" bIns="7620" numCol="1" spcCol="1270" anchor="ctr" anchorCtr="0">
-          <a:noAutofit/>
-        </a:bodyPr>
-        <a:lstStyle/>
-        <a:p>
-          <a:pPr marL="0" lvl="0" indent="0" algn="ctr" defTabSz="533400">
-            <a:lnSpc>
-              <a:spcPct val="90000"/>
-            </a:lnSpc>
-            <a:spcBef>
-              <a:spcPct val="0"/>
-            </a:spcBef>
-            <a:spcAft>
-              <a:spcPct val="35000"/>
-            </a:spcAft>
-            <a:buNone/>
-          </a:pPr>
-          <a:r>
-            <a:rPr lang="en-US" sz="1200" kern="1200">
-              <a:latin typeface="Trebuchet MS"/>
-              <a:cs typeface="Trebuchet MS"/>
-            </a:rPr>
-            <a:t>Solution architect group</a:t>
-          </a:r>
-          <a:endParaRPr lang="ru-RU" sz="1200" kern="1200"/>
-        </a:p>
-      </dsp:txBody>
-      <dsp:txXfrm>
-        <a:off x="103358" y="829511"/>
-        <a:ext cx="990195" cy="284735"/>
-      </dsp:txXfrm>
-    </dsp:sp>
-    <dsp:sp modelId="{478B7B58-D5CC-456D-8E31-D39F2EB131A3}">
-      <dsp:nvSpPr>
-        <dsp:cNvPr id="0" name=""/>
-        <dsp:cNvSpPr/>
-      </dsp:nvSpPr>
-      <dsp:spPr>
-        <a:xfrm>
-          <a:off x="250433" y="1454805"/>
-          <a:ext cx="990195" cy="284735"/>
-        </a:xfrm>
-        <a:prstGeom prst="rect">
-          <a:avLst/>
-        </a:prstGeom>
-        <a:solidFill>
-          <a:schemeClr val="accent5"/>
-        </a:solidFill>
-        <a:ln w="12700" cap="flat" cmpd="sng" algn="ctr">
-          <a:solidFill>
-            <a:schemeClr val="lt1">
-              <a:hueOff val="0"/>
-              <a:satOff val="0"/>
-              <a:lumOff val="0"/>
-              <a:alphaOff val="0"/>
-            </a:schemeClr>
-          </a:solidFill>
-          <a:prstDash val="solid"/>
-          <a:miter lim="800000"/>
-        </a:ln>
-        <a:effectLst/>
-      </dsp:spPr>
-      <dsp:style>
-        <a:lnRef idx="2">
-          <a:scrgbClr r="0" g="0" b="0"/>
-        </a:lnRef>
-        <a:fillRef idx="1">
-          <a:scrgbClr r="0" g="0" b="0"/>
-        </a:fillRef>
-        <a:effectRef idx="0">
-          <a:scrgbClr r="0" g="0" b="0"/>
-        </a:effectRef>
-        <a:fontRef idx="minor">
-          <a:schemeClr val="lt1"/>
-        </a:fontRef>
-      </dsp:style>
-      <dsp:txBody>
-        <a:bodyPr spcFirstLastPara="0" vert="horz" wrap="square" lIns="7620" tIns="7620" rIns="7620" bIns="7620" numCol="1" spcCol="1270" anchor="ctr" anchorCtr="0">
-          <a:noAutofit/>
-        </a:bodyPr>
-        <a:lstStyle/>
-        <a:p>
-          <a:pPr marL="0" lvl="0" indent="0" algn="ctr" defTabSz="533400">
-            <a:lnSpc>
-              <a:spcPct val="90000"/>
-            </a:lnSpc>
-            <a:spcBef>
-              <a:spcPct val="0"/>
-            </a:spcBef>
-            <a:spcAft>
-              <a:spcPct val="35000"/>
-            </a:spcAft>
-            <a:buNone/>
-          </a:pPr>
-          <a:r>
-            <a:rPr lang="en-US" sz="1200" kern="1200">
-              <a:cs typeface="Trebuchet MS"/>
-            </a:rPr>
-            <a:t>SA 1</a:t>
-          </a:r>
-          <a:endParaRPr lang="ru-RU" sz="1200" kern="1200"/>
-        </a:p>
-      </dsp:txBody>
-      <dsp:txXfrm>
-        <a:off x="250433" y="1454805"/>
-        <a:ext cx="990195" cy="284735"/>
-      </dsp:txXfrm>
-    </dsp:sp>
-    <dsp:sp modelId="{8F27DDD4-C132-4405-BD6C-096E16BBE453}">
-      <dsp:nvSpPr>
-        <dsp:cNvPr id="0" name=""/>
-        <dsp:cNvSpPr/>
-      </dsp:nvSpPr>
-      <dsp:spPr>
-        <a:xfrm>
-          <a:off x="250433" y="2102636"/>
-          <a:ext cx="990195" cy="284735"/>
-        </a:xfrm>
-        <a:prstGeom prst="rect">
-          <a:avLst/>
-        </a:prstGeom>
-        <a:solidFill>
-          <a:schemeClr val="accent5"/>
-        </a:solidFill>
-        <a:ln w="12700" cap="flat" cmpd="sng" algn="ctr">
-          <a:solidFill>
-            <a:schemeClr val="lt1">
-              <a:hueOff val="0"/>
-              <a:satOff val="0"/>
-              <a:lumOff val="0"/>
-              <a:alphaOff val="0"/>
-            </a:schemeClr>
-          </a:solidFill>
-          <a:prstDash val="solid"/>
-          <a:miter lim="800000"/>
-        </a:ln>
-        <a:effectLst/>
-      </dsp:spPr>
-      <dsp:style>
-        <a:lnRef idx="2">
-          <a:scrgbClr r="0" g="0" b="0"/>
-        </a:lnRef>
-        <a:fillRef idx="1">
-          <a:scrgbClr r="0" g="0" b="0"/>
-        </a:fillRef>
-        <a:effectRef idx="0">
-          <a:scrgbClr r="0" g="0" b="0"/>
-        </a:effectRef>
-        <a:fontRef idx="minor">
-          <a:schemeClr val="lt1"/>
-        </a:fontRef>
-      </dsp:style>
-      <dsp:txBody>
-        <a:bodyPr spcFirstLastPara="0" vert="horz" wrap="square" lIns="7620" tIns="7620" rIns="7620" bIns="7620" numCol="1" spcCol="1270" anchor="ctr" anchorCtr="0">
-          <a:noAutofit/>
-        </a:bodyPr>
-        <a:lstStyle/>
-        <a:p>
-          <a:pPr marL="0" lvl="0" indent="0" algn="ctr" defTabSz="533400">
-            <a:lnSpc>
-              <a:spcPct val="90000"/>
-            </a:lnSpc>
-            <a:spcBef>
-              <a:spcPct val="0"/>
-            </a:spcBef>
-            <a:spcAft>
-              <a:spcPct val="35000"/>
-            </a:spcAft>
-            <a:buNone/>
-          </a:pPr>
-          <a:r>
-            <a:rPr lang="en-US" sz="1200" kern="1200">
-              <a:cs typeface="Trebuchet MS"/>
-            </a:rPr>
-            <a:t>DM 1</a:t>
-          </a:r>
-          <a:endParaRPr lang="ru-RU" sz="1200" kern="1200"/>
-        </a:p>
-      </dsp:txBody>
-      <dsp:txXfrm>
-        <a:off x="250433" y="2102636"/>
-        <a:ext cx="990195" cy="284735"/>
-      </dsp:txXfrm>
-    </dsp:sp>
-    <dsp:sp modelId="{E6AAAC09-CD2C-436A-BD3D-2A6A1AC341C5}">
-      <dsp:nvSpPr>
-        <dsp:cNvPr id="0" name=""/>
-        <dsp:cNvSpPr/>
-      </dsp:nvSpPr>
-      <dsp:spPr>
-        <a:xfrm>
-          <a:off x="1357126" y="829511"/>
-          <a:ext cx="990195" cy="284735"/>
-        </a:xfrm>
-        <a:prstGeom prst="rect">
-          <a:avLst/>
-        </a:prstGeom>
-        <a:solidFill>
-          <a:schemeClr val="accent2"/>
-        </a:solidFill>
-        <a:ln w="12700" cap="flat" cmpd="sng" algn="ctr">
-          <a:solidFill>
-            <a:schemeClr val="lt1">
-              <a:hueOff val="0"/>
-              <a:satOff val="0"/>
-              <a:lumOff val="0"/>
-              <a:alphaOff val="0"/>
-            </a:schemeClr>
-          </a:solidFill>
-          <a:prstDash val="solid"/>
-          <a:miter lim="800000"/>
-        </a:ln>
-        <a:effectLst/>
-      </dsp:spPr>
-      <dsp:style>
-        <a:lnRef idx="2">
-          <a:scrgbClr r="0" g="0" b="0"/>
-        </a:lnRef>
-        <a:fillRef idx="1">
-          <a:scrgbClr r="0" g="0" b="0"/>
-        </a:fillRef>
-        <a:effectRef idx="0">
-          <a:scrgbClr r="0" g="0" b="0"/>
-        </a:effectRef>
-        <a:fontRef idx="minor">
-          <a:schemeClr val="lt1"/>
-        </a:fontRef>
-      </dsp:style>
-      <dsp:txBody>
-        <a:bodyPr spcFirstLastPara="0" vert="horz" wrap="square" lIns="7620" tIns="7620" rIns="7620" bIns="7620" numCol="1" spcCol="1270" anchor="ctr" anchorCtr="0">
-          <a:noAutofit/>
-        </a:bodyPr>
-        <a:lstStyle/>
-        <a:p>
-          <a:pPr marL="0" lvl="0" indent="0" algn="ctr" defTabSz="533400">
-            <a:lnSpc>
-              <a:spcPct val="90000"/>
-            </a:lnSpc>
-            <a:spcBef>
-              <a:spcPct val="0"/>
-            </a:spcBef>
-            <a:spcAft>
-              <a:spcPct val="35000"/>
-            </a:spcAft>
-            <a:buNone/>
-          </a:pPr>
-          <a:r>
-            <a:rPr lang="en-US" sz="1200" kern="1200">
-              <a:cs typeface="Trebuchet MS"/>
-            </a:rPr>
-            <a:t>QA group</a:t>
-          </a:r>
-          <a:endParaRPr lang="ru-RU" sz="1200" kern="1200"/>
-        </a:p>
-      </dsp:txBody>
-      <dsp:txXfrm>
-        <a:off x="1357126" y="829511"/>
-        <a:ext cx="990195" cy="284735"/>
-      </dsp:txXfrm>
-    </dsp:sp>
-    <dsp:sp modelId="{E1D7CAFC-9711-47DC-9D31-B7AB5D30B956}">
-      <dsp:nvSpPr>
-        <dsp:cNvPr id="0" name=""/>
-        <dsp:cNvSpPr/>
-      </dsp:nvSpPr>
-      <dsp:spPr>
-        <a:xfrm>
-          <a:off x="1603724" y="1454805"/>
-          <a:ext cx="990195" cy="284735"/>
-        </a:xfrm>
-        <a:prstGeom prst="rect">
-          <a:avLst/>
-        </a:prstGeom>
-        <a:solidFill>
-          <a:schemeClr val="accent2"/>
-        </a:solidFill>
-        <a:ln w="12700" cap="flat" cmpd="sng" algn="ctr">
-          <a:solidFill>
-            <a:schemeClr val="lt1">
-              <a:hueOff val="0"/>
-              <a:satOff val="0"/>
-              <a:lumOff val="0"/>
-              <a:alphaOff val="0"/>
-            </a:schemeClr>
-          </a:solidFill>
-          <a:prstDash val="solid"/>
-          <a:miter lim="800000"/>
-        </a:ln>
-        <a:effectLst/>
-      </dsp:spPr>
-      <dsp:style>
-        <a:lnRef idx="2">
-          <a:scrgbClr r="0" g="0" b="0"/>
-        </a:lnRef>
-        <a:fillRef idx="1">
-          <a:scrgbClr r="0" g="0" b="0"/>
-        </a:fillRef>
-        <a:effectRef idx="0">
-          <a:scrgbClr r="0" g="0" b="0"/>
-        </a:effectRef>
-        <a:fontRef idx="minor">
-          <a:schemeClr val="lt1"/>
-        </a:fontRef>
-      </dsp:style>
-      <dsp:txBody>
-        <a:bodyPr spcFirstLastPara="0" vert="horz" wrap="square" lIns="7620" tIns="7620" rIns="7620" bIns="7620" numCol="1" spcCol="1270" anchor="ctr" anchorCtr="0">
-          <a:noAutofit/>
-        </a:bodyPr>
-        <a:lstStyle/>
-        <a:p>
-          <a:pPr marL="0" lvl="0" indent="0" algn="ctr" defTabSz="533400">
-            <a:lnSpc>
-              <a:spcPct val="90000"/>
-            </a:lnSpc>
-            <a:spcBef>
-              <a:spcPct val="0"/>
-            </a:spcBef>
-            <a:spcAft>
-              <a:spcPct val="35000"/>
-            </a:spcAft>
-            <a:buNone/>
-          </a:pPr>
-          <a:r>
-            <a:rPr lang="en-US" sz="1200" kern="1200">
-              <a:cs typeface="Trebuchet MS"/>
-            </a:rPr>
-            <a:t>Lead QA</a:t>
-          </a:r>
-          <a:endParaRPr lang="ru-RU" sz="1200" kern="1200"/>
-        </a:p>
-      </dsp:txBody>
-      <dsp:txXfrm>
-        <a:off x="1603724" y="1454805"/>
-        <a:ext cx="990195" cy="284735"/>
-      </dsp:txXfrm>
-    </dsp:sp>
-    <dsp:sp modelId="{C7AEEF9D-9075-4643-8A6D-8680D3A9B404}">
-      <dsp:nvSpPr>
-        <dsp:cNvPr id="0" name=""/>
-        <dsp:cNvSpPr/>
-      </dsp:nvSpPr>
-      <dsp:spPr>
-        <a:xfrm>
-          <a:off x="1603724" y="2102636"/>
-          <a:ext cx="990195" cy="284735"/>
-        </a:xfrm>
-        <a:prstGeom prst="rect">
-          <a:avLst/>
-        </a:prstGeom>
-        <a:solidFill>
-          <a:schemeClr val="accent2"/>
-        </a:solidFill>
-        <a:ln w="12700" cap="flat" cmpd="sng" algn="ctr">
-          <a:solidFill>
-            <a:schemeClr val="lt1">
-              <a:hueOff val="0"/>
-              <a:satOff val="0"/>
-              <a:lumOff val="0"/>
-              <a:alphaOff val="0"/>
-            </a:schemeClr>
-          </a:solidFill>
-          <a:prstDash val="solid"/>
-          <a:miter lim="800000"/>
-        </a:ln>
-        <a:effectLst/>
-      </dsp:spPr>
-      <dsp:style>
-        <a:lnRef idx="2">
-          <a:scrgbClr r="0" g="0" b="0"/>
-        </a:lnRef>
-        <a:fillRef idx="1">
-          <a:scrgbClr r="0" g="0" b="0"/>
-        </a:fillRef>
-        <a:effectRef idx="0">
-          <a:scrgbClr r="0" g="0" b="0"/>
-        </a:effectRef>
-        <a:fontRef idx="minor">
-          <a:schemeClr val="lt1"/>
-        </a:fontRef>
-      </dsp:style>
-      <dsp:txBody>
-        <a:bodyPr spcFirstLastPara="0" vert="horz" wrap="square" lIns="7620" tIns="7620" rIns="7620" bIns="7620" numCol="1" spcCol="1270" anchor="ctr" anchorCtr="0">
-          <a:noAutofit/>
-        </a:bodyPr>
-        <a:lstStyle/>
-        <a:p>
-          <a:pPr marL="0" lvl="0" indent="0" algn="ctr" defTabSz="533400">
-            <a:lnSpc>
-              <a:spcPct val="90000"/>
-            </a:lnSpc>
-            <a:spcBef>
-              <a:spcPct val="0"/>
-            </a:spcBef>
-            <a:spcAft>
-              <a:spcPct val="35000"/>
-            </a:spcAft>
-            <a:buNone/>
-          </a:pPr>
-          <a:r>
-            <a:rPr lang="en-US" sz="1200" kern="1200">
-              <a:cs typeface="Trebuchet MS"/>
-            </a:rPr>
-            <a:t>QA</a:t>
-          </a:r>
-          <a:endParaRPr lang="ru-RU" sz="1200" kern="1200"/>
-        </a:p>
-      </dsp:txBody>
-      <dsp:txXfrm>
-        <a:off x="1603724" y="2102636"/>
-        <a:ext cx="990195" cy="284735"/>
-      </dsp:txXfrm>
-    </dsp:sp>
-    <dsp:sp modelId="{CE299E8B-D969-4766-A5DF-A07E0F803E51}">
-      <dsp:nvSpPr>
-        <dsp:cNvPr id="0" name=""/>
-        <dsp:cNvSpPr/>
-      </dsp:nvSpPr>
-      <dsp:spPr>
-        <a:xfrm>
-          <a:off x="2714497" y="829511"/>
-          <a:ext cx="990195" cy="284735"/>
-        </a:xfrm>
-        <a:prstGeom prst="rect">
-          <a:avLst/>
-        </a:prstGeom>
-        <a:solidFill>
-          <a:schemeClr val="accent5"/>
-        </a:solidFill>
-        <a:ln w="12700" cap="flat" cmpd="sng" algn="ctr">
-          <a:solidFill>
-            <a:schemeClr val="lt1">
-              <a:hueOff val="0"/>
-              <a:satOff val="0"/>
-              <a:lumOff val="0"/>
-              <a:alphaOff val="0"/>
-            </a:schemeClr>
-          </a:solidFill>
-          <a:prstDash val="solid"/>
-          <a:miter lim="800000"/>
-        </a:ln>
-        <a:effectLst/>
-      </dsp:spPr>
-      <dsp:style>
-        <a:lnRef idx="2">
-          <a:scrgbClr r="0" g="0" b="0"/>
-        </a:lnRef>
-        <a:fillRef idx="1">
-          <a:scrgbClr r="0" g="0" b="0"/>
-        </a:fillRef>
-        <a:effectRef idx="0">
-          <a:scrgbClr r="0" g="0" b="0"/>
-        </a:effectRef>
-        <a:fontRef idx="minor">
-          <a:schemeClr val="lt1"/>
-        </a:fontRef>
-      </dsp:style>
-      <dsp:txBody>
-        <a:bodyPr spcFirstLastPara="0" vert="horz" wrap="square" lIns="7620" tIns="7620" rIns="7620" bIns="7620" numCol="1" spcCol="1270" anchor="ctr" anchorCtr="0">
-          <a:noAutofit/>
-        </a:bodyPr>
-        <a:lstStyle/>
-        <a:p>
-          <a:pPr marL="0" lvl="0" indent="0" algn="ctr" defTabSz="533400">
-            <a:lnSpc>
-              <a:spcPct val="90000"/>
-            </a:lnSpc>
-            <a:spcBef>
-              <a:spcPct val="0"/>
-            </a:spcBef>
-            <a:spcAft>
-              <a:spcPct val="35000"/>
-            </a:spcAft>
-            <a:buNone/>
-          </a:pPr>
-          <a:r>
-            <a:rPr lang="en-US" sz="1200" kern="1200">
-              <a:cs typeface="Trebuchet MS"/>
-            </a:rPr>
-            <a:t>3</a:t>
-          </a:r>
-          <a:r>
-            <a:rPr lang="en-US" sz="1200" kern="1200" baseline="30000">
-              <a:cs typeface="Trebuchet MS"/>
-            </a:rPr>
-            <a:t>rd</a:t>
-          </a:r>
-          <a:r>
-            <a:rPr lang="en-US" sz="1200" kern="1200">
-              <a:cs typeface="Trebuchet MS"/>
-            </a:rPr>
-            <a:t> party vendor developers</a:t>
-          </a:r>
-          <a:endParaRPr lang="ru-RU" sz="1200" kern="1200"/>
-        </a:p>
-      </dsp:txBody>
-      <dsp:txXfrm>
-        <a:off x="2714497" y="829511"/>
-        <a:ext cx="990195" cy="284735"/>
-      </dsp:txXfrm>
-    </dsp:sp>
-    <dsp:sp modelId="{D0548209-6DAC-45E1-9718-68A2CB00122E}">
-      <dsp:nvSpPr>
-        <dsp:cNvPr id="0" name=""/>
-        <dsp:cNvSpPr/>
-      </dsp:nvSpPr>
-      <dsp:spPr>
-        <a:xfrm>
-          <a:off x="2957015" y="1454805"/>
-          <a:ext cx="990195" cy="284735"/>
-        </a:xfrm>
-        <a:prstGeom prst="rect">
-          <a:avLst/>
-        </a:prstGeom>
-        <a:solidFill>
-          <a:schemeClr val="accent5"/>
-        </a:solidFill>
-        <a:ln w="12700" cap="flat" cmpd="sng" algn="ctr">
-          <a:solidFill>
-            <a:schemeClr val="lt1">
-              <a:hueOff val="0"/>
-              <a:satOff val="0"/>
-              <a:lumOff val="0"/>
-              <a:alphaOff val="0"/>
-            </a:schemeClr>
-          </a:solidFill>
-          <a:prstDash val="solid"/>
-          <a:miter lim="800000"/>
-        </a:ln>
-        <a:effectLst/>
-      </dsp:spPr>
-      <dsp:style>
-        <a:lnRef idx="2">
-          <a:scrgbClr r="0" g="0" b="0"/>
-        </a:lnRef>
-        <a:fillRef idx="1">
-          <a:scrgbClr r="0" g="0" b="0"/>
-        </a:fillRef>
-        <a:effectRef idx="0">
-          <a:scrgbClr r="0" g="0" b="0"/>
-        </a:effectRef>
-        <a:fontRef idx="minor">
-          <a:schemeClr val="lt1"/>
-        </a:fontRef>
-      </dsp:style>
-      <dsp:txBody>
-        <a:bodyPr spcFirstLastPara="0" vert="horz" wrap="square" lIns="7620" tIns="7620" rIns="7620" bIns="7620" numCol="1" spcCol="1270" anchor="ctr" anchorCtr="0">
-          <a:noAutofit/>
-        </a:bodyPr>
-        <a:lstStyle/>
-        <a:p>
-          <a:pPr marL="0" lvl="0" indent="0" algn="ctr" defTabSz="533400">
-            <a:lnSpc>
-              <a:spcPct val="90000"/>
-            </a:lnSpc>
-            <a:spcBef>
-              <a:spcPct val="0"/>
-            </a:spcBef>
-            <a:spcAft>
-              <a:spcPct val="35000"/>
-            </a:spcAft>
-            <a:buNone/>
-          </a:pPr>
-          <a:r>
-            <a:rPr lang="en-US" sz="1200" kern="1200">
-              <a:cs typeface="Trebuchet MS"/>
-            </a:rPr>
-            <a:t>Developer</a:t>
-          </a:r>
-          <a:endParaRPr lang="ru-RU" sz="1200" kern="1200"/>
-        </a:p>
-      </dsp:txBody>
-      <dsp:txXfrm>
-        <a:off x="2957015" y="1454805"/>
-        <a:ext cx="990195" cy="284735"/>
-      </dsp:txXfrm>
-    </dsp:sp>
-    <dsp:sp modelId="{8A808999-4B5D-4AAF-9BCD-CE333EBC203D}">
-      <dsp:nvSpPr>
-        <dsp:cNvPr id="0" name=""/>
-        <dsp:cNvSpPr/>
-      </dsp:nvSpPr>
-      <dsp:spPr>
-        <a:xfrm>
-          <a:off x="4057725" y="829511"/>
-          <a:ext cx="990195" cy="284735"/>
-        </a:xfrm>
-        <a:prstGeom prst="rect">
-          <a:avLst/>
-        </a:prstGeom>
-        <a:solidFill>
-          <a:schemeClr val="accent4"/>
-        </a:solidFill>
-        <a:ln w="12700" cap="flat" cmpd="sng" algn="ctr">
-          <a:solidFill>
-            <a:schemeClr val="lt1">
-              <a:hueOff val="0"/>
-              <a:satOff val="0"/>
-              <a:lumOff val="0"/>
-              <a:alphaOff val="0"/>
-            </a:schemeClr>
-          </a:solidFill>
-          <a:prstDash val="solid"/>
-          <a:miter lim="800000"/>
-        </a:ln>
-        <a:effectLst/>
-      </dsp:spPr>
-      <dsp:style>
-        <a:lnRef idx="2">
-          <a:scrgbClr r="0" g="0" b="0"/>
-        </a:lnRef>
-        <a:fillRef idx="1">
-          <a:scrgbClr r="0" g="0" b="0"/>
-        </a:fillRef>
-        <a:effectRef idx="0">
-          <a:scrgbClr r="0" g="0" b="0"/>
-        </a:effectRef>
-        <a:fontRef idx="minor">
-          <a:schemeClr val="lt1"/>
-        </a:fontRef>
-      </dsp:style>
-      <dsp:txBody>
-        <a:bodyPr spcFirstLastPara="0" vert="horz" wrap="square" lIns="7620" tIns="7620" rIns="7620" bIns="7620" numCol="1" spcCol="1270" anchor="ctr" anchorCtr="0">
-          <a:noAutofit/>
-        </a:bodyPr>
-        <a:lstStyle/>
-        <a:p>
-          <a:pPr marL="0" lvl="0" indent="0" algn="ctr" defTabSz="533400">
-            <a:lnSpc>
-              <a:spcPct val="90000"/>
-            </a:lnSpc>
-            <a:spcBef>
-              <a:spcPct val="0"/>
-            </a:spcBef>
-            <a:spcAft>
-              <a:spcPct val="35000"/>
-            </a:spcAft>
-            <a:buNone/>
-          </a:pPr>
-          <a:r>
-            <a:rPr lang="en-US" sz="1200" kern="1200">
-              <a:cs typeface="Trebuchet MS"/>
-            </a:rPr>
-            <a:t>Product managers</a:t>
-          </a:r>
-          <a:endParaRPr lang="ru-RU" sz="1200" kern="1200"/>
-        </a:p>
-      </dsp:txBody>
-      <dsp:txXfrm>
-        <a:off x="4057725" y="829511"/>
-        <a:ext cx="990195" cy="284735"/>
-      </dsp:txXfrm>
-    </dsp:sp>
-    <dsp:sp modelId="{9416958D-0574-411D-81AF-5FDF943344EB}">
-      <dsp:nvSpPr>
-        <dsp:cNvPr id="0" name=""/>
-        <dsp:cNvSpPr/>
-      </dsp:nvSpPr>
-      <dsp:spPr>
-        <a:xfrm>
-          <a:off x="4310305" y="1454805"/>
-          <a:ext cx="990195" cy="284735"/>
-        </a:xfrm>
-        <a:prstGeom prst="rect">
-          <a:avLst/>
-        </a:prstGeom>
-        <a:solidFill>
-          <a:schemeClr val="accent4"/>
-        </a:solidFill>
-        <a:ln w="12700" cap="flat" cmpd="sng" algn="ctr">
-          <a:solidFill>
-            <a:schemeClr val="lt1">
-              <a:hueOff val="0"/>
-              <a:satOff val="0"/>
-              <a:lumOff val="0"/>
-              <a:alphaOff val="0"/>
-            </a:schemeClr>
-          </a:solidFill>
-          <a:prstDash val="solid"/>
-          <a:miter lim="800000"/>
-        </a:ln>
-        <a:effectLst/>
-      </dsp:spPr>
-      <dsp:style>
-        <a:lnRef idx="2">
-          <a:scrgbClr r="0" g="0" b="0"/>
-        </a:lnRef>
-        <a:fillRef idx="1">
-          <a:scrgbClr r="0" g="0" b="0"/>
-        </a:fillRef>
-        <a:effectRef idx="0">
-          <a:scrgbClr r="0" g="0" b="0"/>
-        </a:effectRef>
-        <a:fontRef idx="minor">
-          <a:schemeClr val="lt1"/>
-        </a:fontRef>
-      </dsp:style>
-      <dsp:txBody>
-        <a:bodyPr spcFirstLastPara="0" vert="horz" wrap="square" lIns="7620" tIns="7620" rIns="7620" bIns="7620" numCol="1" spcCol="1270" anchor="ctr" anchorCtr="0">
-          <a:noAutofit/>
-        </a:bodyPr>
-        <a:lstStyle/>
-        <a:p>
-          <a:pPr marL="0" lvl="0" indent="0" algn="ctr" defTabSz="533400">
-            <a:lnSpc>
-              <a:spcPct val="90000"/>
-            </a:lnSpc>
-            <a:spcBef>
-              <a:spcPct val="0"/>
-            </a:spcBef>
-            <a:spcAft>
-              <a:spcPct val="35000"/>
-            </a:spcAft>
-            <a:buNone/>
-          </a:pPr>
-          <a:r>
-            <a:rPr lang="en-US" sz="1200" kern="1200">
-              <a:cs typeface="Trebuchet MS"/>
-            </a:rPr>
-            <a:t>Important manager</a:t>
-          </a:r>
-          <a:endParaRPr lang="ru-RU" sz="1200" kern="1200"/>
-        </a:p>
-      </dsp:txBody>
-      <dsp:txXfrm>
-        <a:off x="4310305" y="1454805"/>
-        <a:ext cx="990195" cy="284735"/>
-      </dsp:txXfrm>
-    </dsp:sp>
-    <dsp:sp modelId="{517E41E7-2A60-4EDA-878A-AF789C0A8A8E}">
-      <dsp:nvSpPr>
-        <dsp:cNvPr id="0" name=""/>
-        <dsp:cNvSpPr/>
-      </dsp:nvSpPr>
-      <dsp:spPr>
-        <a:xfrm>
-          <a:off x="5390924" y="829511"/>
-          <a:ext cx="990195" cy="284735"/>
-        </a:xfrm>
-        <a:prstGeom prst="rect">
-          <a:avLst/>
-        </a:prstGeom>
-        <a:solidFill>
-          <a:schemeClr val="accent6"/>
-        </a:solidFill>
-        <a:ln w="12700" cap="flat" cmpd="sng" algn="ctr">
-          <a:solidFill>
-            <a:schemeClr val="lt1">
-              <a:hueOff val="0"/>
-              <a:satOff val="0"/>
-              <a:lumOff val="0"/>
-              <a:alphaOff val="0"/>
-            </a:schemeClr>
-          </a:solidFill>
-          <a:prstDash val="solid"/>
-          <a:miter lim="800000"/>
-        </a:ln>
-        <a:effectLst/>
-      </dsp:spPr>
-      <dsp:style>
-        <a:lnRef idx="2">
-          <a:scrgbClr r="0" g="0" b="0"/>
-        </a:lnRef>
-        <a:fillRef idx="1">
-          <a:scrgbClr r="0" g="0" b="0"/>
-        </a:fillRef>
-        <a:effectRef idx="0">
-          <a:scrgbClr r="0" g="0" b="0"/>
-        </a:effectRef>
-        <a:fontRef idx="minor">
-          <a:schemeClr val="lt1"/>
-        </a:fontRef>
-      </dsp:style>
-      <dsp:txBody>
-        <a:bodyPr spcFirstLastPara="0" vert="horz" wrap="square" lIns="7620" tIns="7620" rIns="7620" bIns="7620" numCol="1" spcCol="1270" anchor="ctr" anchorCtr="0">
-          <a:noAutofit/>
-        </a:bodyPr>
-        <a:lstStyle/>
-        <a:p>
-          <a:pPr marL="0" lvl="0" indent="0" algn="ctr" defTabSz="533400">
-            <a:lnSpc>
-              <a:spcPct val="90000"/>
-            </a:lnSpc>
-            <a:spcBef>
-              <a:spcPct val="0"/>
-            </a:spcBef>
-            <a:spcAft>
-              <a:spcPct val="35000"/>
-            </a:spcAft>
-            <a:buNone/>
-          </a:pPr>
-          <a:r>
-            <a:rPr lang="en-US" sz="1200" kern="1200">
-              <a:cs typeface="Trebuchet MS"/>
-            </a:rPr>
-            <a:t>I’m here</a:t>
-          </a:r>
-          <a:endParaRPr lang="ru-RU" sz="1200" kern="1200"/>
-        </a:p>
-      </dsp:txBody>
-      <dsp:txXfrm>
-        <a:off x="5390924" y="829511"/>
-        <a:ext cx="990195" cy="284735"/>
-      </dsp:txXfrm>
-    </dsp:sp>
   </dsp:spTree>
 </dsp:drawing>
 </file>
@@ -9690,7 +7434,7 @@
           <a:p>
             <a:fld id="{3FDC14FC-A894-4869-A797-1EC82735D106}" type="datetimeFigureOut">
               <a:rPr lang="en-US" smtClean="0"/>
-              <a:t>6/28/2024</a:t>
+              <a:t>29/06/2024</a:t>
             </a:fld>
             <a:endParaRPr lang="en-US"/>
           </a:p>
@@ -9855,7 +7599,7 @@
           <a:p>
             <a:fld id="{B4F99C05-63F9-4248-8E20-3ACD9DF9DE7F}" type="datetimeFigureOut">
               <a:rPr lang="en-US" smtClean="0"/>
-              <a:t>6/28/2024</a:t>
+              <a:t>29/06/2024</a:t>
             </a:fld>
             <a:endParaRPr lang="en-US"/>
           </a:p>
@@ -22710,7 +20454,7 @@
           <p:cNvPr id="5" name="Straight Connector 4">
             <a:extLst>
               <a:ext uri="{FF2B5EF4-FFF2-40B4-BE49-F238E27FC236}">
-                <a16:creationId xmlns:a16="http://schemas.microsoft.com/office/drawing/2014/main" id="{03040C60-A39E-8442-A520-BA092303AC98}"/>
+                <a16:creationId xmlns:a16="http://schemas.microsoft.com/office/drawing/2014/main" xmlns="" id="{03040C60-A39E-8442-A520-BA092303AC98}"/>
               </a:ext>
             </a:extLst>
           </p:cNvPr>
@@ -22755,7 +20499,7 @@
           <p:cNvPr id="6" name="Picture Placeholder 8">
             <a:extLst>
               <a:ext uri="{FF2B5EF4-FFF2-40B4-BE49-F238E27FC236}">
-                <a16:creationId xmlns:a16="http://schemas.microsoft.com/office/drawing/2014/main" id="{21FF28FE-B84E-5D44-B6A6-4B55087B1239}"/>
+                <a16:creationId xmlns:a16="http://schemas.microsoft.com/office/drawing/2014/main" xmlns="" id="{21FF28FE-B84E-5D44-B6A6-4B55087B1239}"/>
               </a:ext>
             </a:extLst>
           </p:cNvPr>
@@ -22801,7 +20545,7 @@
           <p:cNvPr id="7" name="Shape 920">
             <a:extLst>
               <a:ext uri="{FF2B5EF4-FFF2-40B4-BE49-F238E27FC236}">
-                <a16:creationId xmlns:a16="http://schemas.microsoft.com/office/drawing/2014/main" id="{D1A5E50C-7A92-6F49-870C-2507B203D755}"/>
+                <a16:creationId xmlns:a16="http://schemas.microsoft.com/office/drawing/2014/main" xmlns="" id="{D1A5E50C-7A92-6F49-870C-2507B203D755}"/>
               </a:ext>
             </a:extLst>
           </p:cNvPr>
@@ -22824,7 +20568,7 @@
           </a:ln>
           <a:extLst>
             <a:ext uri="{C572A759-6A51-4108-AA02-DFA0A04FC94B}">
-              <ma14:wrappingTextBoxFlag xmlns:ma14="http://schemas.microsoft.com/office/mac/drawingml/2011/main" xmlns="" val="1"/>
+              <ma14:wrappingTextBoxFlag xmlns="" xmlns:ma14="http://schemas.microsoft.com/office/mac/drawingml/2011/main" val="1"/>
             </a:ext>
           </a:extLst>
         </p:spPr>
@@ -22865,7 +20609,7 @@
           <p:cNvPr id="9" name="Title Placeholder 1">
             <a:extLst>
               <a:ext uri="{FF2B5EF4-FFF2-40B4-BE49-F238E27FC236}">
-                <a16:creationId xmlns:a16="http://schemas.microsoft.com/office/drawing/2014/main" id="{D86B7237-6AD3-844E-9A6E-C3E0C1013AD4}"/>
+                <a16:creationId xmlns:a16="http://schemas.microsoft.com/office/drawing/2014/main" xmlns="" id="{D86B7237-6AD3-844E-9A6E-C3E0C1013AD4}"/>
               </a:ext>
             </a:extLst>
           </p:cNvPr>
@@ -22931,7 +20675,7 @@
           <p:cNvPr id="10" name="Content Placeholder 5">
             <a:extLst>
               <a:ext uri="{FF2B5EF4-FFF2-40B4-BE49-F238E27FC236}">
-                <a16:creationId xmlns:a16="http://schemas.microsoft.com/office/drawing/2014/main" id="{94328E10-B013-0A4C-A50C-6D1D6CFD70B7}"/>
+                <a16:creationId xmlns:a16="http://schemas.microsoft.com/office/drawing/2014/main" xmlns="" id="{94328E10-B013-0A4C-A50C-6D1D6CFD70B7}"/>
               </a:ext>
             </a:extLst>
           </p:cNvPr>
@@ -23554,7 +21298,7 @@
           <p:cNvPr id="11" name="Text Placeholder 4">
             <a:extLst>
               <a:ext uri="{FF2B5EF4-FFF2-40B4-BE49-F238E27FC236}">
-                <a16:creationId xmlns:a16="http://schemas.microsoft.com/office/drawing/2014/main" id="{ABD56F5B-8455-0345-910E-53CDD8476F9B}"/>
+                <a16:creationId xmlns:a16="http://schemas.microsoft.com/office/drawing/2014/main" xmlns="" id="{ABD56F5B-8455-0345-910E-53CDD8476F9B}"/>
               </a:ext>
             </a:extLst>
           </p:cNvPr>
@@ -23895,7 +21639,7 @@
           <p:cNvPr id="9" name="TextBox 8">
             <a:extLst>
               <a:ext uri="{FF2B5EF4-FFF2-40B4-BE49-F238E27FC236}">
-                <a16:creationId xmlns:a16="http://schemas.microsoft.com/office/drawing/2014/main" id="{2581AF72-7AD6-334A-BFA2-32789379DA3D}"/>
+                <a16:creationId xmlns:a16="http://schemas.microsoft.com/office/drawing/2014/main" xmlns="" id="{2581AF72-7AD6-334A-BFA2-32789379DA3D}"/>
               </a:ext>
             </a:extLst>
           </p:cNvPr>
@@ -24433,7 +22177,7 @@
           <p:cNvPr id="2" name="TextBox 1">
             <a:extLst>
               <a:ext uri="{FF2B5EF4-FFF2-40B4-BE49-F238E27FC236}">
-                <a16:creationId xmlns:a16="http://schemas.microsoft.com/office/drawing/2014/main" id="{71E38DE0-131E-E04E-BD2E-B00FD5B34CB6}"/>
+                <a16:creationId xmlns:a16="http://schemas.microsoft.com/office/drawing/2014/main" xmlns="" id="{71E38DE0-131E-E04E-BD2E-B00FD5B34CB6}"/>
               </a:ext>
             </a:extLst>
           </p:cNvPr>
@@ -34475,7 +32219,7 @@
           <p:cNvPr id="10" name="TextBox 9">
             <a:extLst>
               <a:ext uri="{FF2B5EF4-FFF2-40B4-BE49-F238E27FC236}">
-                <a16:creationId xmlns:a16="http://schemas.microsoft.com/office/drawing/2014/main" id="{E078E00D-81AB-8847-9E12-0981E03F6A7D}"/>
+                <a16:creationId xmlns:a16="http://schemas.microsoft.com/office/drawing/2014/main" xmlns="" id="{E078E00D-81AB-8847-9E12-0981E03F6A7D}"/>
               </a:ext>
             </a:extLst>
           </p:cNvPr>
@@ -35065,7 +32809,7 @@
           <p:cNvPr id="5" name="TextBox 4">
             <a:extLst>
               <a:ext uri="{FF2B5EF4-FFF2-40B4-BE49-F238E27FC236}">
-                <a16:creationId xmlns:a16="http://schemas.microsoft.com/office/drawing/2014/main" id="{8332217A-8F11-8743-849F-F8E866BEB919}"/>
+                <a16:creationId xmlns:a16="http://schemas.microsoft.com/office/drawing/2014/main" xmlns="" id="{8332217A-8F11-8743-849F-F8E866BEB919}"/>
               </a:ext>
             </a:extLst>
           </p:cNvPr>
@@ -35460,7 +33204,7 @@
           <p:cNvPr id="5" name="Slide Number Placeholder 4">
             <a:extLst>
               <a:ext uri="{FF2B5EF4-FFF2-40B4-BE49-F238E27FC236}">
-                <a16:creationId xmlns:a16="http://schemas.microsoft.com/office/drawing/2014/main" id="{A0B887B2-5B81-1D4E-A26D-E8BF86D8C354}"/>
+                <a16:creationId xmlns:a16="http://schemas.microsoft.com/office/drawing/2014/main" xmlns="" id="{A0B887B2-5B81-1D4E-A26D-E8BF86D8C354}"/>
               </a:ext>
             </a:extLst>
           </p:cNvPr>
@@ -35498,7 +33242,7 @@
           <p:cNvPr id="18" name="Content Placeholder 17">
             <a:extLst>
               <a:ext uri="{FF2B5EF4-FFF2-40B4-BE49-F238E27FC236}">
-                <a16:creationId xmlns:a16="http://schemas.microsoft.com/office/drawing/2014/main" id="{D29D7F2A-31F9-D846-95A5-88ED045CB626}"/>
+                <a16:creationId xmlns:a16="http://schemas.microsoft.com/office/drawing/2014/main" xmlns="" id="{D29D7F2A-31F9-D846-95A5-88ED045CB626}"/>
               </a:ext>
             </a:extLst>
           </p:cNvPr>
@@ -35588,7 +33332,7 @@
                 <a:hlinkClick r:id="rId3">
                   <a:extLst>
                     <a:ext uri="{A12FA001-AC4F-418D-AE19-62706E023703}">
-                      <ahyp:hlinkClr xmlns:ahyp="http://schemas.microsoft.com/office/drawing/2018/hyperlinkcolor" val="tx"/>
+                      <ahyp:hlinkClr xmlns:ahyp="http://schemas.microsoft.com/office/drawing/2018/hyperlinkcolor" xmlns="" val="tx"/>
                     </a:ext>
                   </a:extLst>
                 </a:hlinkClick>
@@ -35604,7 +33348,7 @@
                 <a:hlinkClick r:id="rId4">
                   <a:extLst>
                     <a:ext uri="{A12FA001-AC4F-418D-AE19-62706E023703}">
-                      <ahyp:hlinkClr xmlns:ahyp="http://schemas.microsoft.com/office/drawing/2018/hyperlinkcolor" val="tx"/>
+                      <ahyp:hlinkClr xmlns:ahyp="http://schemas.microsoft.com/office/drawing/2018/hyperlinkcolor" xmlns="" val="tx"/>
                     </a:ext>
                   </a:extLst>
                 </a:hlinkClick>
@@ -35620,7 +33364,7 @@
           <p:cNvPr id="3" name="Right Triangle 2">
             <a:extLst>
               <a:ext uri="{FF2B5EF4-FFF2-40B4-BE49-F238E27FC236}">
-                <a16:creationId xmlns:a16="http://schemas.microsoft.com/office/drawing/2014/main" id="{F1B1D1A0-AC44-EE41-A56B-7CBD6AD0BAE2}"/>
+                <a16:creationId xmlns:a16="http://schemas.microsoft.com/office/drawing/2014/main" xmlns="" id="{F1B1D1A0-AC44-EE41-A56B-7CBD6AD0BAE2}"/>
               </a:ext>
             </a:extLst>
           </p:cNvPr>
@@ -35758,7 +33502,7 @@
           <p:cNvPr id="5" name="Slide Number Placeholder 4">
             <a:extLst>
               <a:ext uri="{FF2B5EF4-FFF2-40B4-BE49-F238E27FC236}">
-                <a16:creationId xmlns:a16="http://schemas.microsoft.com/office/drawing/2014/main" id="{A0B887B2-5B81-1D4E-A26D-E8BF86D8C354}"/>
+                <a16:creationId xmlns:a16="http://schemas.microsoft.com/office/drawing/2014/main" xmlns="" id="{A0B887B2-5B81-1D4E-A26D-E8BF86D8C354}"/>
               </a:ext>
             </a:extLst>
           </p:cNvPr>
@@ -35788,7 +33532,7 @@
           <p:cNvPr id="16" name="Text Placeholder 2">
             <a:extLst>
               <a:ext uri="{FF2B5EF4-FFF2-40B4-BE49-F238E27FC236}">
-                <a16:creationId xmlns:a16="http://schemas.microsoft.com/office/drawing/2014/main" id="{CBF74B37-58A0-EC40-8B1E-68059E84E05F}"/>
+                <a16:creationId xmlns:a16="http://schemas.microsoft.com/office/drawing/2014/main" xmlns="" id="{CBF74B37-58A0-EC40-8B1E-68059E84E05F}"/>
               </a:ext>
             </a:extLst>
           </p:cNvPr>
@@ -36005,7 +33749,7 @@
           <p:cNvPr id="2050" name="Picture 2">
             <a:extLst>
               <a:ext uri="{FF2B5EF4-FFF2-40B4-BE49-F238E27FC236}">
-                <a16:creationId xmlns:a16="http://schemas.microsoft.com/office/drawing/2014/main" id="{56DF9BFA-FAC9-5BCA-1B0C-FF083F7D2D9F}"/>
+                <a16:creationId xmlns:a16="http://schemas.microsoft.com/office/drawing/2014/main" xmlns="" id="{56DF9BFA-FAC9-5BCA-1B0C-FF083F7D2D9F}"/>
               </a:ext>
             </a:extLst>
           </p:cNvPr>
@@ -36052,7 +33796,7 @@
           <p:cNvPr id="2052" name="Picture 4">
             <a:extLst>
               <a:ext uri="{FF2B5EF4-FFF2-40B4-BE49-F238E27FC236}">
-                <a16:creationId xmlns:a16="http://schemas.microsoft.com/office/drawing/2014/main" id="{7D0B5DFC-6C2C-D74D-01EF-353FB705CF61}"/>
+                <a16:creationId xmlns:a16="http://schemas.microsoft.com/office/drawing/2014/main" xmlns="" id="{7D0B5DFC-6C2C-D74D-01EF-353FB705CF61}"/>
               </a:ext>
             </a:extLst>
           </p:cNvPr>
@@ -36099,7 +33843,7 @@
           <p:cNvPr id="2054" name="Picture 6">
             <a:extLst>
               <a:ext uri="{FF2B5EF4-FFF2-40B4-BE49-F238E27FC236}">
-                <a16:creationId xmlns:a16="http://schemas.microsoft.com/office/drawing/2014/main" id="{A2BEA623-786A-9A65-546B-424BDED6683B}"/>
+                <a16:creationId xmlns:a16="http://schemas.microsoft.com/office/drawing/2014/main" xmlns="" id="{A2BEA623-786A-9A65-546B-424BDED6683B}"/>
               </a:ext>
             </a:extLst>
           </p:cNvPr>
@@ -36202,7 +33946,7 @@
           <p:cNvPr id="2" name="Content Placeholder 1">
             <a:extLst>
               <a:ext uri="{FF2B5EF4-FFF2-40B4-BE49-F238E27FC236}">
-                <a16:creationId xmlns:a16="http://schemas.microsoft.com/office/drawing/2014/main" id="{F03CE690-376B-4B3B-BEC0-C3EF1CF5E042}"/>
+                <a16:creationId xmlns:a16="http://schemas.microsoft.com/office/drawing/2014/main" xmlns="" id="{F03CE690-376B-4B3B-BEC0-C3EF1CF5E042}"/>
               </a:ext>
             </a:extLst>
           </p:cNvPr>
@@ -36271,7 +34015,7 @@
           <p:cNvPr id="3" name="Text Placeholder 2">
             <a:extLst>
               <a:ext uri="{FF2B5EF4-FFF2-40B4-BE49-F238E27FC236}">
-                <a16:creationId xmlns:a16="http://schemas.microsoft.com/office/drawing/2014/main" id="{E78CD8FA-7ADA-427B-B760-E0E240C73F20}"/>
+                <a16:creationId xmlns:a16="http://schemas.microsoft.com/office/drawing/2014/main" xmlns="" id="{E78CD8FA-7ADA-427B-B760-E0E240C73F20}"/>
               </a:ext>
             </a:extLst>
           </p:cNvPr>
@@ -36304,7 +34048,7 @@
           <p:cNvPr id="4" name="Content Placeholder 3">
             <a:extLst>
               <a:ext uri="{FF2B5EF4-FFF2-40B4-BE49-F238E27FC236}">
-                <a16:creationId xmlns:a16="http://schemas.microsoft.com/office/drawing/2014/main" id="{167BA88B-DEFB-4275-BBD6-EFE51CF088C4}"/>
+                <a16:creationId xmlns:a16="http://schemas.microsoft.com/office/drawing/2014/main" xmlns="" id="{167BA88B-DEFB-4275-BBD6-EFE51CF088C4}"/>
               </a:ext>
             </a:extLst>
           </p:cNvPr>
@@ -36385,7 +34129,7 @@
           <p:cNvPr id="6" name="Text Placeholder 5">
             <a:extLst>
               <a:ext uri="{FF2B5EF4-FFF2-40B4-BE49-F238E27FC236}">
-                <a16:creationId xmlns:a16="http://schemas.microsoft.com/office/drawing/2014/main" id="{846C3005-2829-47CF-B435-6CC1A76FEC2E}"/>
+                <a16:creationId xmlns:a16="http://schemas.microsoft.com/office/drawing/2014/main" xmlns="" id="{846C3005-2829-47CF-B435-6CC1A76FEC2E}"/>
               </a:ext>
             </a:extLst>
           </p:cNvPr>
@@ -36418,7 +34162,7 @@
           <p:cNvPr id="5" name="Slide Number Placeholder 4">
             <a:extLst>
               <a:ext uri="{FF2B5EF4-FFF2-40B4-BE49-F238E27FC236}">
-                <a16:creationId xmlns:a16="http://schemas.microsoft.com/office/drawing/2014/main" id="{A0B887B2-5B81-1D4E-A26D-E8BF86D8C354}"/>
+                <a16:creationId xmlns:a16="http://schemas.microsoft.com/office/drawing/2014/main" xmlns="" id="{A0B887B2-5B81-1D4E-A26D-E8BF86D8C354}"/>
               </a:ext>
             </a:extLst>
           </p:cNvPr>
@@ -36448,7 +34192,7 @@
           <p:cNvPr id="9" name="Text Placeholder 2">
             <a:extLst>
               <a:ext uri="{FF2B5EF4-FFF2-40B4-BE49-F238E27FC236}">
-                <a16:creationId xmlns:a16="http://schemas.microsoft.com/office/drawing/2014/main" id="{4C7EE91A-47FE-4C26-9DEE-BDC449234F2A}"/>
+                <a16:creationId xmlns:a16="http://schemas.microsoft.com/office/drawing/2014/main" xmlns="" id="{4C7EE91A-47FE-4C26-9DEE-BDC449234F2A}"/>
               </a:ext>
             </a:extLst>
           </p:cNvPr>
@@ -36650,7 +34394,7 @@
           <p:cNvPr id="14" name="Content Placeholder 1">
             <a:extLst>
               <a:ext uri="{FF2B5EF4-FFF2-40B4-BE49-F238E27FC236}">
-                <a16:creationId xmlns:a16="http://schemas.microsoft.com/office/drawing/2014/main" id="{AF29E139-14E7-C043-80C5-A637E4D4ABCC}"/>
+                <a16:creationId xmlns:a16="http://schemas.microsoft.com/office/drawing/2014/main" xmlns="" id="{AF29E139-14E7-C043-80C5-A637E4D4ABCC}"/>
               </a:ext>
             </a:extLst>
           </p:cNvPr>
@@ -36891,7 +34635,7 @@
           <p:cNvPr id="15" name="Text Placeholder 2">
             <a:extLst>
               <a:ext uri="{FF2B5EF4-FFF2-40B4-BE49-F238E27FC236}">
-                <a16:creationId xmlns:a16="http://schemas.microsoft.com/office/drawing/2014/main" id="{19A4AE2F-5005-5747-8EAD-87D1FFAB74C2}"/>
+                <a16:creationId xmlns:a16="http://schemas.microsoft.com/office/drawing/2014/main" xmlns="" id="{19A4AE2F-5005-5747-8EAD-87D1FFAB74C2}"/>
               </a:ext>
             </a:extLst>
           </p:cNvPr>
@@ -37108,7 +34852,7 @@
           <p:cNvPr id="1025" name="Picture 1">
             <a:extLst>
               <a:ext uri="{FF2B5EF4-FFF2-40B4-BE49-F238E27FC236}">
-                <a16:creationId xmlns:a16="http://schemas.microsoft.com/office/drawing/2014/main" id="{99A5431A-67FE-8509-E268-15056F192E7C}"/>
+                <a16:creationId xmlns:a16="http://schemas.microsoft.com/office/drawing/2014/main" xmlns="" id="{99A5431A-67FE-8509-E268-15056F192E7C}"/>
               </a:ext>
             </a:extLst>
           </p:cNvPr>
@@ -37155,7 +34899,7 @@
           <p:cNvPr id="10" name="Picture 9">
             <a:extLst>
               <a:ext uri="{FF2B5EF4-FFF2-40B4-BE49-F238E27FC236}">
-                <a16:creationId xmlns:a16="http://schemas.microsoft.com/office/drawing/2014/main" id="{F4CFD911-3383-3AC6-D112-F8BC4D161D9F}"/>
+                <a16:creationId xmlns:a16="http://schemas.microsoft.com/office/drawing/2014/main" xmlns="" id="{F4CFD911-3383-3AC6-D112-F8BC4D161D9F}"/>
               </a:ext>
             </a:extLst>
           </p:cNvPr>
@@ -37185,7 +34929,7 @@
           <p:cNvPr id="16" name="Picture 15">
             <a:extLst>
               <a:ext uri="{FF2B5EF4-FFF2-40B4-BE49-F238E27FC236}">
-                <a16:creationId xmlns:a16="http://schemas.microsoft.com/office/drawing/2014/main" id="{601B613B-7905-0E81-2C44-2387EFC8FD52}"/>
+                <a16:creationId xmlns:a16="http://schemas.microsoft.com/office/drawing/2014/main" xmlns="" id="{601B613B-7905-0E81-2C44-2387EFC8FD52}"/>
               </a:ext>
             </a:extLst>
           </p:cNvPr>
@@ -37267,7 +35011,7 @@
           <p:cNvPr id="2" name="Content Placeholder 1">
             <a:extLst>
               <a:ext uri="{FF2B5EF4-FFF2-40B4-BE49-F238E27FC236}">
-                <a16:creationId xmlns:a16="http://schemas.microsoft.com/office/drawing/2014/main" id="{F03CE690-376B-4B3B-BEC0-C3EF1CF5E042}"/>
+                <a16:creationId xmlns:a16="http://schemas.microsoft.com/office/drawing/2014/main" xmlns="" id="{F03CE690-376B-4B3B-BEC0-C3EF1CF5E042}"/>
               </a:ext>
             </a:extLst>
           </p:cNvPr>
@@ -37392,7 +35136,7 @@
           <p:cNvPr id="3" name="Text Placeholder 2">
             <a:extLst>
               <a:ext uri="{FF2B5EF4-FFF2-40B4-BE49-F238E27FC236}">
-                <a16:creationId xmlns:a16="http://schemas.microsoft.com/office/drawing/2014/main" id="{E78CD8FA-7ADA-427B-B760-E0E240C73F20}"/>
+                <a16:creationId xmlns:a16="http://schemas.microsoft.com/office/drawing/2014/main" xmlns="" id="{E78CD8FA-7ADA-427B-B760-E0E240C73F20}"/>
               </a:ext>
             </a:extLst>
           </p:cNvPr>
@@ -37425,7 +35169,7 @@
           <p:cNvPr id="4" name="Content Placeholder 3">
             <a:extLst>
               <a:ext uri="{FF2B5EF4-FFF2-40B4-BE49-F238E27FC236}">
-                <a16:creationId xmlns:a16="http://schemas.microsoft.com/office/drawing/2014/main" id="{167BA88B-DEFB-4275-BBD6-EFE51CF088C4}"/>
+                <a16:creationId xmlns:a16="http://schemas.microsoft.com/office/drawing/2014/main" xmlns="" id="{167BA88B-DEFB-4275-BBD6-EFE51CF088C4}"/>
               </a:ext>
             </a:extLst>
           </p:cNvPr>
@@ -37535,7 +35279,7 @@
           <p:cNvPr id="6" name="Text Placeholder 5">
             <a:extLst>
               <a:ext uri="{FF2B5EF4-FFF2-40B4-BE49-F238E27FC236}">
-                <a16:creationId xmlns:a16="http://schemas.microsoft.com/office/drawing/2014/main" id="{846C3005-2829-47CF-B435-6CC1A76FEC2E}"/>
+                <a16:creationId xmlns:a16="http://schemas.microsoft.com/office/drawing/2014/main" xmlns="" id="{846C3005-2829-47CF-B435-6CC1A76FEC2E}"/>
               </a:ext>
             </a:extLst>
           </p:cNvPr>
@@ -37568,7 +35312,7 @@
           <p:cNvPr id="5" name="Slide Number Placeholder 4">
             <a:extLst>
               <a:ext uri="{FF2B5EF4-FFF2-40B4-BE49-F238E27FC236}">
-                <a16:creationId xmlns:a16="http://schemas.microsoft.com/office/drawing/2014/main" id="{A0B887B2-5B81-1D4E-A26D-E8BF86D8C354}"/>
+                <a16:creationId xmlns:a16="http://schemas.microsoft.com/office/drawing/2014/main" xmlns="" id="{A0B887B2-5B81-1D4E-A26D-E8BF86D8C354}"/>
               </a:ext>
             </a:extLst>
           </p:cNvPr>
@@ -37598,7 +35342,7 @@
           <p:cNvPr id="13" name="Text Placeholder 2">
             <a:extLst>
               <a:ext uri="{FF2B5EF4-FFF2-40B4-BE49-F238E27FC236}">
-                <a16:creationId xmlns:a16="http://schemas.microsoft.com/office/drawing/2014/main" id="{5B19B829-9E23-244B-8A6A-788BB526886B}"/>
+                <a16:creationId xmlns:a16="http://schemas.microsoft.com/office/drawing/2014/main" xmlns="" id="{5B19B829-9E23-244B-8A6A-788BB526886B}"/>
               </a:ext>
             </a:extLst>
           </p:cNvPr>
@@ -37800,7 +35544,7 @@
           <p:cNvPr id="14" name="Content Placeholder 1">
             <a:extLst>
               <a:ext uri="{FF2B5EF4-FFF2-40B4-BE49-F238E27FC236}">
-                <a16:creationId xmlns:a16="http://schemas.microsoft.com/office/drawing/2014/main" id="{01A0982F-D3C3-4844-A10A-7CE451C063DE}"/>
+                <a16:creationId xmlns:a16="http://schemas.microsoft.com/office/drawing/2014/main" xmlns="" id="{01A0982F-D3C3-4844-A10A-7CE451C063DE}"/>
               </a:ext>
             </a:extLst>
           </p:cNvPr>
@@ -38075,7 +35819,7 @@
           <p:cNvPr id="16" name="Text Placeholder 2">
             <a:extLst>
               <a:ext uri="{FF2B5EF4-FFF2-40B4-BE49-F238E27FC236}">
-                <a16:creationId xmlns:a16="http://schemas.microsoft.com/office/drawing/2014/main" id="{CBF74B37-58A0-EC40-8B1E-68059E84E05F}"/>
+                <a16:creationId xmlns:a16="http://schemas.microsoft.com/office/drawing/2014/main" xmlns="" id="{CBF74B37-58A0-EC40-8B1E-68059E84E05F}"/>
               </a:ext>
             </a:extLst>
           </p:cNvPr>
@@ -38352,7 +36096,7 @@
           <p:cNvPr id="2" name="Content Placeholder 1">
             <a:extLst>
               <a:ext uri="{FF2B5EF4-FFF2-40B4-BE49-F238E27FC236}">
-                <a16:creationId xmlns:a16="http://schemas.microsoft.com/office/drawing/2014/main" id="{F03CE690-376B-4B3B-BEC0-C3EF1CF5E042}"/>
+                <a16:creationId xmlns:a16="http://schemas.microsoft.com/office/drawing/2014/main" xmlns="" id="{F03CE690-376B-4B3B-BEC0-C3EF1CF5E042}"/>
               </a:ext>
             </a:extLst>
           </p:cNvPr>
@@ -38391,7 +36135,7 @@
           <p:cNvPr id="3" name="Text Placeholder 2">
             <a:extLst>
               <a:ext uri="{FF2B5EF4-FFF2-40B4-BE49-F238E27FC236}">
-                <a16:creationId xmlns:a16="http://schemas.microsoft.com/office/drawing/2014/main" id="{E78CD8FA-7ADA-427B-B760-E0E240C73F20}"/>
+                <a16:creationId xmlns:a16="http://schemas.microsoft.com/office/drawing/2014/main" xmlns="" id="{E78CD8FA-7ADA-427B-B760-E0E240C73F20}"/>
               </a:ext>
             </a:extLst>
           </p:cNvPr>
@@ -38424,7 +36168,7 @@
           <p:cNvPr id="4" name="Content Placeholder 3">
             <a:extLst>
               <a:ext uri="{FF2B5EF4-FFF2-40B4-BE49-F238E27FC236}">
-                <a16:creationId xmlns:a16="http://schemas.microsoft.com/office/drawing/2014/main" id="{167BA88B-DEFB-4275-BBD6-EFE51CF088C4}"/>
+                <a16:creationId xmlns:a16="http://schemas.microsoft.com/office/drawing/2014/main" xmlns="" id="{167BA88B-DEFB-4275-BBD6-EFE51CF088C4}"/>
               </a:ext>
             </a:extLst>
           </p:cNvPr>
@@ -38484,7 +36228,7 @@
           <p:cNvPr id="6" name="Text Placeholder 5">
             <a:extLst>
               <a:ext uri="{FF2B5EF4-FFF2-40B4-BE49-F238E27FC236}">
-                <a16:creationId xmlns:a16="http://schemas.microsoft.com/office/drawing/2014/main" id="{846C3005-2829-47CF-B435-6CC1A76FEC2E}"/>
+                <a16:creationId xmlns:a16="http://schemas.microsoft.com/office/drawing/2014/main" xmlns="" id="{846C3005-2829-47CF-B435-6CC1A76FEC2E}"/>
               </a:ext>
             </a:extLst>
           </p:cNvPr>
@@ -38517,7 +36261,7 @@
           <p:cNvPr id="5" name="Slide Number Placeholder 4">
             <a:extLst>
               <a:ext uri="{FF2B5EF4-FFF2-40B4-BE49-F238E27FC236}">
-                <a16:creationId xmlns:a16="http://schemas.microsoft.com/office/drawing/2014/main" id="{A0B887B2-5B81-1D4E-A26D-E8BF86D8C354}"/>
+                <a16:creationId xmlns:a16="http://schemas.microsoft.com/office/drawing/2014/main" xmlns="" id="{A0B887B2-5B81-1D4E-A26D-E8BF86D8C354}"/>
               </a:ext>
             </a:extLst>
           </p:cNvPr>
@@ -38547,7 +36291,7 @@
           <p:cNvPr id="9" name="Text Placeholder 2">
             <a:extLst>
               <a:ext uri="{FF2B5EF4-FFF2-40B4-BE49-F238E27FC236}">
-                <a16:creationId xmlns:a16="http://schemas.microsoft.com/office/drawing/2014/main" id="{4C7EE91A-47FE-4C26-9DEE-BDC449234F2A}"/>
+                <a16:creationId xmlns:a16="http://schemas.microsoft.com/office/drawing/2014/main" xmlns="" id="{4C7EE91A-47FE-4C26-9DEE-BDC449234F2A}"/>
               </a:ext>
             </a:extLst>
           </p:cNvPr>
@@ -38749,7 +36493,7 @@
           <p:cNvPr id="14" name="Content Placeholder 1">
             <a:extLst>
               <a:ext uri="{FF2B5EF4-FFF2-40B4-BE49-F238E27FC236}">
-                <a16:creationId xmlns:a16="http://schemas.microsoft.com/office/drawing/2014/main" id="{AF29E139-14E7-C043-80C5-A637E4D4ABCC}"/>
+                <a16:creationId xmlns:a16="http://schemas.microsoft.com/office/drawing/2014/main" xmlns="" id="{AF29E139-14E7-C043-80C5-A637E4D4ABCC}"/>
               </a:ext>
             </a:extLst>
           </p:cNvPr>
@@ -38958,7 +36702,7 @@
           <p:cNvPr id="15" name="Text Placeholder 2">
             <a:extLst>
               <a:ext uri="{FF2B5EF4-FFF2-40B4-BE49-F238E27FC236}">
-                <a16:creationId xmlns:a16="http://schemas.microsoft.com/office/drawing/2014/main" id="{19A4AE2F-5005-5747-8EAD-87D1FFAB74C2}"/>
+                <a16:creationId xmlns:a16="http://schemas.microsoft.com/office/drawing/2014/main" xmlns="" id="{19A4AE2F-5005-5747-8EAD-87D1FFAB74C2}"/>
               </a:ext>
             </a:extLst>
           </p:cNvPr>
@@ -39235,7 +36979,7 @@
           <p:cNvPr id="2" name="Content Placeholder 1">
             <a:extLst>
               <a:ext uri="{FF2B5EF4-FFF2-40B4-BE49-F238E27FC236}">
-                <a16:creationId xmlns:a16="http://schemas.microsoft.com/office/drawing/2014/main" id="{F03CE690-376B-4B3B-BEC0-C3EF1CF5E042}"/>
+                <a16:creationId xmlns:a16="http://schemas.microsoft.com/office/drawing/2014/main" xmlns="" id="{F03CE690-376B-4B3B-BEC0-C3EF1CF5E042}"/>
               </a:ext>
             </a:extLst>
           </p:cNvPr>
@@ -39284,7 +37028,7 @@
           <p:cNvPr id="3" name="Text Placeholder 2">
             <a:extLst>
               <a:ext uri="{FF2B5EF4-FFF2-40B4-BE49-F238E27FC236}">
-                <a16:creationId xmlns:a16="http://schemas.microsoft.com/office/drawing/2014/main" id="{E78CD8FA-7ADA-427B-B760-E0E240C73F20}"/>
+                <a16:creationId xmlns:a16="http://schemas.microsoft.com/office/drawing/2014/main" xmlns="" id="{E78CD8FA-7ADA-427B-B760-E0E240C73F20}"/>
               </a:ext>
             </a:extLst>
           </p:cNvPr>
@@ -39317,7 +37061,7 @@
           <p:cNvPr id="4" name="Content Placeholder 3">
             <a:extLst>
               <a:ext uri="{FF2B5EF4-FFF2-40B4-BE49-F238E27FC236}">
-                <a16:creationId xmlns:a16="http://schemas.microsoft.com/office/drawing/2014/main" id="{167BA88B-DEFB-4275-BBD6-EFE51CF088C4}"/>
+                <a16:creationId xmlns:a16="http://schemas.microsoft.com/office/drawing/2014/main" xmlns="" id="{167BA88B-DEFB-4275-BBD6-EFE51CF088C4}"/>
               </a:ext>
             </a:extLst>
           </p:cNvPr>
@@ -39480,7 +37224,7 @@
           <p:cNvPr id="6" name="Text Placeholder 5">
             <a:extLst>
               <a:ext uri="{FF2B5EF4-FFF2-40B4-BE49-F238E27FC236}">
-                <a16:creationId xmlns:a16="http://schemas.microsoft.com/office/drawing/2014/main" id="{846C3005-2829-47CF-B435-6CC1A76FEC2E}"/>
+                <a16:creationId xmlns:a16="http://schemas.microsoft.com/office/drawing/2014/main" xmlns="" id="{846C3005-2829-47CF-B435-6CC1A76FEC2E}"/>
               </a:ext>
             </a:extLst>
           </p:cNvPr>
@@ -39513,7 +37257,7 @@
           <p:cNvPr id="5" name="Slide Number Placeholder 4">
             <a:extLst>
               <a:ext uri="{FF2B5EF4-FFF2-40B4-BE49-F238E27FC236}">
-                <a16:creationId xmlns:a16="http://schemas.microsoft.com/office/drawing/2014/main" id="{A0B887B2-5B81-1D4E-A26D-E8BF86D8C354}"/>
+                <a16:creationId xmlns:a16="http://schemas.microsoft.com/office/drawing/2014/main" xmlns="" id="{A0B887B2-5B81-1D4E-A26D-E8BF86D8C354}"/>
               </a:ext>
             </a:extLst>
           </p:cNvPr>
@@ -39543,7 +37287,7 @@
           <p:cNvPr id="13" name="Text Placeholder 2">
             <a:extLst>
               <a:ext uri="{FF2B5EF4-FFF2-40B4-BE49-F238E27FC236}">
-                <a16:creationId xmlns:a16="http://schemas.microsoft.com/office/drawing/2014/main" id="{5B19B829-9E23-244B-8A6A-788BB526886B}"/>
+                <a16:creationId xmlns:a16="http://schemas.microsoft.com/office/drawing/2014/main" xmlns="" id="{5B19B829-9E23-244B-8A6A-788BB526886B}"/>
               </a:ext>
             </a:extLst>
           </p:cNvPr>
@@ -39745,7 +37489,7 @@
           <p:cNvPr id="14" name="Content Placeholder 1">
             <a:extLst>
               <a:ext uri="{FF2B5EF4-FFF2-40B4-BE49-F238E27FC236}">
-                <a16:creationId xmlns:a16="http://schemas.microsoft.com/office/drawing/2014/main" id="{01A0982F-D3C3-4844-A10A-7CE451C063DE}"/>
+                <a16:creationId xmlns:a16="http://schemas.microsoft.com/office/drawing/2014/main" xmlns="" id="{01A0982F-D3C3-4844-A10A-7CE451C063DE}"/>
               </a:ext>
             </a:extLst>
           </p:cNvPr>
@@ -39958,7 +37702,7 @@
           <p:cNvPr id="16" name="Text Placeholder 2">
             <a:extLst>
               <a:ext uri="{FF2B5EF4-FFF2-40B4-BE49-F238E27FC236}">
-                <a16:creationId xmlns:a16="http://schemas.microsoft.com/office/drawing/2014/main" id="{CBF74B37-58A0-EC40-8B1E-68059E84E05F}"/>
+                <a16:creationId xmlns:a16="http://schemas.microsoft.com/office/drawing/2014/main" xmlns="" id="{CBF74B37-58A0-EC40-8B1E-68059E84E05F}"/>
               </a:ext>
             </a:extLst>
           </p:cNvPr>
@@ -40235,7 +37979,7 @@
           <p:cNvPr id="2" name="Content Placeholder 1">
             <a:extLst>
               <a:ext uri="{FF2B5EF4-FFF2-40B4-BE49-F238E27FC236}">
-                <a16:creationId xmlns:a16="http://schemas.microsoft.com/office/drawing/2014/main" id="{F03CE690-376B-4B3B-BEC0-C3EF1CF5E042}"/>
+                <a16:creationId xmlns:a16="http://schemas.microsoft.com/office/drawing/2014/main" xmlns="" id="{F03CE690-376B-4B3B-BEC0-C3EF1CF5E042}"/>
               </a:ext>
             </a:extLst>
           </p:cNvPr>
@@ -40316,7 +38060,7 @@
           <p:cNvPr id="3" name="Text Placeholder 2">
             <a:extLst>
               <a:ext uri="{FF2B5EF4-FFF2-40B4-BE49-F238E27FC236}">
-                <a16:creationId xmlns:a16="http://schemas.microsoft.com/office/drawing/2014/main" id="{E78CD8FA-7ADA-427B-B760-E0E240C73F20}"/>
+                <a16:creationId xmlns:a16="http://schemas.microsoft.com/office/drawing/2014/main" xmlns="" id="{E78CD8FA-7ADA-427B-B760-E0E240C73F20}"/>
               </a:ext>
             </a:extLst>
           </p:cNvPr>
@@ -40349,7 +38093,7 @@
           <p:cNvPr id="4" name="Content Placeholder 3">
             <a:extLst>
               <a:ext uri="{FF2B5EF4-FFF2-40B4-BE49-F238E27FC236}">
-                <a16:creationId xmlns:a16="http://schemas.microsoft.com/office/drawing/2014/main" id="{167BA88B-DEFB-4275-BBD6-EFE51CF088C4}"/>
+                <a16:creationId xmlns:a16="http://schemas.microsoft.com/office/drawing/2014/main" xmlns="" id="{167BA88B-DEFB-4275-BBD6-EFE51CF088C4}"/>
               </a:ext>
             </a:extLst>
           </p:cNvPr>
@@ -40430,7 +38174,7 @@
           <p:cNvPr id="6" name="Text Placeholder 5">
             <a:extLst>
               <a:ext uri="{FF2B5EF4-FFF2-40B4-BE49-F238E27FC236}">
-                <a16:creationId xmlns:a16="http://schemas.microsoft.com/office/drawing/2014/main" id="{846C3005-2829-47CF-B435-6CC1A76FEC2E}"/>
+                <a16:creationId xmlns:a16="http://schemas.microsoft.com/office/drawing/2014/main" xmlns="" id="{846C3005-2829-47CF-B435-6CC1A76FEC2E}"/>
               </a:ext>
             </a:extLst>
           </p:cNvPr>
@@ -40463,7 +38207,7 @@
           <p:cNvPr id="5" name="Slide Number Placeholder 4">
             <a:extLst>
               <a:ext uri="{FF2B5EF4-FFF2-40B4-BE49-F238E27FC236}">
-                <a16:creationId xmlns:a16="http://schemas.microsoft.com/office/drawing/2014/main" id="{A0B887B2-5B81-1D4E-A26D-E8BF86D8C354}"/>
+                <a16:creationId xmlns:a16="http://schemas.microsoft.com/office/drawing/2014/main" xmlns="" id="{A0B887B2-5B81-1D4E-A26D-E8BF86D8C354}"/>
               </a:ext>
             </a:extLst>
           </p:cNvPr>
@@ -40493,7 +38237,7 @@
           <p:cNvPr id="9" name="Text Placeholder 2">
             <a:extLst>
               <a:ext uri="{FF2B5EF4-FFF2-40B4-BE49-F238E27FC236}">
-                <a16:creationId xmlns:a16="http://schemas.microsoft.com/office/drawing/2014/main" id="{4C7EE91A-47FE-4C26-9DEE-BDC449234F2A}"/>
+                <a16:creationId xmlns:a16="http://schemas.microsoft.com/office/drawing/2014/main" xmlns="" id="{4C7EE91A-47FE-4C26-9DEE-BDC449234F2A}"/>
               </a:ext>
             </a:extLst>
           </p:cNvPr>
@@ -40695,7 +38439,7 @@
           <p:cNvPr id="14" name="Content Placeholder 1">
             <a:extLst>
               <a:ext uri="{FF2B5EF4-FFF2-40B4-BE49-F238E27FC236}">
-                <a16:creationId xmlns:a16="http://schemas.microsoft.com/office/drawing/2014/main" id="{AF29E139-14E7-C043-80C5-A637E4D4ABCC}"/>
+                <a16:creationId xmlns:a16="http://schemas.microsoft.com/office/drawing/2014/main" xmlns="" id="{AF29E139-14E7-C043-80C5-A637E4D4ABCC}"/>
               </a:ext>
             </a:extLst>
           </p:cNvPr>
@@ -40936,7 +38680,7 @@
           <p:cNvPr id="15" name="Text Placeholder 2">
             <a:extLst>
               <a:ext uri="{FF2B5EF4-FFF2-40B4-BE49-F238E27FC236}">
-                <a16:creationId xmlns:a16="http://schemas.microsoft.com/office/drawing/2014/main" id="{19A4AE2F-5005-5747-8EAD-87D1FFAB74C2}"/>
+                <a16:creationId xmlns:a16="http://schemas.microsoft.com/office/drawing/2014/main" xmlns="" id="{19A4AE2F-5005-5747-8EAD-87D1FFAB74C2}"/>
               </a:ext>
             </a:extLst>
           </p:cNvPr>
@@ -41213,7 +38957,7 @@
           <p:cNvPr id="2" name="Content Placeholder 1">
             <a:extLst>
               <a:ext uri="{FF2B5EF4-FFF2-40B4-BE49-F238E27FC236}">
-                <a16:creationId xmlns:a16="http://schemas.microsoft.com/office/drawing/2014/main" id="{F03CE690-376B-4B3B-BEC0-C3EF1CF5E042}"/>
+                <a16:creationId xmlns:a16="http://schemas.microsoft.com/office/drawing/2014/main" xmlns="" id="{F03CE690-376B-4B3B-BEC0-C3EF1CF5E042}"/>
               </a:ext>
             </a:extLst>
           </p:cNvPr>
@@ -41338,7 +39082,7 @@
           <p:cNvPr id="3" name="Text Placeholder 2">
             <a:extLst>
               <a:ext uri="{FF2B5EF4-FFF2-40B4-BE49-F238E27FC236}">
-                <a16:creationId xmlns:a16="http://schemas.microsoft.com/office/drawing/2014/main" id="{E78CD8FA-7ADA-427B-B760-E0E240C73F20}"/>
+                <a16:creationId xmlns:a16="http://schemas.microsoft.com/office/drawing/2014/main" xmlns="" id="{E78CD8FA-7ADA-427B-B760-E0E240C73F20}"/>
               </a:ext>
             </a:extLst>
           </p:cNvPr>
@@ -41371,7 +39115,7 @@
           <p:cNvPr id="4" name="Content Placeholder 3">
             <a:extLst>
               <a:ext uri="{FF2B5EF4-FFF2-40B4-BE49-F238E27FC236}">
-                <a16:creationId xmlns:a16="http://schemas.microsoft.com/office/drawing/2014/main" id="{167BA88B-DEFB-4275-BBD6-EFE51CF088C4}"/>
+                <a16:creationId xmlns:a16="http://schemas.microsoft.com/office/drawing/2014/main" xmlns="" id="{167BA88B-DEFB-4275-BBD6-EFE51CF088C4}"/>
               </a:ext>
             </a:extLst>
           </p:cNvPr>
@@ -41481,7 +39225,7 @@
           <p:cNvPr id="6" name="Text Placeholder 5">
             <a:extLst>
               <a:ext uri="{FF2B5EF4-FFF2-40B4-BE49-F238E27FC236}">
-                <a16:creationId xmlns:a16="http://schemas.microsoft.com/office/drawing/2014/main" id="{846C3005-2829-47CF-B435-6CC1A76FEC2E}"/>
+                <a16:creationId xmlns:a16="http://schemas.microsoft.com/office/drawing/2014/main" xmlns="" id="{846C3005-2829-47CF-B435-6CC1A76FEC2E}"/>
               </a:ext>
             </a:extLst>
           </p:cNvPr>
@@ -41514,7 +39258,7 @@
           <p:cNvPr id="5" name="Slide Number Placeholder 4">
             <a:extLst>
               <a:ext uri="{FF2B5EF4-FFF2-40B4-BE49-F238E27FC236}">
-                <a16:creationId xmlns:a16="http://schemas.microsoft.com/office/drawing/2014/main" id="{A0B887B2-5B81-1D4E-A26D-E8BF86D8C354}"/>
+                <a16:creationId xmlns:a16="http://schemas.microsoft.com/office/drawing/2014/main" xmlns="" id="{A0B887B2-5B81-1D4E-A26D-E8BF86D8C354}"/>
               </a:ext>
             </a:extLst>
           </p:cNvPr>
@@ -41544,7 +39288,7 @@
           <p:cNvPr id="13" name="Text Placeholder 2">
             <a:extLst>
               <a:ext uri="{FF2B5EF4-FFF2-40B4-BE49-F238E27FC236}">
-                <a16:creationId xmlns:a16="http://schemas.microsoft.com/office/drawing/2014/main" id="{5B19B829-9E23-244B-8A6A-788BB526886B}"/>
+                <a16:creationId xmlns:a16="http://schemas.microsoft.com/office/drawing/2014/main" xmlns="" id="{5B19B829-9E23-244B-8A6A-788BB526886B}"/>
               </a:ext>
             </a:extLst>
           </p:cNvPr>
@@ -41746,7 +39490,7 @@
           <p:cNvPr id="14" name="Content Placeholder 1">
             <a:extLst>
               <a:ext uri="{FF2B5EF4-FFF2-40B4-BE49-F238E27FC236}">
-                <a16:creationId xmlns:a16="http://schemas.microsoft.com/office/drawing/2014/main" id="{01A0982F-D3C3-4844-A10A-7CE451C063DE}"/>
+                <a16:creationId xmlns:a16="http://schemas.microsoft.com/office/drawing/2014/main" xmlns="" id="{01A0982F-D3C3-4844-A10A-7CE451C063DE}"/>
               </a:ext>
             </a:extLst>
           </p:cNvPr>
@@ -42021,7 +39765,7 @@
           <p:cNvPr id="16" name="Text Placeholder 2">
             <a:extLst>
               <a:ext uri="{FF2B5EF4-FFF2-40B4-BE49-F238E27FC236}">
-                <a16:creationId xmlns:a16="http://schemas.microsoft.com/office/drawing/2014/main" id="{CBF74B37-58A0-EC40-8B1E-68059E84E05F}"/>
+                <a16:creationId xmlns:a16="http://schemas.microsoft.com/office/drawing/2014/main" xmlns="" id="{CBF74B37-58A0-EC40-8B1E-68059E84E05F}"/>
               </a:ext>
             </a:extLst>
           </p:cNvPr>
@@ -42298,7 +40042,7 @@
           <p:cNvPr id="2" name="Content Placeholder 1">
             <a:extLst>
               <a:ext uri="{FF2B5EF4-FFF2-40B4-BE49-F238E27FC236}">
-                <a16:creationId xmlns:a16="http://schemas.microsoft.com/office/drawing/2014/main" id="{F03CE690-376B-4B3B-BEC0-C3EF1CF5E042}"/>
+                <a16:creationId xmlns:a16="http://schemas.microsoft.com/office/drawing/2014/main" xmlns="" id="{F03CE690-376B-4B3B-BEC0-C3EF1CF5E042}"/>
               </a:ext>
             </a:extLst>
           </p:cNvPr>
@@ -42337,7 +40081,7 @@
           <p:cNvPr id="3" name="Text Placeholder 2">
             <a:extLst>
               <a:ext uri="{FF2B5EF4-FFF2-40B4-BE49-F238E27FC236}">
-                <a16:creationId xmlns:a16="http://schemas.microsoft.com/office/drawing/2014/main" id="{E78CD8FA-7ADA-427B-B760-E0E240C73F20}"/>
+                <a16:creationId xmlns:a16="http://schemas.microsoft.com/office/drawing/2014/main" xmlns="" id="{E78CD8FA-7ADA-427B-B760-E0E240C73F20}"/>
               </a:ext>
             </a:extLst>
           </p:cNvPr>
@@ -42370,7 +40114,7 @@
           <p:cNvPr id="4" name="Content Placeholder 3">
             <a:extLst>
               <a:ext uri="{FF2B5EF4-FFF2-40B4-BE49-F238E27FC236}">
-                <a16:creationId xmlns:a16="http://schemas.microsoft.com/office/drawing/2014/main" id="{167BA88B-DEFB-4275-BBD6-EFE51CF088C4}"/>
+                <a16:creationId xmlns:a16="http://schemas.microsoft.com/office/drawing/2014/main" xmlns="" id="{167BA88B-DEFB-4275-BBD6-EFE51CF088C4}"/>
               </a:ext>
             </a:extLst>
           </p:cNvPr>
@@ -42430,7 +40174,7 @@
           <p:cNvPr id="6" name="Text Placeholder 5">
             <a:extLst>
               <a:ext uri="{FF2B5EF4-FFF2-40B4-BE49-F238E27FC236}">
-                <a16:creationId xmlns:a16="http://schemas.microsoft.com/office/drawing/2014/main" id="{846C3005-2829-47CF-B435-6CC1A76FEC2E}"/>
+                <a16:creationId xmlns:a16="http://schemas.microsoft.com/office/drawing/2014/main" xmlns="" id="{846C3005-2829-47CF-B435-6CC1A76FEC2E}"/>
               </a:ext>
             </a:extLst>
           </p:cNvPr>
@@ -42463,7 +40207,7 @@
           <p:cNvPr id="5" name="Slide Number Placeholder 4">
             <a:extLst>
               <a:ext uri="{FF2B5EF4-FFF2-40B4-BE49-F238E27FC236}">
-                <a16:creationId xmlns:a16="http://schemas.microsoft.com/office/drawing/2014/main" id="{A0B887B2-5B81-1D4E-A26D-E8BF86D8C354}"/>
+                <a16:creationId xmlns:a16="http://schemas.microsoft.com/office/drawing/2014/main" xmlns="" id="{A0B887B2-5B81-1D4E-A26D-E8BF86D8C354}"/>
               </a:ext>
             </a:extLst>
           </p:cNvPr>
@@ -42493,7 +40237,7 @@
           <p:cNvPr id="9" name="Text Placeholder 2">
             <a:extLst>
               <a:ext uri="{FF2B5EF4-FFF2-40B4-BE49-F238E27FC236}">
-                <a16:creationId xmlns:a16="http://schemas.microsoft.com/office/drawing/2014/main" id="{4C7EE91A-47FE-4C26-9DEE-BDC449234F2A}"/>
+                <a16:creationId xmlns:a16="http://schemas.microsoft.com/office/drawing/2014/main" xmlns="" id="{4C7EE91A-47FE-4C26-9DEE-BDC449234F2A}"/>
               </a:ext>
             </a:extLst>
           </p:cNvPr>
@@ -42695,7 +40439,7 @@
           <p:cNvPr id="14" name="Content Placeholder 1">
             <a:extLst>
               <a:ext uri="{FF2B5EF4-FFF2-40B4-BE49-F238E27FC236}">
-                <a16:creationId xmlns:a16="http://schemas.microsoft.com/office/drawing/2014/main" id="{AF29E139-14E7-C043-80C5-A637E4D4ABCC}"/>
+                <a16:creationId xmlns:a16="http://schemas.microsoft.com/office/drawing/2014/main" xmlns="" id="{AF29E139-14E7-C043-80C5-A637E4D4ABCC}"/>
               </a:ext>
             </a:extLst>
           </p:cNvPr>
@@ -42916,7 +40660,7 @@
           <p:cNvPr id="15" name="Text Placeholder 2">
             <a:extLst>
               <a:ext uri="{FF2B5EF4-FFF2-40B4-BE49-F238E27FC236}">
-                <a16:creationId xmlns:a16="http://schemas.microsoft.com/office/drawing/2014/main" id="{19A4AE2F-5005-5747-8EAD-87D1FFAB74C2}"/>
+                <a16:creationId xmlns:a16="http://schemas.microsoft.com/office/drawing/2014/main" xmlns="" id="{19A4AE2F-5005-5747-8EAD-87D1FFAB74C2}"/>
               </a:ext>
             </a:extLst>
           </p:cNvPr>
@@ -43193,7 +40937,7 @@
           <p:cNvPr id="2" name="Content Placeholder 1">
             <a:extLst>
               <a:ext uri="{FF2B5EF4-FFF2-40B4-BE49-F238E27FC236}">
-                <a16:creationId xmlns:a16="http://schemas.microsoft.com/office/drawing/2014/main" id="{F03CE690-376B-4B3B-BEC0-C3EF1CF5E042}"/>
+                <a16:creationId xmlns:a16="http://schemas.microsoft.com/office/drawing/2014/main" xmlns="" id="{F03CE690-376B-4B3B-BEC0-C3EF1CF5E042}"/>
               </a:ext>
             </a:extLst>
           </p:cNvPr>
@@ -43267,7 +41011,7 @@
           <p:cNvPr id="3" name="Text Placeholder 2">
             <a:extLst>
               <a:ext uri="{FF2B5EF4-FFF2-40B4-BE49-F238E27FC236}">
-                <a16:creationId xmlns:a16="http://schemas.microsoft.com/office/drawing/2014/main" id="{E78CD8FA-7ADA-427B-B760-E0E240C73F20}"/>
+                <a16:creationId xmlns:a16="http://schemas.microsoft.com/office/drawing/2014/main" xmlns="" id="{E78CD8FA-7ADA-427B-B760-E0E240C73F20}"/>
               </a:ext>
             </a:extLst>
           </p:cNvPr>
@@ -43300,7 +41044,7 @@
           <p:cNvPr id="4" name="Content Placeholder 3">
             <a:extLst>
               <a:ext uri="{FF2B5EF4-FFF2-40B4-BE49-F238E27FC236}">
-                <a16:creationId xmlns:a16="http://schemas.microsoft.com/office/drawing/2014/main" id="{167BA88B-DEFB-4275-BBD6-EFE51CF088C4}"/>
+                <a16:creationId xmlns:a16="http://schemas.microsoft.com/office/drawing/2014/main" xmlns="" id="{167BA88B-DEFB-4275-BBD6-EFE51CF088C4}"/>
               </a:ext>
             </a:extLst>
           </p:cNvPr>
@@ -43410,7 +41154,7 @@
           <p:cNvPr id="6" name="Text Placeholder 5">
             <a:extLst>
               <a:ext uri="{FF2B5EF4-FFF2-40B4-BE49-F238E27FC236}">
-                <a16:creationId xmlns:a16="http://schemas.microsoft.com/office/drawing/2014/main" id="{846C3005-2829-47CF-B435-6CC1A76FEC2E}"/>
+                <a16:creationId xmlns:a16="http://schemas.microsoft.com/office/drawing/2014/main" xmlns="" id="{846C3005-2829-47CF-B435-6CC1A76FEC2E}"/>
               </a:ext>
             </a:extLst>
           </p:cNvPr>
@@ -43443,7 +41187,7 @@
           <p:cNvPr id="5" name="Slide Number Placeholder 4">
             <a:extLst>
               <a:ext uri="{FF2B5EF4-FFF2-40B4-BE49-F238E27FC236}">
-                <a16:creationId xmlns:a16="http://schemas.microsoft.com/office/drawing/2014/main" id="{A0B887B2-5B81-1D4E-A26D-E8BF86D8C354}"/>
+                <a16:creationId xmlns:a16="http://schemas.microsoft.com/office/drawing/2014/main" xmlns="" id="{A0B887B2-5B81-1D4E-A26D-E8BF86D8C354}"/>
               </a:ext>
             </a:extLst>
           </p:cNvPr>
@@ -43473,7 +41217,7 @@
           <p:cNvPr id="13" name="Text Placeholder 2">
             <a:extLst>
               <a:ext uri="{FF2B5EF4-FFF2-40B4-BE49-F238E27FC236}">
-                <a16:creationId xmlns:a16="http://schemas.microsoft.com/office/drawing/2014/main" id="{5B19B829-9E23-244B-8A6A-788BB526886B}"/>
+                <a16:creationId xmlns:a16="http://schemas.microsoft.com/office/drawing/2014/main" xmlns="" id="{5B19B829-9E23-244B-8A6A-788BB526886B}"/>
               </a:ext>
             </a:extLst>
           </p:cNvPr>
@@ -43675,7 +41419,7 @@
           <p:cNvPr id="14" name="Content Placeholder 1">
             <a:extLst>
               <a:ext uri="{FF2B5EF4-FFF2-40B4-BE49-F238E27FC236}">
-                <a16:creationId xmlns:a16="http://schemas.microsoft.com/office/drawing/2014/main" id="{01A0982F-D3C3-4844-A10A-7CE451C063DE}"/>
+                <a16:creationId xmlns:a16="http://schemas.microsoft.com/office/drawing/2014/main" xmlns="" id="{01A0982F-D3C3-4844-A10A-7CE451C063DE}"/>
               </a:ext>
             </a:extLst>
           </p:cNvPr>
@@ -43941,7 +41685,7 @@
           <p:cNvPr id="16" name="Text Placeholder 2">
             <a:extLst>
               <a:ext uri="{FF2B5EF4-FFF2-40B4-BE49-F238E27FC236}">
-                <a16:creationId xmlns:a16="http://schemas.microsoft.com/office/drawing/2014/main" id="{CBF74B37-58A0-EC40-8B1E-68059E84E05F}"/>
+                <a16:creationId xmlns:a16="http://schemas.microsoft.com/office/drawing/2014/main" xmlns="" id="{CBF74B37-58A0-EC40-8B1E-68059E84E05F}"/>
               </a:ext>
             </a:extLst>
           </p:cNvPr>
@@ -44188,7 +41932,7 @@
           <p:cNvPr id="6" name="Title 5">
             <a:extLst>
               <a:ext uri="{FF2B5EF4-FFF2-40B4-BE49-F238E27FC236}">
-                <a16:creationId xmlns:a16="http://schemas.microsoft.com/office/drawing/2014/main" id="{6162847B-46E9-4F5C-9D86-09F5823E1AE5}"/>
+                <a16:creationId xmlns:a16="http://schemas.microsoft.com/office/drawing/2014/main" xmlns="" id="{6162847B-46E9-4F5C-9D86-09F5823E1AE5}"/>
               </a:ext>
             </a:extLst>
           </p:cNvPr>
@@ -44216,7 +41960,7 @@
           <p:cNvPr id="5" name="Slide Number Placeholder 4">
             <a:extLst>
               <a:ext uri="{FF2B5EF4-FFF2-40B4-BE49-F238E27FC236}">
-                <a16:creationId xmlns:a16="http://schemas.microsoft.com/office/drawing/2014/main" id="{CDB32DE8-27BE-4773-A366-A53512B648D3}"/>
+                <a16:creationId xmlns:a16="http://schemas.microsoft.com/office/drawing/2014/main" xmlns="" id="{CDB32DE8-27BE-4773-A366-A53512B648D3}"/>
               </a:ext>
             </a:extLst>
           </p:cNvPr>
@@ -44284,7 +42028,7 @@
           <p:cNvPr id="2" name="Rectangle 1">
             <a:extLst>
               <a:ext uri="{FF2B5EF4-FFF2-40B4-BE49-F238E27FC236}">
-                <a16:creationId xmlns:a16="http://schemas.microsoft.com/office/drawing/2014/main" id="{C55DE866-D6AB-F84B-86DD-6F144F568747}"/>
+                <a16:creationId xmlns:a16="http://schemas.microsoft.com/office/drawing/2014/main" xmlns="" id="{C55DE866-D6AB-F84B-86DD-6F144F568747}"/>
               </a:ext>
             </a:extLst>
           </p:cNvPr>
@@ -44420,7 +42164,7 @@
           <p:cNvPr id="6" name="TextBox 5">
             <a:extLst>
               <a:ext uri="{FF2B5EF4-FFF2-40B4-BE49-F238E27FC236}">
-                <a16:creationId xmlns:a16="http://schemas.microsoft.com/office/drawing/2014/main" id="{16AD212A-E369-CB46-BE9C-0744152A0BAF}"/>
+                <a16:creationId xmlns:a16="http://schemas.microsoft.com/office/drawing/2014/main" xmlns="" id="{16AD212A-E369-CB46-BE9C-0744152A0BAF}"/>
               </a:ext>
             </a:extLst>
           </p:cNvPr>
@@ -44522,7 +42266,7 @@
           <p:cNvPr id="7" name="Title 6">
             <a:extLst>
               <a:ext uri="{FF2B5EF4-FFF2-40B4-BE49-F238E27FC236}">
-                <a16:creationId xmlns:a16="http://schemas.microsoft.com/office/drawing/2014/main" id="{0B102C28-93B6-460D-A142-B5D3420159D9}"/>
+                <a16:creationId xmlns:a16="http://schemas.microsoft.com/office/drawing/2014/main" xmlns="" id="{0B102C28-93B6-460D-A142-B5D3420159D9}"/>
               </a:ext>
             </a:extLst>
           </p:cNvPr>
@@ -44539,9 +42283,14 @@
           <a:lstStyle/>
           <a:p>
             <a:r>
-              <a:rPr lang="en-US" b="1"/>
-              <a:t>DESIGN AND DOCUMENTATION SKILLS: My participation</a:t>
-            </a:r>
+              <a:rPr lang="en-US" b="1" dirty="0"/>
+              <a:t>DESIGN AND DOCUMENTATION SKILLS: My </a:t>
+            </a:r>
+            <a:r>
+              <a:rPr lang="en-US" b="1" dirty="0" smtClean="0"/>
+              <a:t>participation high level</a:t>
+            </a:r>
+            <a:endParaRPr lang="en-US" b="1" dirty="0"/>
           </a:p>
         </p:txBody>
       </p:sp>
@@ -44550,7 +42299,7 @@
           <p:cNvPr id="8" name="Content Placeholder 7">
             <a:extLst>
               <a:ext uri="{FF2B5EF4-FFF2-40B4-BE49-F238E27FC236}">
-                <a16:creationId xmlns:a16="http://schemas.microsoft.com/office/drawing/2014/main" id="{06572BEE-D620-4C67-84DC-3FEAFD8A0B57}"/>
+                <a16:creationId xmlns:a16="http://schemas.microsoft.com/office/drawing/2014/main" xmlns="" id="{06572BEE-D620-4C67-84DC-3FEAFD8A0B57}"/>
               </a:ext>
             </a:extLst>
           </p:cNvPr>
@@ -44571,7 +42320,11 @@
             </a:pPr>
             <a:r>
               <a:rPr lang="en-US" dirty="0"/>
-              <a:t>&lt;What you did, how did you contribute&gt;</a:t>
+              <a:t>&lt;What you did, how did you contribute</a:t>
+            </a:r>
+            <a:r>
+              <a:rPr lang="en-US" dirty="0" smtClean="0"/>
+              <a:t>&gt;</a:t>
             </a:r>
           </a:p>
           <a:p>
@@ -44579,20 +42332,44 @@
               <a:buNone/>
             </a:pPr>
             <a:r>
+              <a:rPr lang="en-US" dirty="0" smtClean="0">
+                <a:solidFill>
+                  <a:srgbClr val="FF0000"/>
+                </a:solidFill>
+              </a:rPr>
+              <a:t>- I’ve </a:t>
+            </a:r>
+            <a:r>
               <a:rPr lang="en-US" dirty="0">
                 <a:solidFill>
                   <a:srgbClr val="FF0000"/>
                 </a:solidFill>
               </a:rPr>
-              <a:t>I’ve been maintaining </a:t>
-            </a:r>
-            <a:r>
-              <a:rPr lang="en-US" dirty="0" err="1">
+              <a:t>been </a:t>
+            </a:r>
+            <a:r>
+              <a:rPr lang="en-US" dirty="0" smtClean="0">
                 <a:solidFill>
                   <a:srgbClr val="FF0000"/>
                 </a:solidFill>
               </a:rPr>
-              <a:t>github</a:t>
+              <a:t>maintaining an </a:t>
+            </a:r>
+            <a:r>
+              <a:rPr lang="en-US" dirty="0" err="1" smtClean="0">
+                <a:solidFill>
+                  <a:srgbClr val="FF0000"/>
+                </a:solidFill>
+              </a:rPr>
+              <a:t>GitHub</a:t>
+            </a:r>
+            <a:r>
+              <a:rPr lang="en-US" dirty="0" smtClean="0">
+                <a:solidFill>
+                  <a:srgbClr val="FF0000"/>
+                </a:solidFill>
+              </a:rPr>
+              <a:t> </a:t>
             </a:r>
             <a:r>
               <a:rPr lang="en-US" dirty="0">
@@ -44600,49 +42377,108 @@
                   <a:srgbClr val="FF0000"/>
                 </a:solidFill>
               </a:rPr>
-              <a:t> project where the tasks have been written by me in Markdown format understandable and readable with cognitive ease.</a:t>
+              <a:t>project where the tasks have been written by me in Markdown </a:t>
+            </a:r>
+            <a:r>
+              <a:rPr lang="en-US" dirty="0" smtClean="0">
+                <a:solidFill>
+                  <a:srgbClr val="FF0000"/>
+                </a:solidFill>
+              </a:rPr>
+              <a:t>format, </a:t>
+            </a:r>
+            <a:r>
+              <a:rPr lang="en-US" dirty="0">
+                <a:solidFill>
+                  <a:srgbClr val="FF0000"/>
+                </a:solidFill>
+              </a:rPr>
+              <a:t>understandable and readable with cognitive ease.</a:t>
+            </a:r>
+          </a:p>
+          <a:p>
+            <a:pPr>
+              <a:buFontTx/>
+              <a:buChar char="-"/>
+            </a:pPr>
+            <a:r>
+              <a:rPr lang="en-US" dirty="0" smtClean="0">
+                <a:solidFill>
+                  <a:srgbClr val="FF0000"/>
+                </a:solidFill>
+              </a:rPr>
+              <a:t>The </a:t>
+            </a:r>
+            <a:r>
+              <a:rPr lang="en-US" dirty="0">
+                <a:solidFill>
+                  <a:srgbClr val="FF0000"/>
+                </a:solidFill>
+              </a:rPr>
+              <a:t>work items also was referencing to </a:t>
+            </a:r>
+            <a:r>
+              <a:rPr lang="en-US" dirty="0" smtClean="0">
+                <a:solidFill>
+                  <a:srgbClr val="FF0000"/>
+                </a:solidFill>
+              </a:rPr>
+              <a:t>Draw.io </a:t>
+            </a:r>
+            <a:r>
+              <a:rPr lang="en-US" dirty="0">
+                <a:solidFill>
+                  <a:srgbClr val="FF0000"/>
+                </a:solidFill>
+              </a:rPr>
+              <a:t>where assignee could see high level overview of the requirement in terms of components of the application and database design and relations with schemas</a:t>
+            </a:r>
+            <a:r>
+              <a:rPr lang="en-US" dirty="0" smtClean="0">
+                <a:solidFill>
+                  <a:srgbClr val="FF0000"/>
+                </a:solidFill>
+              </a:rPr>
+              <a:t>. (can’t find the files)</a:t>
             </a:r>
           </a:p>
           <a:p>
             <a:pPr marL="0" indent="0">
               <a:buNone/>
             </a:pPr>
-            <a:r>
-              <a:rPr lang="en-US" dirty="0">
-                <a:solidFill>
-                  <a:srgbClr val="FF0000"/>
-                </a:solidFill>
-              </a:rPr>
-              <a:t>The work items also was referencing to </a:t>
-            </a:r>
-            <a:r>
-              <a:rPr lang="en-US" dirty="0" err="1">
-                <a:solidFill>
-                  <a:srgbClr val="FF0000"/>
-                </a:solidFill>
-              </a:rPr>
-              <a:t>drawio</a:t>
-            </a:r>
-            <a:r>
-              <a:rPr lang="en-US" dirty="0">
-                <a:solidFill>
-                  <a:srgbClr val="FF0000"/>
-                </a:solidFill>
-              </a:rPr>
-              <a:t> where assignee could see high level overview of the requirement in terms of components of the application and database design and relations with schemas.</a:t>
-            </a:r>
+            <a:endParaRPr lang="en-US" dirty="0" smtClean="0">
+              <a:solidFill>
+                <a:srgbClr val="FF0000"/>
+              </a:solidFill>
+            </a:endParaRPr>
           </a:p>
           <a:p>
             <a:pPr marL="0" indent="0">
               <a:buNone/>
             </a:pPr>
             <a:r>
+              <a:rPr lang="en-US" dirty="0" smtClean="0">
+                <a:solidFill>
+                  <a:srgbClr val="FF0000"/>
+                </a:solidFill>
+              </a:rPr>
+              <a:t>TODO: Bring </a:t>
+            </a:r>
+            <a:r>
+              <a:rPr lang="en-US" dirty="0" err="1">
+                <a:solidFill>
+                  <a:srgbClr val="FF0000"/>
+                </a:solidFill>
+              </a:rPr>
+              <a:t>TrainBeast</a:t>
+            </a:r>
+            <a:r>
               <a:rPr lang="en-US" dirty="0">
                 <a:solidFill>
                   <a:srgbClr val="FF0000"/>
                 </a:solidFill>
               </a:rPr>
-              <a:t>&lt;Put here my Stack </a:t>
+              <a:t> </a:t>
             </a:r>
             <a:r>
               <a:rPr lang="en-US" dirty="0" err="1">
@@ -44650,7 +42486,7 @@
                   <a:srgbClr val="FF0000"/>
                 </a:solidFill>
               </a:rPr>
-              <a:t>overflaw</a:t>
+              <a:t>GitHub</a:t>
             </a:r>
             <a:r>
               <a:rPr lang="en-US" dirty="0">
@@ -44658,7 +42494,7 @@
                   <a:srgbClr val="FF0000"/>
                 </a:solidFill>
               </a:rPr>
-              <a:t> answers.&gt;</a:t>
+              <a:t> project as an example with the tickets</a:t>
             </a:r>
           </a:p>
           <a:p>
@@ -44666,8 +42502,20 @@
               <a:buNone/>
             </a:pPr>
             <a:r>
-              <a:rPr lang="en-US" dirty="0"/>
-              <a:t>&lt;Your experience in architecting systems, applications: diagrams, explanations, non-functional requirements, etc.&gt; </a:t>
+              <a:rPr lang="en-US" dirty="0" smtClean="0">
+                <a:solidFill>
+                  <a:srgbClr val="FF0000"/>
+                </a:solidFill>
+              </a:rPr>
+              <a:t>1. </a:t>
+            </a:r>
+            <a:r>
+              <a:rPr lang="en-US" dirty="0">
+                <a:solidFill>
+                  <a:srgbClr val="FF0000"/>
+                </a:solidFill>
+              </a:rPr>
+              <a:t>My latest contribution to Microsoft’s .NET documentation where I described Threads priority level and produced a code snippet which illustrated the behavior of threads prioritization.</a:t>
             </a:r>
           </a:p>
           <a:p>
@@ -44675,21 +42523,80 @@
               <a:buNone/>
             </a:pPr>
             <a:r>
-              <a:rPr lang="en-US" dirty="0"/>
-              <a:t>&lt;Examples of diagrams you’ve created on your projects&gt;</a:t>
-            </a:r>
+              <a:rPr lang="en-US" dirty="0" smtClean="0">
+                <a:solidFill>
+                  <a:srgbClr val="FF0000"/>
+                </a:solidFill>
+              </a:rPr>
+              <a:t>2. </a:t>
+            </a:r>
+            <a:r>
+              <a:rPr lang="en-US" dirty="0">
+                <a:solidFill>
+                  <a:srgbClr val="FF0000"/>
+                </a:solidFill>
+              </a:rPr>
+              <a:t>Also, lately started to contribute to </a:t>
+            </a:r>
+            <a:r>
+              <a:rPr lang="en-US" dirty="0" err="1">
+                <a:solidFill>
+                  <a:srgbClr val="FF0000"/>
+                </a:solidFill>
+              </a:rPr>
+              <a:t>StackOverflaw’s</a:t>
+            </a:r>
+            <a:r>
+              <a:rPr lang="en-US" dirty="0">
+                <a:solidFill>
+                  <a:srgbClr val="FF0000"/>
+                </a:solidFill>
+              </a:rPr>
+              <a:t> answers.</a:t>
+            </a:r>
+            <a:endParaRPr lang="en-US" dirty="0"/>
+          </a:p>
+          <a:p>
+            <a:pPr>
+              <a:buFontTx/>
+              <a:buChar char="-"/>
+            </a:pPr>
+            <a:endParaRPr lang="en-US" dirty="0">
+              <a:solidFill>
+                <a:srgbClr val="FF0000"/>
+              </a:solidFill>
+            </a:endParaRPr>
+          </a:p>
+          <a:p>
+            <a:pPr>
+              <a:buFontTx/>
+              <a:buChar char="-"/>
+            </a:pPr>
+            <a:endParaRPr lang="en-US" dirty="0">
+              <a:solidFill>
+                <a:srgbClr val="FF0000"/>
+              </a:solidFill>
+            </a:endParaRPr>
           </a:p>
           <a:p>
             <a:pPr marL="0" indent="0">
               <a:buNone/>
             </a:pPr>
             <a:r>
+              <a:rPr lang="en-US" dirty="0" smtClean="0">
+                <a:solidFill>
+                  <a:srgbClr val="FF0000"/>
+                </a:solidFill>
+              </a:rPr>
+              <a:t>&lt; Put </a:t>
+            </a:r>
+            <a:r>
               <a:rPr lang="en-US" dirty="0">
                 <a:solidFill>
                   <a:srgbClr val="FF0000"/>
                 </a:solidFill>
               </a:rPr>
-              <a:t>Bring </a:t>
+              <a:t>here my Stack </a:t>
             </a:r>
             <a:r>
               <a:rPr lang="en-US" dirty="0" err="1">
@@ -44697,7 +42604,7 @@
                   <a:srgbClr val="FF0000"/>
                 </a:solidFill>
               </a:rPr>
-              <a:t>TrainBeast</a:t>
+              <a:t>overflaw</a:t>
             </a:r>
             <a:r>
               <a:rPr lang="en-US" dirty="0">
@@ -44705,8 +42612,21 @@
                   <a:srgbClr val="FF0000"/>
                 </a:solidFill>
               </a:rPr>
-              <a:t> example of the application architecture and database architecture</a:t>
-            </a:r>
+              <a:t> answers</a:t>
+            </a:r>
+            <a:r>
+              <a:rPr lang="en-US" dirty="0" smtClean="0">
+                <a:solidFill>
+                  <a:srgbClr val="FF0000"/>
+                </a:solidFill>
+              </a:rPr>
+              <a:t>. &gt;</a:t>
+            </a:r>
+            <a:endParaRPr lang="en-US" dirty="0">
+              <a:solidFill>
+                <a:srgbClr val="FF0000"/>
+              </a:solidFill>
+            </a:endParaRPr>
           </a:p>
           <a:p>
             <a:pPr marL="0" indent="0">
@@ -44714,7 +42634,7 @@
             </a:pPr>
             <a:r>
               <a:rPr lang="en-US" dirty="0"/>
-              <a:t>&lt;Your experience in creating technical documentation&gt;</a:t>
+              <a:t>&lt;Your experience in architecting systems, applications: diagrams, explanations, non-functional requirements, etc.&gt; </a:t>
             </a:r>
           </a:p>
           <a:p>
@@ -44722,12 +42642,12 @@
               <a:buNone/>
             </a:pPr>
             <a:r>
-              <a:rPr lang="en-US" dirty="0">
-                <a:solidFill>
-                  <a:srgbClr val="FF0000"/>
-                </a:solidFill>
-              </a:rPr>
-              <a:t>For example, 1.my latest contribution to Microsoft’s .NET documentation where I described Threads priority level and produced a code snippet which illustrated the behavior of threads prioritization.</a:t>
+              <a:rPr lang="en-US" dirty="0"/>
+              <a:t>&lt;Examples of diagrams you’ve created on your projects</a:t>
+            </a:r>
+            <a:r>
+              <a:rPr lang="en-US" dirty="0" smtClean="0"/>
+              <a:t>&gt;</a:t>
             </a:r>
           </a:p>
           <a:p>
@@ -44736,17 +42656,27 @@
             </a:pPr>
             <a:r>
               <a:rPr lang="en-US" dirty="0"/>
-              <a:t>2.TrainBeast most verbose ticket</a:t>
-            </a:r>
+              <a:t>&lt;Your experience in creating technical documentation</a:t>
+            </a:r>
+            <a:r>
+              <a:rPr lang="en-US" dirty="0" smtClean="0"/>
+              <a:t>&gt;</a:t>
+            </a:r>
+            <a:endParaRPr lang="en-US" dirty="0"/>
           </a:p>
           <a:p>
             <a:pPr marL="0" indent="0">
               <a:buNone/>
             </a:pPr>
             <a:r>
-              <a:rPr lang="en-US" dirty="0"/>
-              <a:t>&lt;Any other facts that cover requirements for the position, e.g. &lt;etc.&gt;</a:t>
-            </a:r>
+              <a:rPr lang="en-US" dirty="0" smtClean="0">
+                <a:solidFill>
+                  <a:srgbClr val="FF0000"/>
+                </a:solidFill>
+              </a:rPr>
+              <a:t>1. </a:t>
+            </a:r>
+            <a:endParaRPr lang="en-US" dirty="0"/>
           </a:p>
         </p:txBody>
       </p:sp>
@@ -44755,7 +42685,7 @@
           <p:cNvPr id="4" name="Slide Number Placeholder 3">
             <a:extLst>
               <a:ext uri="{FF2B5EF4-FFF2-40B4-BE49-F238E27FC236}">
-                <a16:creationId xmlns:a16="http://schemas.microsoft.com/office/drawing/2014/main" id="{3556BD0F-2BEF-4478-9FA4-49270F475B4A}"/>
+                <a16:creationId xmlns:a16="http://schemas.microsoft.com/office/drawing/2014/main" xmlns="" id="{3556BD0F-2BEF-4478-9FA4-49270F475B4A}"/>
               </a:ext>
             </a:extLst>
           </p:cNvPr>
@@ -44815,7 +42745,7 @@
           <p:cNvPr id="7" name="Title 6">
             <a:extLst>
               <a:ext uri="{FF2B5EF4-FFF2-40B4-BE49-F238E27FC236}">
-                <a16:creationId xmlns:a16="http://schemas.microsoft.com/office/drawing/2014/main" id="{E47412CA-6E19-4E22-9500-E5E4CB6E60D7}"/>
+                <a16:creationId xmlns:a16="http://schemas.microsoft.com/office/drawing/2014/main" xmlns="" id="{E47412CA-6E19-4E22-9500-E5E4CB6E60D7}"/>
               </a:ext>
             </a:extLst>
           </p:cNvPr>
@@ -44844,7 +42774,7 @@
           <p:cNvPr id="10" name="Content Placeholder 9">
             <a:extLst>
               <a:ext uri="{FF2B5EF4-FFF2-40B4-BE49-F238E27FC236}">
-                <a16:creationId xmlns:a16="http://schemas.microsoft.com/office/drawing/2014/main" id="{AFBE4475-415B-4548-8067-88255B58FE3A}"/>
+                <a16:creationId xmlns:a16="http://schemas.microsoft.com/office/drawing/2014/main" xmlns="" id="{AFBE4475-415B-4548-8067-88255B58FE3A}"/>
               </a:ext>
             </a:extLst>
           </p:cNvPr>
@@ -44876,7 +42806,7 @@
           <p:cNvPr id="5" name="Slide Number Placeholder 4">
             <a:extLst>
               <a:ext uri="{FF2B5EF4-FFF2-40B4-BE49-F238E27FC236}">
-                <a16:creationId xmlns:a16="http://schemas.microsoft.com/office/drawing/2014/main" id="{E20845A9-188B-8049-BCF6-C7A00D112623}"/>
+                <a16:creationId xmlns:a16="http://schemas.microsoft.com/office/drawing/2014/main" xmlns="" id="{E20845A9-188B-8049-BCF6-C7A00D112623}"/>
               </a:ext>
             </a:extLst>
           </p:cNvPr>
@@ -44906,7 +42836,7 @@
           <p:cNvPr id="9" name="Content Placeholder 8">
             <a:extLst>
               <a:ext uri="{FF2B5EF4-FFF2-40B4-BE49-F238E27FC236}">
-                <a16:creationId xmlns:a16="http://schemas.microsoft.com/office/drawing/2014/main" id="{94D18BFB-A7B5-49C3-B08B-81BC34582F79}"/>
+                <a16:creationId xmlns:a16="http://schemas.microsoft.com/office/drawing/2014/main" xmlns="" id="{94D18BFB-A7B5-49C3-B08B-81BC34582F79}"/>
               </a:ext>
             </a:extLst>
           </p:cNvPr>
@@ -44938,7 +42868,7 @@
           <p:cNvPr id="2" name="Rectangle 1">
             <a:extLst>
               <a:ext uri="{FF2B5EF4-FFF2-40B4-BE49-F238E27FC236}">
-                <a16:creationId xmlns:a16="http://schemas.microsoft.com/office/drawing/2014/main" id="{D859FD0F-B8D4-F438-9675-3EFDEEA5233B}"/>
+                <a16:creationId xmlns:a16="http://schemas.microsoft.com/office/drawing/2014/main" xmlns="" id="{D859FD0F-B8D4-F438-9675-3EFDEEA5233B}"/>
               </a:ext>
             </a:extLst>
           </p:cNvPr>
@@ -44977,27 +42907,36 @@
             <a:pPr algn="ctr"/>
             <a:r>
               <a:rPr lang="en-US" dirty="0"/>
-              <a:t>Train beast diagrams here</a:t>
-            </a:r>
+              <a:t>Train beast </a:t>
+            </a:r>
+            <a:r>
+              <a:rPr lang="en-US" dirty="0" err="1" smtClean="0"/>
+              <a:t>GitHub</a:t>
+            </a:r>
+            <a:r>
+              <a:rPr lang="en-US" dirty="0" smtClean="0"/>
+              <a:t> tickets screenshots goes here</a:t>
+            </a:r>
+          </a:p>
+          <a:p>
+            <a:pPr algn="ctr"/>
+            <a:r>
+              <a:rPr lang="en-US" dirty="0" smtClean="0"/>
+              <a:t>Maybe: Philip Morris, Facebook integration, </a:t>
+            </a:r>
+            <a:r>
+              <a:rPr lang="en-US" dirty="0" err="1" smtClean="0"/>
+              <a:t>TrainBeast</a:t>
+            </a:r>
+            <a:r>
+              <a:rPr lang="en-US" dirty="0" smtClean="0"/>
+              <a:t> (if any)</a:t>
+            </a:r>
+            <a:endParaRPr lang="en-US" dirty="0"/>
           </a:p>
           <a:p>
             <a:pPr algn="ctr"/>
             <a:endParaRPr lang="en-US" dirty="0"/>
-          </a:p>
-          <a:p>
-            <a:pPr algn="ctr"/>
-            <a:r>
-              <a:rPr lang="en-US" dirty="0"/>
-              <a:t>Train beast docs here from </a:t>
-            </a:r>
-            <a:r>
-              <a:rPr lang="en-US" dirty="0" err="1"/>
-              <a:t>github</a:t>
-            </a:r>
-            <a:r>
-              <a:rPr lang="en-US" dirty="0"/>
-              <a:t> project tickets</a:t>
-            </a:r>
           </a:p>
         </p:txBody>
       </p:sp>
@@ -45036,7 +42975,7 @@
           <p:cNvPr id="6" name="Title 5">
             <a:extLst>
               <a:ext uri="{FF2B5EF4-FFF2-40B4-BE49-F238E27FC236}">
-                <a16:creationId xmlns:a16="http://schemas.microsoft.com/office/drawing/2014/main" id="{1C94F114-D275-4EC5-BF03-8F7C37F5AD85}"/>
+                <a16:creationId xmlns:a16="http://schemas.microsoft.com/office/drawing/2014/main" xmlns="" id="{1C94F114-D275-4EC5-BF03-8F7C37F5AD85}"/>
               </a:ext>
             </a:extLst>
           </p:cNvPr>
@@ -45064,7 +43003,7 @@
           <p:cNvPr id="5" name="Slide Number Placeholder 4">
             <a:extLst>
               <a:ext uri="{FF2B5EF4-FFF2-40B4-BE49-F238E27FC236}">
-                <a16:creationId xmlns:a16="http://schemas.microsoft.com/office/drawing/2014/main" id="{A416811A-F6A0-4F08-B313-3E80568C03CD}"/>
+                <a16:creationId xmlns:a16="http://schemas.microsoft.com/office/drawing/2014/main" xmlns="" id="{A416811A-F6A0-4F08-B313-3E80568C03CD}"/>
               </a:ext>
             </a:extLst>
           </p:cNvPr>
@@ -45132,7 +43071,7 @@
           <p:cNvPr id="7" name="Title 6">
             <a:extLst>
               <a:ext uri="{FF2B5EF4-FFF2-40B4-BE49-F238E27FC236}">
-                <a16:creationId xmlns:a16="http://schemas.microsoft.com/office/drawing/2014/main" id="{0B102C28-93B6-460D-A142-B5D3420159D9}"/>
+                <a16:creationId xmlns:a16="http://schemas.microsoft.com/office/drawing/2014/main" xmlns="" id="{0B102C28-93B6-460D-A142-B5D3420159D9}"/>
               </a:ext>
             </a:extLst>
           </p:cNvPr>
@@ -45160,7 +43099,7 @@
           <p:cNvPr id="8" name="Content Placeholder 7">
             <a:extLst>
               <a:ext uri="{FF2B5EF4-FFF2-40B4-BE49-F238E27FC236}">
-                <a16:creationId xmlns:a16="http://schemas.microsoft.com/office/drawing/2014/main" id="{06572BEE-D620-4C67-84DC-3FEAFD8A0B57}"/>
+                <a16:creationId xmlns:a16="http://schemas.microsoft.com/office/drawing/2014/main" xmlns="" id="{06572BEE-D620-4C67-84DC-3FEAFD8A0B57}"/>
               </a:ext>
             </a:extLst>
           </p:cNvPr>
@@ -45316,7 +43255,7 @@
           <p:cNvPr id="4" name="Slide Number Placeholder 3">
             <a:extLst>
               <a:ext uri="{FF2B5EF4-FFF2-40B4-BE49-F238E27FC236}">
-                <a16:creationId xmlns:a16="http://schemas.microsoft.com/office/drawing/2014/main" id="{3556BD0F-2BEF-4478-9FA4-49270F475B4A}"/>
+                <a16:creationId xmlns:a16="http://schemas.microsoft.com/office/drawing/2014/main" xmlns="" id="{3556BD0F-2BEF-4478-9FA4-49270F475B4A}"/>
               </a:ext>
             </a:extLst>
           </p:cNvPr>
@@ -45376,7 +43315,7 @@
           <p:cNvPr id="6" name="Title 5">
             <a:extLst>
               <a:ext uri="{FF2B5EF4-FFF2-40B4-BE49-F238E27FC236}">
-                <a16:creationId xmlns:a16="http://schemas.microsoft.com/office/drawing/2014/main" id="{FDDAEEC7-441C-4E02-881C-07DA662373B3}"/>
+                <a16:creationId xmlns:a16="http://schemas.microsoft.com/office/drawing/2014/main" xmlns="" id="{FDDAEEC7-441C-4E02-881C-07DA662373B3}"/>
               </a:ext>
             </a:extLst>
           </p:cNvPr>
@@ -45404,7 +43343,7 @@
           <p:cNvPr id="5" name="Slide Number Placeholder 4">
             <a:extLst>
               <a:ext uri="{FF2B5EF4-FFF2-40B4-BE49-F238E27FC236}">
-                <a16:creationId xmlns:a16="http://schemas.microsoft.com/office/drawing/2014/main" id="{84D62D9A-3926-4C9C-8776-7E8B0AEC83B8}"/>
+                <a16:creationId xmlns:a16="http://schemas.microsoft.com/office/drawing/2014/main" xmlns="" id="{84D62D9A-3926-4C9C-8776-7E8B0AEC83B8}"/>
               </a:ext>
             </a:extLst>
           </p:cNvPr>
@@ -45494,7 +43433,7 @@
           <p:cNvPr id="5" name="Slide Number Placeholder 4">
             <a:extLst>
               <a:ext uri="{FF2B5EF4-FFF2-40B4-BE49-F238E27FC236}">
-                <a16:creationId xmlns:a16="http://schemas.microsoft.com/office/drawing/2014/main" id="{D695E08B-236F-5B4F-801C-4C75369E005C}"/>
+                <a16:creationId xmlns:a16="http://schemas.microsoft.com/office/drawing/2014/main" xmlns="" id="{D695E08B-236F-5B4F-801C-4C75369E005C}"/>
               </a:ext>
             </a:extLst>
           </p:cNvPr>
@@ -45524,7 +43463,7 @@
           <p:cNvPr id="2" name="Diagram 1">
             <a:extLst>
               <a:ext uri="{FF2B5EF4-FFF2-40B4-BE49-F238E27FC236}">
-                <a16:creationId xmlns:a16="http://schemas.microsoft.com/office/drawing/2014/main" id="{CF4841E4-D4DF-4821-A3A7-AFED011E0E5C}"/>
+                <a16:creationId xmlns:a16="http://schemas.microsoft.com/office/drawing/2014/main" xmlns="" id="{CF4841E4-D4DF-4821-A3A7-AFED011E0E5C}"/>
               </a:ext>
             </a:extLst>
           </p:cNvPr>
@@ -45582,7 +43521,7 @@
           <p:cNvPr id="7" name="Title 6">
             <a:extLst>
               <a:ext uri="{FF2B5EF4-FFF2-40B4-BE49-F238E27FC236}">
-                <a16:creationId xmlns:a16="http://schemas.microsoft.com/office/drawing/2014/main" id="{0B102C28-93B6-460D-A142-B5D3420159D9}"/>
+                <a16:creationId xmlns:a16="http://schemas.microsoft.com/office/drawing/2014/main" xmlns="" id="{0B102C28-93B6-460D-A142-B5D3420159D9}"/>
               </a:ext>
             </a:extLst>
           </p:cNvPr>
@@ -45610,7 +43549,7 @@
           <p:cNvPr id="8" name="Content Placeholder 7">
             <a:extLst>
               <a:ext uri="{FF2B5EF4-FFF2-40B4-BE49-F238E27FC236}">
-                <a16:creationId xmlns:a16="http://schemas.microsoft.com/office/drawing/2014/main" id="{06572BEE-D620-4C67-84DC-3FEAFD8A0B57}"/>
+                <a16:creationId xmlns:a16="http://schemas.microsoft.com/office/drawing/2014/main" xmlns="" id="{06572BEE-D620-4C67-84DC-3FEAFD8A0B57}"/>
               </a:ext>
             </a:extLst>
           </p:cNvPr>
@@ -45758,7 +43697,7 @@
           <p:cNvPr id="4" name="Slide Number Placeholder 3">
             <a:extLst>
               <a:ext uri="{FF2B5EF4-FFF2-40B4-BE49-F238E27FC236}">
-                <a16:creationId xmlns:a16="http://schemas.microsoft.com/office/drawing/2014/main" id="{3556BD0F-2BEF-4478-9FA4-49270F475B4A}"/>
+                <a16:creationId xmlns:a16="http://schemas.microsoft.com/office/drawing/2014/main" xmlns="" id="{3556BD0F-2BEF-4478-9FA4-49270F475B4A}"/>
               </a:ext>
             </a:extLst>
           </p:cNvPr>
@@ -45840,7 +43779,7 @@
           <p:cNvPr id="2" name="Slide Number Placeholder 1">
             <a:extLst>
               <a:ext uri="{FF2B5EF4-FFF2-40B4-BE49-F238E27FC236}">
-                <a16:creationId xmlns:a16="http://schemas.microsoft.com/office/drawing/2014/main" id="{BD2203D6-46B2-544A-AEDD-86624A2E7DA7}"/>
+                <a16:creationId xmlns:a16="http://schemas.microsoft.com/office/drawing/2014/main" xmlns="" id="{BD2203D6-46B2-544A-AEDD-86624A2E7DA7}"/>
               </a:ext>
             </a:extLst>
           </p:cNvPr>
@@ -45916,7 +43855,7 @@
           <p:cNvPr id="6" name="Title 5">
             <a:extLst>
               <a:ext uri="{FF2B5EF4-FFF2-40B4-BE49-F238E27FC236}">
-                <a16:creationId xmlns:a16="http://schemas.microsoft.com/office/drawing/2014/main" id="{5BAD7407-67DA-4B58-8C70-9A8415C86BA6}"/>
+                <a16:creationId xmlns:a16="http://schemas.microsoft.com/office/drawing/2014/main" xmlns="" id="{5BAD7407-67DA-4B58-8C70-9A8415C86BA6}"/>
               </a:ext>
             </a:extLst>
           </p:cNvPr>
@@ -45944,7 +43883,7 @@
           <p:cNvPr id="8" name="Text Placeholder 7">
             <a:extLst>
               <a:ext uri="{FF2B5EF4-FFF2-40B4-BE49-F238E27FC236}">
-                <a16:creationId xmlns:a16="http://schemas.microsoft.com/office/drawing/2014/main" id="{4C874E20-5686-4C27-B884-1E070ECF7F7D}"/>
+                <a16:creationId xmlns:a16="http://schemas.microsoft.com/office/drawing/2014/main" xmlns="" id="{4C874E20-5686-4C27-B884-1E070ECF7F7D}"/>
               </a:ext>
             </a:extLst>
           </p:cNvPr>
@@ -46100,7 +44039,7 @@
           <p:cNvPr id="5" name="Slide Number Placeholder 4">
             <a:extLst>
               <a:ext uri="{FF2B5EF4-FFF2-40B4-BE49-F238E27FC236}">
-                <a16:creationId xmlns:a16="http://schemas.microsoft.com/office/drawing/2014/main" id="{C85DE3D2-F816-4FC5-8A64-81D511508E63}"/>
+                <a16:creationId xmlns:a16="http://schemas.microsoft.com/office/drawing/2014/main" xmlns="" id="{C85DE3D2-F816-4FC5-8A64-81D511508E63}"/>
               </a:ext>
             </a:extLst>
           </p:cNvPr>
@@ -46130,7 +44069,7 @@
           <p:cNvPr id="12" name="Text Placeholder 7">
             <a:extLst>
               <a:ext uri="{FF2B5EF4-FFF2-40B4-BE49-F238E27FC236}">
-                <a16:creationId xmlns:a16="http://schemas.microsoft.com/office/drawing/2014/main" id="{ABFC6CAF-A097-43B0-BCB6-2DA62D79FCC8}"/>
+                <a16:creationId xmlns:a16="http://schemas.microsoft.com/office/drawing/2014/main" xmlns="" id="{ABFC6CAF-A097-43B0-BCB6-2DA62D79FCC8}"/>
               </a:ext>
             </a:extLst>
           </p:cNvPr>
@@ -46336,7 +44275,7 @@
           <p:cNvPr id="3" name="Text Placeholder 2">
             <a:extLst>
               <a:ext uri="{FF2B5EF4-FFF2-40B4-BE49-F238E27FC236}">
-                <a16:creationId xmlns:a16="http://schemas.microsoft.com/office/drawing/2014/main" id="{B8E0FF39-12C5-24E3-3C9B-67CCE08E8CA8}"/>
+                <a16:creationId xmlns:a16="http://schemas.microsoft.com/office/drawing/2014/main" xmlns="" id="{B8E0FF39-12C5-24E3-3C9B-67CCE08E8CA8}"/>
               </a:ext>
             </a:extLst>
           </p:cNvPr>
@@ -46413,6 +44352,10 @@
             <a:br>
               <a:rPr lang="en-US" dirty="0"/>
             </a:br>
+            <a:r>
+              <a:rPr lang="en-US" dirty="0"/>
+              <a:t/>
+            </a:r>
             <a:br>
               <a:rPr lang="en-US" dirty="0"/>
             </a:br>
@@ -46428,7 +44371,7 @@
           <p:cNvPr id="2" name="Slide Number Placeholder 1">
             <a:extLst>
               <a:ext uri="{FF2B5EF4-FFF2-40B4-BE49-F238E27FC236}">
-                <a16:creationId xmlns:a16="http://schemas.microsoft.com/office/drawing/2014/main" id="{BD2203D6-46B2-544A-AEDD-86624A2E7DA7}"/>
+                <a16:creationId xmlns:a16="http://schemas.microsoft.com/office/drawing/2014/main" xmlns="" id="{BD2203D6-46B2-544A-AEDD-86624A2E7DA7}"/>
               </a:ext>
             </a:extLst>
           </p:cNvPr>
@@ -46686,7 +44629,7 @@
           <p:cNvPr id="5" name="Text Placeholder 4">
             <a:extLst>
               <a:ext uri="{FF2B5EF4-FFF2-40B4-BE49-F238E27FC236}">
-                <a16:creationId xmlns:a16="http://schemas.microsoft.com/office/drawing/2014/main" id="{EF19F599-9E5A-40A4-8AC5-6C97D1AA1592}"/>
+                <a16:creationId xmlns:a16="http://schemas.microsoft.com/office/drawing/2014/main" xmlns="" id="{EF19F599-9E5A-40A4-8AC5-6C97D1AA1592}"/>
               </a:ext>
             </a:extLst>
           </p:cNvPr>
@@ -46756,7 +44699,7 @@
           <p:cNvPr id="9" name="Text Placeholder 8">
             <a:extLst>
               <a:ext uri="{FF2B5EF4-FFF2-40B4-BE49-F238E27FC236}">
-                <a16:creationId xmlns:a16="http://schemas.microsoft.com/office/drawing/2014/main" id="{35C07124-C3BC-4B02-8FA1-6FDB80709C39}"/>
+                <a16:creationId xmlns:a16="http://schemas.microsoft.com/office/drawing/2014/main" xmlns="" id="{35C07124-C3BC-4B02-8FA1-6FDB80709C39}"/>
               </a:ext>
             </a:extLst>
           </p:cNvPr>
@@ -46799,7 +44742,7 @@
           <p:cNvPr id="13" name="Picture Placeholder 12">
             <a:extLst>
               <a:ext uri="{FF2B5EF4-FFF2-40B4-BE49-F238E27FC236}">
-                <a16:creationId xmlns:a16="http://schemas.microsoft.com/office/drawing/2014/main" id="{44986B25-6929-E44C-972A-1C7D4EAD0A09}"/>
+                <a16:creationId xmlns:a16="http://schemas.microsoft.com/office/drawing/2014/main" xmlns="" id="{44986B25-6929-E44C-972A-1C7D4EAD0A09}"/>
               </a:ext>
             </a:extLst>
           </p:cNvPr>
@@ -46876,7 +44819,7 @@
           <p:cNvPr id="4" name="Slide Number Placeholder 3">
             <a:extLst>
               <a:ext uri="{FF2B5EF4-FFF2-40B4-BE49-F238E27FC236}">
-                <a16:creationId xmlns:a16="http://schemas.microsoft.com/office/drawing/2014/main" id="{706F2CBD-7975-49B2-810C-75BFA6E26F22}"/>
+                <a16:creationId xmlns:a16="http://schemas.microsoft.com/office/drawing/2014/main" xmlns="" id="{706F2CBD-7975-49B2-810C-75BFA6E26F22}"/>
               </a:ext>
             </a:extLst>
           </p:cNvPr>
@@ -46906,7 +44849,7 @@
           <p:cNvPr id="5" name="Diagram 4">
             <a:extLst>
               <a:ext uri="{FF2B5EF4-FFF2-40B4-BE49-F238E27FC236}">
-                <a16:creationId xmlns:a16="http://schemas.microsoft.com/office/drawing/2014/main" id="{8C99DA43-C452-4A4C-8F4F-283CCB1CDA8E}"/>
+                <a16:creationId xmlns:a16="http://schemas.microsoft.com/office/drawing/2014/main" xmlns="" id="{8C99DA43-C452-4A4C-8F4F-283CCB1CDA8E}"/>
               </a:ext>
             </a:extLst>
           </p:cNvPr>
@@ -46934,7 +44877,7 @@
           <p:cNvPr id="6" name="Content Placeholder 2">
             <a:extLst>
               <a:ext uri="{FF2B5EF4-FFF2-40B4-BE49-F238E27FC236}">
-                <a16:creationId xmlns:a16="http://schemas.microsoft.com/office/drawing/2014/main" id="{723DB448-374E-19E8-5EAB-6392F2774EB0}"/>
+                <a16:creationId xmlns:a16="http://schemas.microsoft.com/office/drawing/2014/main" xmlns="" id="{723DB448-374E-19E8-5EAB-6392F2774EB0}"/>
               </a:ext>
             </a:extLst>
           </p:cNvPr>
@@ -47273,7 +45216,7 @@
           <p:cNvPr id="7" name="Title 6">
             <a:extLst>
               <a:ext uri="{FF2B5EF4-FFF2-40B4-BE49-F238E27FC236}">
-                <a16:creationId xmlns:a16="http://schemas.microsoft.com/office/drawing/2014/main" id="{3E27537E-B740-4600-B4FE-373C3DF2CDE6}"/>
+                <a16:creationId xmlns:a16="http://schemas.microsoft.com/office/drawing/2014/main" xmlns="" id="{3E27537E-B740-4600-B4FE-373C3DF2CDE6}"/>
               </a:ext>
             </a:extLst>
           </p:cNvPr>
@@ -47301,7 +45244,7 @@
           <p:cNvPr id="4" name="Slide Number Placeholder 3">
             <a:extLst>
               <a:ext uri="{FF2B5EF4-FFF2-40B4-BE49-F238E27FC236}">
-                <a16:creationId xmlns:a16="http://schemas.microsoft.com/office/drawing/2014/main" id="{C777E39B-EE2E-4529-AA8F-13789074283C}"/>
+                <a16:creationId xmlns:a16="http://schemas.microsoft.com/office/drawing/2014/main" xmlns="" id="{C777E39B-EE2E-4529-AA8F-13789074283C}"/>
               </a:ext>
             </a:extLst>
           </p:cNvPr>
@@ -47399,7 +45342,7 @@
           <p:cNvPr id="2" name="Content Placeholder 1">
             <a:extLst>
               <a:ext uri="{FF2B5EF4-FFF2-40B4-BE49-F238E27FC236}">
-                <a16:creationId xmlns:a16="http://schemas.microsoft.com/office/drawing/2014/main" id="{F03CE690-376B-4B3B-BEC0-C3EF1CF5E042}"/>
+                <a16:creationId xmlns:a16="http://schemas.microsoft.com/office/drawing/2014/main" xmlns="" id="{F03CE690-376B-4B3B-BEC0-C3EF1CF5E042}"/>
               </a:ext>
             </a:extLst>
           </p:cNvPr>
@@ -47438,7 +45381,7 @@
           <p:cNvPr id="3" name="Text Placeholder 2">
             <a:extLst>
               <a:ext uri="{FF2B5EF4-FFF2-40B4-BE49-F238E27FC236}">
-                <a16:creationId xmlns:a16="http://schemas.microsoft.com/office/drawing/2014/main" id="{E78CD8FA-7ADA-427B-B760-E0E240C73F20}"/>
+                <a16:creationId xmlns:a16="http://schemas.microsoft.com/office/drawing/2014/main" xmlns="" id="{E78CD8FA-7ADA-427B-B760-E0E240C73F20}"/>
               </a:ext>
             </a:extLst>
           </p:cNvPr>
@@ -47471,7 +45414,7 @@
           <p:cNvPr id="4" name="Content Placeholder 3">
             <a:extLst>
               <a:ext uri="{FF2B5EF4-FFF2-40B4-BE49-F238E27FC236}">
-                <a16:creationId xmlns:a16="http://schemas.microsoft.com/office/drawing/2014/main" id="{167BA88B-DEFB-4275-BBD6-EFE51CF088C4}"/>
+                <a16:creationId xmlns:a16="http://schemas.microsoft.com/office/drawing/2014/main" xmlns="" id="{167BA88B-DEFB-4275-BBD6-EFE51CF088C4}"/>
               </a:ext>
             </a:extLst>
           </p:cNvPr>
@@ -47531,7 +45474,7 @@
           <p:cNvPr id="6" name="Text Placeholder 5">
             <a:extLst>
               <a:ext uri="{FF2B5EF4-FFF2-40B4-BE49-F238E27FC236}">
-                <a16:creationId xmlns:a16="http://schemas.microsoft.com/office/drawing/2014/main" id="{846C3005-2829-47CF-B435-6CC1A76FEC2E}"/>
+                <a16:creationId xmlns:a16="http://schemas.microsoft.com/office/drawing/2014/main" xmlns="" id="{846C3005-2829-47CF-B435-6CC1A76FEC2E}"/>
               </a:ext>
             </a:extLst>
           </p:cNvPr>
@@ -47564,7 +45507,7 @@
           <p:cNvPr id="5" name="Slide Number Placeholder 4">
             <a:extLst>
               <a:ext uri="{FF2B5EF4-FFF2-40B4-BE49-F238E27FC236}">
-                <a16:creationId xmlns:a16="http://schemas.microsoft.com/office/drawing/2014/main" id="{A0B887B2-5B81-1D4E-A26D-E8BF86D8C354}"/>
+                <a16:creationId xmlns:a16="http://schemas.microsoft.com/office/drawing/2014/main" xmlns="" id="{A0B887B2-5B81-1D4E-A26D-E8BF86D8C354}"/>
               </a:ext>
             </a:extLst>
           </p:cNvPr>
@@ -47594,7 +45537,7 @@
           <p:cNvPr id="9" name="Text Placeholder 2">
             <a:extLst>
               <a:ext uri="{FF2B5EF4-FFF2-40B4-BE49-F238E27FC236}">
-                <a16:creationId xmlns:a16="http://schemas.microsoft.com/office/drawing/2014/main" id="{4C7EE91A-47FE-4C26-9DEE-BDC449234F2A}"/>
+                <a16:creationId xmlns:a16="http://schemas.microsoft.com/office/drawing/2014/main" xmlns="" id="{4C7EE91A-47FE-4C26-9DEE-BDC449234F2A}"/>
               </a:ext>
             </a:extLst>
           </p:cNvPr>
@@ -47796,7 +45739,7 @@
           <p:cNvPr id="14" name="Content Placeholder 1">
             <a:extLst>
               <a:ext uri="{FF2B5EF4-FFF2-40B4-BE49-F238E27FC236}">
-                <a16:creationId xmlns:a16="http://schemas.microsoft.com/office/drawing/2014/main" id="{AF29E139-14E7-C043-80C5-A637E4D4ABCC}"/>
+                <a16:creationId xmlns:a16="http://schemas.microsoft.com/office/drawing/2014/main" xmlns="" id="{AF29E139-14E7-C043-80C5-A637E4D4ABCC}"/>
               </a:ext>
             </a:extLst>
           </p:cNvPr>
@@ -48017,7 +45960,7 @@
           <p:cNvPr id="15" name="Text Placeholder 2">
             <a:extLst>
               <a:ext uri="{FF2B5EF4-FFF2-40B4-BE49-F238E27FC236}">
-                <a16:creationId xmlns:a16="http://schemas.microsoft.com/office/drawing/2014/main" id="{19A4AE2F-5005-5747-8EAD-87D1FFAB74C2}"/>
+                <a16:creationId xmlns:a16="http://schemas.microsoft.com/office/drawing/2014/main" xmlns="" id="{19A4AE2F-5005-5747-8EAD-87D1FFAB74C2}"/>
               </a:ext>
             </a:extLst>
           </p:cNvPr>
@@ -48294,7 +46237,7 @@
           <p:cNvPr id="2" name="Content Placeholder 1">
             <a:extLst>
               <a:ext uri="{FF2B5EF4-FFF2-40B4-BE49-F238E27FC236}">
-                <a16:creationId xmlns:a16="http://schemas.microsoft.com/office/drawing/2014/main" id="{F03CE690-376B-4B3B-BEC0-C3EF1CF5E042}"/>
+                <a16:creationId xmlns:a16="http://schemas.microsoft.com/office/drawing/2014/main" xmlns="" id="{F03CE690-376B-4B3B-BEC0-C3EF1CF5E042}"/>
               </a:ext>
             </a:extLst>
           </p:cNvPr>
@@ -48354,7 +46297,7 @@
           <p:cNvPr id="3" name="Text Placeholder 2">
             <a:extLst>
               <a:ext uri="{FF2B5EF4-FFF2-40B4-BE49-F238E27FC236}">
-                <a16:creationId xmlns:a16="http://schemas.microsoft.com/office/drawing/2014/main" id="{E78CD8FA-7ADA-427B-B760-E0E240C73F20}"/>
+                <a16:creationId xmlns:a16="http://schemas.microsoft.com/office/drawing/2014/main" xmlns="" id="{E78CD8FA-7ADA-427B-B760-E0E240C73F20}"/>
               </a:ext>
             </a:extLst>
           </p:cNvPr>
@@ -48387,7 +46330,7 @@
           <p:cNvPr id="4" name="Content Placeholder 3">
             <a:extLst>
               <a:ext uri="{FF2B5EF4-FFF2-40B4-BE49-F238E27FC236}">
-                <a16:creationId xmlns:a16="http://schemas.microsoft.com/office/drawing/2014/main" id="{167BA88B-DEFB-4275-BBD6-EFE51CF088C4}"/>
+                <a16:creationId xmlns:a16="http://schemas.microsoft.com/office/drawing/2014/main" xmlns="" id="{167BA88B-DEFB-4275-BBD6-EFE51CF088C4}"/>
               </a:ext>
             </a:extLst>
           </p:cNvPr>
@@ -48525,7 +46468,7 @@
           <p:cNvPr id="6" name="Text Placeholder 5">
             <a:extLst>
               <a:ext uri="{FF2B5EF4-FFF2-40B4-BE49-F238E27FC236}">
-                <a16:creationId xmlns:a16="http://schemas.microsoft.com/office/drawing/2014/main" id="{846C3005-2829-47CF-B435-6CC1A76FEC2E}"/>
+                <a16:creationId xmlns:a16="http://schemas.microsoft.com/office/drawing/2014/main" xmlns="" id="{846C3005-2829-47CF-B435-6CC1A76FEC2E}"/>
               </a:ext>
             </a:extLst>
           </p:cNvPr>
@@ -48558,7 +46501,7 @@
           <p:cNvPr id="5" name="Slide Number Placeholder 4">
             <a:extLst>
               <a:ext uri="{FF2B5EF4-FFF2-40B4-BE49-F238E27FC236}">
-                <a16:creationId xmlns:a16="http://schemas.microsoft.com/office/drawing/2014/main" id="{A0B887B2-5B81-1D4E-A26D-E8BF86D8C354}"/>
+                <a16:creationId xmlns:a16="http://schemas.microsoft.com/office/drawing/2014/main" xmlns="" id="{A0B887B2-5B81-1D4E-A26D-E8BF86D8C354}"/>
               </a:ext>
             </a:extLst>
           </p:cNvPr>
@@ -48588,7 +46531,7 @@
           <p:cNvPr id="13" name="Text Placeholder 2">
             <a:extLst>
               <a:ext uri="{FF2B5EF4-FFF2-40B4-BE49-F238E27FC236}">
-                <a16:creationId xmlns:a16="http://schemas.microsoft.com/office/drawing/2014/main" id="{5B19B829-9E23-244B-8A6A-788BB526886B}"/>
+                <a16:creationId xmlns:a16="http://schemas.microsoft.com/office/drawing/2014/main" xmlns="" id="{5B19B829-9E23-244B-8A6A-788BB526886B}"/>
               </a:ext>
             </a:extLst>
           </p:cNvPr>
@@ -48790,7 +46733,7 @@
           <p:cNvPr id="14" name="Content Placeholder 1">
             <a:extLst>
               <a:ext uri="{FF2B5EF4-FFF2-40B4-BE49-F238E27FC236}">
-                <a16:creationId xmlns:a16="http://schemas.microsoft.com/office/drawing/2014/main" id="{01A0982F-D3C3-4844-A10A-7CE451C063DE}"/>
+                <a16:creationId xmlns:a16="http://schemas.microsoft.com/office/drawing/2014/main" xmlns="" id="{01A0982F-D3C3-4844-A10A-7CE451C063DE}"/>
               </a:ext>
             </a:extLst>
           </p:cNvPr>
@@ -49012,7 +46955,7 @@
           <p:cNvPr id="16" name="Text Placeholder 2">
             <a:extLst>
               <a:ext uri="{FF2B5EF4-FFF2-40B4-BE49-F238E27FC236}">
-                <a16:creationId xmlns:a16="http://schemas.microsoft.com/office/drawing/2014/main" id="{CBF74B37-58A0-EC40-8B1E-68059E84E05F}"/>
+                <a16:creationId xmlns:a16="http://schemas.microsoft.com/office/drawing/2014/main" xmlns="" id="{CBF74B37-58A0-EC40-8B1E-68059E84E05F}"/>
               </a:ext>
             </a:extLst>
           </p:cNvPr>
@@ -49289,7 +47232,7 @@
           <p:cNvPr id="2" name="Content Placeholder 1">
             <a:extLst>
               <a:ext uri="{FF2B5EF4-FFF2-40B4-BE49-F238E27FC236}">
-                <a16:creationId xmlns:a16="http://schemas.microsoft.com/office/drawing/2014/main" id="{F03CE690-376B-4B3B-BEC0-C3EF1CF5E042}"/>
+                <a16:creationId xmlns:a16="http://schemas.microsoft.com/office/drawing/2014/main" xmlns="" id="{F03CE690-376B-4B3B-BEC0-C3EF1CF5E042}"/>
               </a:ext>
             </a:extLst>
           </p:cNvPr>
@@ -49328,7 +47271,7 @@
           <p:cNvPr id="3" name="Text Placeholder 2">
             <a:extLst>
               <a:ext uri="{FF2B5EF4-FFF2-40B4-BE49-F238E27FC236}">
-                <a16:creationId xmlns:a16="http://schemas.microsoft.com/office/drawing/2014/main" id="{E78CD8FA-7ADA-427B-B760-E0E240C73F20}"/>
+                <a16:creationId xmlns:a16="http://schemas.microsoft.com/office/drawing/2014/main" xmlns="" id="{E78CD8FA-7ADA-427B-B760-E0E240C73F20}"/>
               </a:ext>
             </a:extLst>
           </p:cNvPr>
@@ -49361,7 +47304,7 @@
           <p:cNvPr id="4" name="Content Placeholder 3">
             <a:extLst>
               <a:ext uri="{FF2B5EF4-FFF2-40B4-BE49-F238E27FC236}">
-                <a16:creationId xmlns:a16="http://schemas.microsoft.com/office/drawing/2014/main" id="{167BA88B-DEFB-4275-BBD6-EFE51CF088C4}"/>
+                <a16:creationId xmlns:a16="http://schemas.microsoft.com/office/drawing/2014/main" xmlns="" id="{167BA88B-DEFB-4275-BBD6-EFE51CF088C4}"/>
               </a:ext>
             </a:extLst>
           </p:cNvPr>
@@ -49415,7 +47358,7 @@
           <p:cNvPr id="6" name="Text Placeholder 5">
             <a:extLst>
               <a:ext uri="{FF2B5EF4-FFF2-40B4-BE49-F238E27FC236}">
-                <a16:creationId xmlns:a16="http://schemas.microsoft.com/office/drawing/2014/main" id="{846C3005-2829-47CF-B435-6CC1A76FEC2E}"/>
+                <a16:creationId xmlns:a16="http://schemas.microsoft.com/office/drawing/2014/main" xmlns="" id="{846C3005-2829-47CF-B435-6CC1A76FEC2E}"/>
               </a:ext>
             </a:extLst>
           </p:cNvPr>
@@ -49448,7 +47391,7 @@
           <p:cNvPr id="5" name="Slide Number Placeholder 4">
             <a:extLst>
               <a:ext uri="{FF2B5EF4-FFF2-40B4-BE49-F238E27FC236}">
-                <a16:creationId xmlns:a16="http://schemas.microsoft.com/office/drawing/2014/main" id="{A0B887B2-5B81-1D4E-A26D-E8BF86D8C354}"/>
+                <a16:creationId xmlns:a16="http://schemas.microsoft.com/office/drawing/2014/main" xmlns="" id="{A0B887B2-5B81-1D4E-A26D-E8BF86D8C354}"/>
               </a:ext>
             </a:extLst>
           </p:cNvPr>
@@ -49478,7 +47421,7 @@
           <p:cNvPr id="9" name="Text Placeholder 2">
             <a:extLst>
               <a:ext uri="{FF2B5EF4-FFF2-40B4-BE49-F238E27FC236}">
-                <a16:creationId xmlns:a16="http://schemas.microsoft.com/office/drawing/2014/main" id="{4C7EE91A-47FE-4C26-9DEE-BDC449234F2A}"/>
+                <a16:creationId xmlns:a16="http://schemas.microsoft.com/office/drawing/2014/main" xmlns="" id="{4C7EE91A-47FE-4C26-9DEE-BDC449234F2A}"/>
               </a:ext>
             </a:extLst>
           </p:cNvPr>
@@ -49680,7 +47623,7 @@
           <p:cNvPr id="14" name="Content Placeholder 1">
             <a:extLst>
               <a:ext uri="{FF2B5EF4-FFF2-40B4-BE49-F238E27FC236}">
-                <a16:creationId xmlns:a16="http://schemas.microsoft.com/office/drawing/2014/main" id="{AF29E139-14E7-C043-80C5-A637E4D4ABCC}"/>
+                <a16:creationId xmlns:a16="http://schemas.microsoft.com/office/drawing/2014/main" xmlns="" id="{AF29E139-14E7-C043-80C5-A637E4D4ABCC}"/>
               </a:ext>
             </a:extLst>
           </p:cNvPr>
@@ -49883,7 +47826,7 @@
           <p:cNvPr id="15" name="Text Placeholder 2">
             <a:extLst>
               <a:ext uri="{FF2B5EF4-FFF2-40B4-BE49-F238E27FC236}">
-                <a16:creationId xmlns:a16="http://schemas.microsoft.com/office/drawing/2014/main" id="{19A4AE2F-5005-5747-8EAD-87D1FFAB74C2}"/>
+                <a16:creationId xmlns:a16="http://schemas.microsoft.com/office/drawing/2014/main" xmlns="" id="{19A4AE2F-5005-5747-8EAD-87D1FFAB74C2}"/>
               </a:ext>
             </a:extLst>
           </p:cNvPr>
@@ -50160,7 +48103,7 @@
           <p:cNvPr id="2" name="Content Placeholder 1">
             <a:extLst>
               <a:ext uri="{FF2B5EF4-FFF2-40B4-BE49-F238E27FC236}">
-                <a16:creationId xmlns:a16="http://schemas.microsoft.com/office/drawing/2014/main" id="{F03CE690-376B-4B3B-BEC0-C3EF1CF5E042}"/>
+                <a16:creationId xmlns:a16="http://schemas.microsoft.com/office/drawing/2014/main" xmlns="" id="{F03CE690-376B-4B3B-BEC0-C3EF1CF5E042}"/>
               </a:ext>
             </a:extLst>
           </p:cNvPr>
@@ -50209,7 +48152,7 @@
           <p:cNvPr id="3" name="Text Placeholder 2">
             <a:extLst>
               <a:ext uri="{FF2B5EF4-FFF2-40B4-BE49-F238E27FC236}">
-                <a16:creationId xmlns:a16="http://schemas.microsoft.com/office/drawing/2014/main" id="{E78CD8FA-7ADA-427B-B760-E0E240C73F20}"/>
+                <a16:creationId xmlns:a16="http://schemas.microsoft.com/office/drawing/2014/main" xmlns="" id="{E78CD8FA-7ADA-427B-B760-E0E240C73F20}"/>
               </a:ext>
             </a:extLst>
           </p:cNvPr>
@@ -50242,7 +48185,7 @@
           <p:cNvPr id="4" name="Content Placeholder 3">
             <a:extLst>
               <a:ext uri="{FF2B5EF4-FFF2-40B4-BE49-F238E27FC236}">
-                <a16:creationId xmlns:a16="http://schemas.microsoft.com/office/drawing/2014/main" id="{167BA88B-DEFB-4275-BBD6-EFE51CF088C4}"/>
+                <a16:creationId xmlns:a16="http://schemas.microsoft.com/office/drawing/2014/main" xmlns="" id="{167BA88B-DEFB-4275-BBD6-EFE51CF088C4}"/>
               </a:ext>
             </a:extLst>
           </p:cNvPr>
@@ -50358,7 +48301,7 @@
           <p:cNvPr id="6" name="Text Placeholder 5">
             <a:extLst>
               <a:ext uri="{FF2B5EF4-FFF2-40B4-BE49-F238E27FC236}">
-                <a16:creationId xmlns:a16="http://schemas.microsoft.com/office/drawing/2014/main" id="{846C3005-2829-47CF-B435-6CC1A76FEC2E}"/>
+                <a16:creationId xmlns:a16="http://schemas.microsoft.com/office/drawing/2014/main" xmlns="" id="{846C3005-2829-47CF-B435-6CC1A76FEC2E}"/>
               </a:ext>
             </a:extLst>
           </p:cNvPr>
@@ -50391,7 +48334,7 @@
           <p:cNvPr id="5" name="Slide Number Placeholder 4">
             <a:extLst>
               <a:ext uri="{FF2B5EF4-FFF2-40B4-BE49-F238E27FC236}">
-                <a16:creationId xmlns:a16="http://schemas.microsoft.com/office/drawing/2014/main" id="{A0B887B2-5B81-1D4E-A26D-E8BF86D8C354}"/>
+                <a16:creationId xmlns:a16="http://schemas.microsoft.com/office/drawing/2014/main" xmlns="" id="{A0B887B2-5B81-1D4E-A26D-E8BF86D8C354}"/>
               </a:ext>
             </a:extLst>
           </p:cNvPr>
@@ -50421,7 +48364,7 @@
           <p:cNvPr id="16" name="Text Placeholder 2">
             <a:extLst>
               <a:ext uri="{FF2B5EF4-FFF2-40B4-BE49-F238E27FC236}">
-                <a16:creationId xmlns:a16="http://schemas.microsoft.com/office/drawing/2014/main" id="{CBF74B37-58A0-EC40-8B1E-68059E84E05F}"/>
+                <a16:creationId xmlns:a16="http://schemas.microsoft.com/office/drawing/2014/main" xmlns="" id="{CBF74B37-58A0-EC40-8B1E-68059E84E05F}"/>
               </a:ext>
             </a:extLst>
           </p:cNvPr>
@@ -50638,7 +48581,7 @@
           <p:cNvPr id="8" name="Picture 6">
             <a:extLst>
               <a:ext uri="{FF2B5EF4-FFF2-40B4-BE49-F238E27FC236}">
-                <a16:creationId xmlns:a16="http://schemas.microsoft.com/office/drawing/2014/main" id="{A7716262-82D1-753F-4671-58016F26141A}"/>
+                <a16:creationId xmlns:a16="http://schemas.microsoft.com/office/drawing/2014/main" xmlns="" id="{A7716262-82D1-753F-4671-58016F26141A}"/>
               </a:ext>
             </a:extLst>
           </p:cNvPr>
@@ -51819,18 +49762,18 @@
 </file>
 
 <file path=customXml/item1.xml><?xml version="1.0" encoding="utf-8"?>
-<p:properties xmlns:p="http://schemas.microsoft.com/office/2006/metadata/properties" xmlns:xsi="http://www.w3.org/2001/XMLSchema-instance" xmlns:pc="http://schemas.microsoft.com/office/infopath/2007/PartnerControls">
-  <documentManagement/>
-</p:properties>
-</file>
-
-<file path=customXml/item2.xml><?xml version="1.0" encoding="utf-8"?>
 <?mso-contentType ?>
 <FormTemplates xmlns="http://schemas.microsoft.com/sharepoint/v3/contenttype/forms">
   <Display>DocumentLibraryForm</Display>
   <Edit>DocumentLibraryForm</Edit>
   <New>DocumentLibraryForm</New>
 </FormTemplates>
+</file>
+
+<file path=customXml/item2.xml><?xml version="1.0" encoding="utf-8"?>
+<p:properties xmlns:p="http://schemas.microsoft.com/office/2006/metadata/properties" xmlns:xsi="http://www.w3.org/2001/XMLSchema-instance" xmlns:pc="http://schemas.microsoft.com/office/infopath/2007/PartnerControls">
+  <documentManagement/>
+</p:properties>
 </file>
 
 <file path=customXml/item3.xml><?xml version="1.0" encoding="utf-8"?>
@@ -51966,6 +49909,14 @@
 </file>
 
 <file path=customXml/itemProps1.xml><?xml version="1.0" encoding="utf-8"?>
+<ds:datastoreItem xmlns:ds="http://schemas.openxmlformats.org/officeDocument/2006/customXml" ds:itemID="{430A8ACC-16A7-4038-AA59-D3DCCD7CE031}">
+  <ds:schemaRefs>
+    <ds:schemaRef ds:uri="http://schemas.microsoft.com/sharepoint/v3/contenttype/forms"/>
+  </ds:schemaRefs>
+</ds:datastoreItem>
+</file>
+
+<file path=customXml/itemProps2.xml><?xml version="1.0" encoding="utf-8"?>
 <ds:datastoreItem xmlns:ds="http://schemas.openxmlformats.org/officeDocument/2006/customXml" ds:itemID="{6CCEF541-BD1E-4B0C-8A45-B4B36DAB4CAA}">
   <ds:schemaRefs>
     <ds:schemaRef ds:uri="http://schemas.microsoft.com/office/infopath/2007/PartnerControls"/>
@@ -51977,14 +49928,6 @@
     <ds:schemaRef ds:uri="http://www.w3.org/XML/1998/namespace"/>
     <ds:schemaRef ds:uri="6a0611e5-6bea-4b51-b5e1-5ef836e076f9"/>
     <ds:schemaRef ds:uri="http://purl.org/dc/dcmitype/"/>
-  </ds:schemaRefs>
-</ds:datastoreItem>
-</file>
-
-<file path=customXml/itemProps2.xml><?xml version="1.0" encoding="utf-8"?>
-<ds:datastoreItem xmlns:ds="http://schemas.openxmlformats.org/officeDocument/2006/customXml" ds:itemID="{430A8ACC-16A7-4038-AA59-D3DCCD7CE031}">
-  <ds:schemaRefs>
-    <ds:schemaRef ds:uri="http://schemas.microsoft.com/sharepoint/v3/contenttype/forms"/>
   </ds:schemaRefs>
 </ds:datastoreItem>
 </file>
